--- a/doc/high-level-design.pptx
+++ b/doc/high-level-design.pptx
@@ -5,7 +5,7 @@
     <p:sldMasterId id="2147483648" r:id="rId1"/>
   </p:sldMasterIdLst>
   <p:notesMasterIdLst>
-    <p:notesMasterId r:id="rId49"/>
+    <p:notesMasterId r:id="rId54"/>
   </p:notesMasterIdLst>
   <p:sldIdLst>
     <p:sldId id="256" r:id="rId2"/>
@@ -27,12 +27,12 @@
     <p:sldId id="286" r:id="rId18"/>
     <p:sldId id="260" r:id="rId19"/>
     <p:sldId id="283" r:id="rId20"/>
-    <p:sldId id="284" r:id="rId21"/>
-    <p:sldId id="285" r:id="rId22"/>
-    <p:sldId id="261" r:id="rId23"/>
-    <p:sldId id="262" r:id="rId24"/>
-    <p:sldId id="282" r:id="rId25"/>
-    <p:sldId id="263" r:id="rId26"/>
+    <p:sldId id="285" r:id="rId21"/>
+    <p:sldId id="261" r:id="rId22"/>
+    <p:sldId id="262" r:id="rId23"/>
+    <p:sldId id="282" r:id="rId24"/>
+    <p:sldId id="263" r:id="rId25"/>
+    <p:sldId id="304" r:id="rId26"/>
     <p:sldId id="296" r:id="rId27"/>
     <p:sldId id="297" r:id="rId28"/>
     <p:sldId id="274" r:id="rId29"/>
@@ -44,17 +44,22 @@
     <p:sldId id="268" r:id="rId35"/>
     <p:sldId id="269" r:id="rId36"/>
     <p:sldId id="270" r:id="rId37"/>
-    <p:sldId id="272" r:id="rId38"/>
-    <p:sldId id="271" r:id="rId39"/>
-    <p:sldId id="273" r:id="rId40"/>
-    <p:sldId id="275" r:id="rId41"/>
-    <p:sldId id="281" r:id="rId42"/>
-    <p:sldId id="259" r:id="rId43"/>
-    <p:sldId id="276" r:id="rId44"/>
-    <p:sldId id="277" r:id="rId45"/>
-    <p:sldId id="278" r:id="rId46"/>
-    <p:sldId id="279" r:id="rId47"/>
-    <p:sldId id="280" r:id="rId48"/>
+    <p:sldId id="308" r:id="rId38"/>
+    <p:sldId id="309" r:id="rId39"/>
+    <p:sldId id="272" r:id="rId40"/>
+    <p:sldId id="271" r:id="rId41"/>
+    <p:sldId id="273" r:id="rId42"/>
+    <p:sldId id="305" r:id="rId43"/>
+    <p:sldId id="306" r:id="rId44"/>
+    <p:sldId id="307" r:id="rId45"/>
+    <p:sldId id="275" r:id="rId46"/>
+    <p:sldId id="281" r:id="rId47"/>
+    <p:sldId id="259" r:id="rId48"/>
+    <p:sldId id="276" r:id="rId49"/>
+    <p:sldId id="277" r:id="rId50"/>
+    <p:sldId id="278" r:id="rId51"/>
+    <p:sldId id="279" r:id="rId52"/>
+    <p:sldId id="280" r:id="rId53"/>
   </p:sldIdLst>
   <p:sldSz cx="9144000" cy="6858000" type="screen4x3"/>
   <p:notesSz cx="6858000" cy="9144000"/>
@@ -188,12 +193,12 @@
             <p14:sldId id="286"/>
             <p14:sldId id="260"/>
             <p14:sldId id="283"/>
-            <p14:sldId id="284"/>
             <p14:sldId id="285"/>
             <p14:sldId id="261"/>
             <p14:sldId id="262"/>
             <p14:sldId id="282"/>
             <p14:sldId id="263"/>
+            <p14:sldId id="304"/>
             <p14:sldId id="296"/>
             <p14:sldId id="297"/>
             <p14:sldId id="274"/>
@@ -205,9 +210,14 @@
             <p14:sldId id="268"/>
             <p14:sldId id="269"/>
             <p14:sldId id="270"/>
+            <p14:sldId id="308"/>
+            <p14:sldId id="309"/>
             <p14:sldId id="272"/>
             <p14:sldId id="271"/>
             <p14:sldId id="273"/>
+            <p14:sldId id="305"/>
+            <p14:sldId id="306"/>
+            <p14:sldId id="307"/>
             <p14:sldId id="275"/>
             <p14:sldId id="281"/>
             <p14:sldId id="259"/>
@@ -320,7 +330,7 @@
           <a:p>
             <a:fld id="{6082F2C2-2937-9745-BFE3-7F46BD0E719C}" type="datetimeFigureOut">
               <a:rPr lang="en-US" smtClean="0"/>
-              <a:t>6/12/2015</a:t>
+              <a:t>11/17/2015</a:t>
             </a:fld>
             <a:endParaRPr lang="en-US"/>
           </a:p>
@@ -1127,7 +1137,7 @@
           <a:p>
             <a:fld id="{1F08BB91-D79E-654D-883A-2B3C726E76CA}" type="slidenum">
               <a:rPr lang="en-US" smtClean="0"/>
-              <a:t>24</a:t>
+              <a:t>23</a:t>
             </a:fld>
             <a:endParaRPr lang="en-US"/>
           </a:p>
@@ -1211,7 +1221,7 @@
           <a:p>
             <a:fld id="{1F08BB91-D79E-654D-883A-2B3C726E76CA}" type="slidenum">
               <a:rPr lang="en-US" smtClean="0"/>
-              <a:t>25</a:t>
+              <a:t>24</a:t>
             </a:fld>
             <a:endParaRPr lang="en-US"/>
           </a:p>
@@ -1274,6 +1284,22 @@
           <a:bodyPr/>
           <a:lstStyle/>
           <a:p>
+            <a:r>
+              <a:rPr lang="en-US" dirty="0" smtClean="0"/>
+              <a:t>The</a:t>
+            </a:r>
+            <a:r>
+              <a:rPr lang="en-US" baseline="0" dirty="0" smtClean="0"/>
+              <a:t> atomic unit of DNS is not the “resource record” (RR) as you’d assume. Instead, the atomic unit is the “</a:t>
+            </a:r>
+            <a:r>
+              <a:rPr lang="en-US" baseline="0" dirty="0" err="1" smtClean="0"/>
+              <a:t>RRset</a:t>
+            </a:r>
+            <a:r>
+              <a:rPr lang="en-US" baseline="0" dirty="0" smtClean="0"/>
+              <a:t>“. Consider a typical web server “www.example.com” with four IP addresses. When you do the query, the server responds with all four records. It never gives a partial response of only some of those records. In addition, all the records must have the same TTL (time-to-live).</a:t>
+            </a:r>
             <a:endParaRPr lang="en-US" dirty="0"/>
           </a:p>
         </p:txBody>
@@ -1295,7 +1321,7 @@
           <a:p>
             <a:fld id="{1F08BB91-D79E-654D-883A-2B3C726E76CA}" type="slidenum">
               <a:rPr lang="en-US" smtClean="0"/>
-              <a:t>26</a:t>
+              <a:t>25</a:t>
             </a:fld>
             <a:endParaRPr lang="en-US"/>
           </a:p>
@@ -1304,7 +1330,7 @@
     </p:spTree>
     <p:extLst>
       <p:ext uri="{BB962C8B-B14F-4D97-AF65-F5344CB8AC3E}">
-        <p14:creationId xmlns:p14="http://schemas.microsoft.com/office/powerpoint/2010/main" val="3367331830"/>
+        <p14:creationId xmlns:p14="http://schemas.microsoft.com/office/powerpoint/2010/main" val="598757981"/>
       </p:ext>
     </p:extLst>
   </p:cSld>
@@ -1379,6 +1405,90 @@
           <a:p>
             <a:fld id="{1F08BB91-D79E-654D-883A-2B3C726E76CA}" type="slidenum">
               <a:rPr lang="en-US" smtClean="0"/>
+              <a:t>26</a:t>
+            </a:fld>
+            <a:endParaRPr lang="en-US"/>
+          </a:p>
+        </p:txBody>
+      </p:sp>
+    </p:spTree>
+    <p:extLst>
+      <p:ext uri="{BB962C8B-B14F-4D97-AF65-F5344CB8AC3E}">
+        <p14:creationId xmlns:p14="http://schemas.microsoft.com/office/powerpoint/2010/main" val="3367331830"/>
+      </p:ext>
+    </p:extLst>
+  </p:cSld>
+  <p:clrMapOvr>
+    <a:masterClrMapping/>
+  </p:clrMapOvr>
+</p:notes>
+</file>
+
+<file path=ppt/notesSlides/notesSlide6.xml><?xml version="1.0" encoding="utf-8"?>
+<p:notes xmlns:a="http://schemas.openxmlformats.org/drawingml/2006/main" xmlns:r="http://schemas.openxmlformats.org/officeDocument/2006/relationships" xmlns:p="http://schemas.openxmlformats.org/presentationml/2006/main">
+  <p:cSld>
+    <p:spTree>
+      <p:nvGrpSpPr>
+        <p:cNvPr id="1" name=""/>
+        <p:cNvGrpSpPr/>
+        <p:nvPr/>
+      </p:nvGrpSpPr>
+      <p:grpSpPr>
+        <a:xfrm>
+          <a:off x="0" y="0"/>
+          <a:ext cx="0" cy="0"/>
+          <a:chOff x="0" y="0"/>
+          <a:chExt cx="0" cy="0"/>
+        </a:xfrm>
+      </p:grpSpPr>
+      <p:sp>
+        <p:nvSpPr>
+          <p:cNvPr id="2" name="Slide Image Placeholder 1"/>
+          <p:cNvSpPr>
+            <a:spLocks noGrp="1" noRot="1" noChangeAspect="1"/>
+          </p:cNvSpPr>
+          <p:nvPr>
+            <p:ph type="sldImg"/>
+          </p:nvPr>
+        </p:nvSpPr>
+        <p:spPr/>
+      </p:sp>
+      <p:sp>
+        <p:nvSpPr>
+          <p:cNvPr id="3" name="Notes Placeholder 2"/>
+          <p:cNvSpPr>
+            <a:spLocks noGrp="1"/>
+          </p:cNvSpPr>
+          <p:nvPr>
+            <p:ph type="body" idx="1"/>
+          </p:nvPr>
+        </p:nvSpPr>
+        <p:spPr/>
+        <p:txBody>
+          <a:bodyPr/>
+          <a:lstStyle/>
+          <a:p>
+            <a:endParaRPr lang="en-US" dirty="0"/>
+          </a:p>
+        </p:txBody>
+      </p:sp>
+      <p:sp>
+        <p:nvSpPr>
+          <p:cNvPr id="4" name="Slide Number Placeholder 3"/>
+          <p:cNvSpPr>
+            <a:spLocks noGrp="1"/>
+          </p:cNvSpPr>
+          <p:nvPr>
+            <p:ph type="sldNum" sz="quarter" idx="10"/>
+          </p:nvPr>
+        </p:nvSpPr>
+        <p:spPr/>
+        <p:txBody>
+          <a:bodyPr/>
+          <a:lstStyle/>
+          <a:p>
+            <a:fld id="{1F08BB91-D79E-654D-883A-2B3C726E76CA}" type="slidenum">
+              <a:rPr lang="en-US" smtClean="0"/>
               <a:t>27</a:t>
             </a:fld>
             <a:endParaRPr lang="en-US"/>
@@ -1398,7 +1508,7 @@
 </p:notes>
 </file>
 
-<file path=ppt/notesSlides/notesSlide6.xml><?xml version="1.0" encoding="utf-8"?>
+<file path=ppt/notesSlides/notesSlide7.xml><?xml version="1.0" encoding="utf-8"?>
 <p:notes xmlns:a="http://schemas.openxmlformats.org/drawingml/2006/main" xmlns:r="http://schemas.openxmlformats.org/officeDocument/2006/relationships" xmlns:p="http://schemas.openxmlformats.org/presentationml/2006/main">
   <p:cSld>
     <p:spTree>
@@ -1671,7 +1781,7 @@
           <a:p>
             <a:fld id="{39E45845-77CA-2E40-8308-BC1AECBD9F00}" type="datetimeFigureOut">
               <a:rPr lang="en-US" smtClean="0"/>
-              <a:t>6/12/2015</a:t>
+              <a:t>11/17/2015</a:t>
             </a:fld>
             <a:endParaRPr lang="en-US"/>
           </a:p>
@@ -1841,7 +1951,7 @@
           <a:p>
             <a:fld id="{39E45845-77CA-2E40-8308-BC1AECBD9F00}" type="datetimeFigureOut">
               <a:rPr lang="en-US" smtClean="0"/>
-              <a:t>6/12/2015</a:t>
+              <a:t>11/17/2015</a:t>
             </a:fld>
             <a:endParaRPr lang="en-US"/>
           </a:p>
@@ -2021,7 +2131,7 @@
           <a:p>
             <a:fld id="{39E45845-77CA-2E40-8308-BC1AECBD9F00}" type="datetimeFigureOut">
               <a:rPr lang="en-US" smtClean="0"/>
-              <a:t>6/12/2015</a:t>
+              <a:t>11/17/2015</a:t>
             </a:fld>
             <a:endParaRPr lang="en-US"/>
           </a:p>
@@ -2191,7 +2301,7 @@
           <a:p>
             <a:fld id="{39E45845-77CA-2E40-8308-BC1AECBD9F00}" type="datetimeFigureOut">
               <a:rPr lang="en-US" smtClean="0"/>
-              <a:t>6/12/2015</a:t>
+              <a:t>11/17/2015</a:t>
             </a:fld>
             <a:endParaRPr lang="en-US"/>
           </a:p>
@@ -2437,7 +2547,7 @@
           <a:p>
             <a:fld id="{39E45845-77CA-2E40-8308-BC1AECBD9F00}" type="datetimeFigureOut">
               <a:rPr lang="en-US" smtClean="0"/>
-              <a:t>6/12/2015</a:t>
+              <a:t>11/17/2015</a:t>
             </a:fld>
             <a:endParaRPr lang="en-US"/>
           </a:p>
@@ -2725,7 +2835,7 @@
           <a:p>
             <a:fld id="{39E45845-77CA-2E40-8308-BC1AECBD9F00}" type="datetimeFigureOut">
               <a:rPr lang="en-US" smtClean="0"/>
-              <a:t>6/12/2015</a:t>
+              <a:t>11/17/2015</a:t>
             </a:fld>
             <a:endParaRPr lang="en-US"/>
           </a:p>
@@ -3147,7 +3257,7 @@
           <a:p>
             <a:fld id="{39E45845-77CA-2E40-8308-BC1AECBD9F00}" type="datetimeFigureOut">
               <a:rPr lang="en-US" smtClean="0"/>
-              <a:t>6/12/2015</a:t>
+              <a:t>11/17/2015</a:t>
             </a:fld>
             <a:endParaRPr lang="en-US"/>
           </a:p>
@@ -3265,7 +3375,7 @@
           <a:p>
             <a:fld id="{39E45845-77CA-2E40-8308-BC1AECBD9F00}" type="datetimeFigureOut">
               <a:rPr lang="en-US" smtClean="0"/>
-              <a:t>6/12/2015</a:t>
+              <a:t>11/17/2015</a:t>
             </a:fld>
             <a:endParaRPr lang="en-US"/>
           </a:p>
@@ -3360,7 +3470,7 @@
           <a:p>
             <a:fld id="{39E45845-77CA-2E40-8308-BC1AECBD9F00}" type="datetimeFigureOut">
               <a:rPr lang="en-US" smtClean="0"/>
-              <a:t>6/12/2015</a:t>
+              <a:t>11/17/2015</a:t>
             </a:fld>
             <a:endParaRPr lang="en-US"/>
           </a:p>
@@ -3637,7 +3747,7 @@
           <a:p>
             <a:fld id="{39E45845-77CA-2E40-8308-BC1AECBD9F00}" type="datetimeFigureOut">
               <a:rPr lang="en-US" smtClean="0"/>
-              <a:t>6/12/2015</a:t>
+              <a:t>11/17/2015</a:t>
             </a:fld>
             <a:endParaRPr lang="en-US"/>
           </a:p>
@@ -3890,7 +4000,7 @@
           <a:p>
             <a:fld id="{39E45845-77CA-2E40-8308-BC1AECBD9F00}" type="datetimeFigureOut">
               <a:rPr lang="en-US" smtClean="0"/>
-              <a:t>6/12/2015</a:t>
+              <a:t>11/17/2015</a:t>
             </a:fld>
             <a:endParaRPr lang="en-US"/>
           </a:p>
@@ -4103,7 +4213,7 @@
           <a:p>
             <a:fld id="{39E45845-77CA-2E40-8308-BC1AECBD9F00}" type="datetimeFigureOut">
               <a:rPr lang="en-US" smtClean="0"/>
-              <a:t>6/12/2015</a:t>
+              <a:t>11/17/2015</a:t>
             </a:fld>
             <a:endParaRPr lang="en-US"/>
           </a:p>
@@ -10243,7 +10353,11 @@
             </a:r>
             <a:r>
               <a:rPr lang="en-US" dirty="0" smtClean="0"/>
-              <a:t>dapter: for queries</a:t>
+              <a:t>dapter: for </a:t>
+            </a:r>
+            <a:r>
+              <a:rPr lang="en-US" dirty="0" smtClean="0"/>
+              <a:t>responding to queries</a:t>
             </a:r>
             <a:endParaRPr lang="en-US" dirty="0"/>
           </a:p>
@@ -10273,7 +10387,22 @@
           <a:p>
             <a:r>
               <a:rPr lang="en-US" dirty="0" smtClean="0"/>
-              <a:t>This is for the “data-plane”, meaning answering queries from the Internet</a:t>
+              <a:t>This is for the “</a:t>
+            </a:r>
+            <a:r>
+              <a:rPr lang="en-US" dirty="0" smtClean="0"/>
+              <a:t>data-plane”</a:t>
+            </a:r>
+          </a:p>
+          <a:p>
+            <a:pPr lvl="1"/>
+            <a:r>
+              <a:rPr lang="en-US" dirty="0" smtClean="0"/>
+              <a:t>meaning </a:t>
+            </a:r>
+            <a:r>
+              <a:rPr lang="en-US" dirty="0" smtClean="0"/>
+              <a:t>answering queries from the Internet</a:t>
             </a:r>
           </a:p>
           <a:p>
@@ -10283,6 +10412,7 @@
             </a:r>
           </a:p>
           <a:p>
+            <a:pPr lvl="1"/>
             <a:r>
               <a:rPr lang="en-US" dirty="0" smtClean="0"/>
               <a:t>Updates (from files, UPDATE, IXFR, AXFR, etc.) happens elsewhere</a:t>
@@ -11541,7 +11671,34 @@
           <a:p>
             <a:r>
               <a:rPr lang="en-US" dirty="0" smtClean="0"/>
-              <a:t>Support “</a:t>
+              <a:t>Network drivers</a:t>
+            </a:r>
+          </a:p>
+          <a:p>
+            <a:pPr lvl="1"/>
+            <a:r>
+              <a:rPr lang="en-US" dirty="0" smtClean="0"/>
+              <a:t>BPF on BSD/</a:t>
+            </a:r>
+            <a:r>
+              <a:rPr lang="en-US" dirty="0" err="1" smtClean="0"/>
+              <a:t>MacOS</a:t>
+            </a:r>
+            <a:endParaRPr lang="en-US" dirty="0" smtClean="0"/>
+          </a:p>
+          <a:p>
+            <a:pPr lvl="1"/>
+            <a:r>
+              <a:rPr lang="en-US" dirty="0" smtClean="0"/>
+              <a:t>raw sockets on Linux</a:t>
+            </a:r>
+            <a:endParaRPr lang="en-US" dirty="0"/>
+          </a:p>
+          <a:p>
+            <a:pPr lvl="1"/>
+            <a:r>
+              <a:rPr lang="en-US" dirty="0" smtClean="0"/>
+              <a:t>“</a:t>
             </a:r>
             <a:r>
               <a:rPr lang="en-US" dirty="0" err="1" smtClean="0"/>
@@ -11549,15 +11706,46 @@
             </a:r>
             <a:r>
               <a:rPr lang="en-US" dirty="0" smtClean="0"/>
-              <a:t>” network drivers</a:t>
-            </a:r>
-            <a:endParaRPr lang="en-US" dirty="0"/>
-          </a:p>
-          <a:p>
-            <a:r>
-              <a:rPr lang="en-US" dirty="0" smtClean="0"/>
-              <a:t>Bypasses OS TCP/IP stack</a:t>
-            </a:r>
+              <a:t>” on all platforms</a:t>
+            </a:r>
+          </a:p>
+          <a:p>
+            <a:pPr lvl="1"/>
+            <a:r>
+              <a:rPr lang="en-US" dirty="0" smtClean="0"/>
+              <a:t>“</a:t>
+            </a:r>
+            <a:r>
+              <a:rPr lang="en-US" dirty="0" err="1" smtClean="0"/>
+              <a:t>winpcap</a:t>
+            </a:r>
+            <a:r>
+              <a:rPr lang="en-US" dirty="0" smtClean="0"/>
+              <a:t>” on Windows</a:t>
+            </a:r>
+            <a:endParaRPr lang="en-US" dirty="0" smtClean="0"/>
+          </a:p>
+          <a:p>
+            <a:r>
+              <a:rPr lang="en-US" dirty="0" smtClean="0"/>
+              <a:t>Bypasses </a:t>
+            </a:r>
+            <a:r>
+              <a:rPr lang="en-US" dirty="0" smtClean="0"/>
+              <a:t>OS TCP/IP </a:t>
+            </a:r>
+            <a:r>
+              <a:rPr lang="en-US" dirty="0" smtClean="0"/>
+              <a:t>stack</a:t>
+            </a:r>
+          </a:p>
+          <a:p>
+            <a:pPr lvl="1"/>
+            <a:r>
+              <a:rPr lang="en-US" dirty="0" smtClean="0"/>
+              <a:t>But still uses OS driver, so sub-optimal</a:t>
+            </a:r>
+            <a:endParaRPr lang="en-US" dirty="0" smtClean="0"/>
           </a:p>
         </p:txBody>
       </p:sp>
@@ -12160,8 +12348,13 @@
             <a:pPr lvl="1"/>
             <a:r>
               <a:rPr lang="en-US" dirty="0" smtClean="0"/>
-              <a:t>~10 million requests/second</a:t>
-            </a:r>
+              <a:t>~10 million </a:t>
+            </a:r>
+            <a:r>
+              <a:rPr lang="en-US" dirty="0" smtClean="0"/>
+              <a:t>requests/second on desktop hardware</a:t>
+            </a:r>
+            <a:endParaRPr lang="en-US" dirty="0" smtClean="0"/>
           </a:p>
           <a:p>
             <a:pPr lvl="1"/>
@@ -12180,12 +12373,13 @@
             <a:pPr lvl="1"/>
             <a:r>
               <a:rPr lang="en-US" dirty="0"/>
-              <a:t>n</a:t>
-            </a:r>
-            <a:r>
-              <a:rPr lang="en-US" dirty="0" smtClean="0"/>
-              <a:t>o remote exploits</a:t>
-            </a:r>
+              <a:t>s</a:t>
+            </a:r>
+            <a:r>
+              <a:rPr lang="en-US" dirty="0" smtClean="0"/>
+              <a:t>ecurity development methods</a:t>
+            </a:r>
+            <a:endParaRPr lang="en-US" dirty="0" smtClean="0"/>
           </a:p>
           <a:p>
             <a:r>
@@ -12209,25 +12403,25 @@
           <a:p>
             <a:pPr lvl="1"/>
             <a:r>
-              <a:rPr lang="en-US" dirty="0"/>
-              <a:t>F</a:t>
-            </a:r>
-            <a:r>
-              <a:rPr lang="en-US" dirty="0" smtClean="0"/>
-              <a:t>ast updates</a:t>
+              <a:rPr lang="en-US" dirty="0" smtClean="0"/>
+              <a:t>Fast/frequent updates</a:t>
             </a:r>
           </a:p>
           <a:p>
             <a:pPr lvl="1"/>
             <a:r>
               <a:rPr lang="en-US" dirty="0" smtClean="0"/>
-              <a:t>Frequent updates</a:t>
-            </a:r>
-          </a:p>
-          <a:p>
-            <a:r>
-              <a:rPr lang="en-US" dirty="0" smtClean="0"/>
-              <a:t>R5: software patches</a:t>
+              <a:t>Million zones</a:t>
+            </a:r>
+          </a:p>
+          <a:p>
+            <a:r>
+              <a:rPr lang="en-US" dirty="0" smtClean="0"/>
+              <a:t>R5</a:t>
+            </a:r>
+            <a:r>
+              <a:rPr lang="en-US" dirty="0" smtClean="0"/>
+              <a:t>: software patches</a:t>
             </a:r>
           </a:p>
           <a:p>
@@ -12290,7 +12484,7 @@
             </a:r>
             <a:r>
               <a:rPr lang="en-US" dirty="0" smtClean="0"/>
-              <a:t>dapter: “medium” speed</a:t>
+              <a:t>dapter: “slow” speed</a:t>
             </a:r>
             <a:endParaRPr lang="en-US" dirty="0"/>
           </a:p>
@@ -12320,23 +12514,34 @@
           <a:p>
             <a:r>
               <a:rPr lang="en-US" dirty="0" smtClean="0"/>
-              <a:t>Support “</a:t>
-            </a:r>
-            <a:r>
-              <a:rPr lang="en-US" dirty="0" err="1" smtClean="0"/>
-              <a:t>libpcap</a:t>
-            </a:r>
-            <a:r>
-              <a:rPr lang="en-US" dirty="0" smtClean="0"/>
-              <a:t>” network drivers</a:t>
-            </a:r>
-            <a:endParaRPr lang="en-US" dirty="0"/>
-          </a:p>
-          <a:p>
-            <a:r>
-              <a:rPr lang="en-US" dirty="0" smtClean="0"/>
-              <a:t>Bypasses OS TCP/IP stack</a:t>
-            </a:r>
+              <a:t>Standard ‘sockets’ </a:t>
+            </a:r>
+            <a:r>
+              <a:rPr lang="en-US" dirty="0" smtClean="0"/>
+              <a:t>support</a:t>
+            </a:r>
+          </a:p>
+          <a:p>
+            <a:pPr lvl="1"/>
+            <a:r>
+              <a:rPr lang="en-US" dirty="0" smtClean="0"/>
+              <a:t>Needs tweaks to get faster support</a:t>
+            </a:r>
+            <a:endParaRPr lang="en-US" dirty="0" smtClean="0"/>
+          </a:p>
+          <a:p>
+            <a:r>
+              <a:rPr lang="en-US" dirty="0" smtClean="0"/>
+              <a:t>OS TCP/IP stack becomes an enormous bottleneck</a:t>
+            </a:r>
+          </a:p>
+          <a:p>
+            <a:pPr lvl="1"/>
+            <a:r>
+              <a:rPr lang="en-US" dirty="0" smtClean="0"/>
+              <a:t>Primary bottleneck for “fast” DNS servers</a:t>
+            </a:r>
+            <a:endParaRPr lang="en-US" dirty="0" smtClean="0"/>
           </a:p>
         </p:txBody>
       </p:sp>
@@ -12854,7 +13059,7 @@
     </p:spTree>
     <p:extLst>
       <p:ext uri="{BB962C8B-B14F-4D97-AF65-F5344CB8AC3E}">
-        <p14:creationId xmlns:p14="http://schemas.microsoft.com/office/powerpoint/2010/main" val="777404576"/>
+        <p14:creationId xmlns:p14="http://schemas.microsoft.com/office/powerpoint/2010/main" val="784985046"/>
       </p:ext>
     </p:extLst>
   </p:cSld>
@@ -12897,12 +13102,8 @@
           <a:lstStyle/>
           <a:p>
             <a:r>
-              <a:rPr lang="en-US" dirty="0"/>
-              <a:t>a</a:t>
-            </a:r>
-            <a:r>
-              <a:rPr lang="en-US" dirty="0" smtClean="0"/>
-              <a:t>dapter: “slow” speed</a:t>
+              <a:rPr lang="en-US" dirty="0" smtClean="0"/>
+              <a:t>proto</a:t>
             </a:r>
             <a:endParaRPr lang="en-US" dirty="0"/>
           </a:p>
@@ -12921,42 +13122,134 @@
         <p:spPr>
           <a:xfrm>
             <a:off x="457200" y="1600200"/>
-            <a:ext cx="6459751" cy="4525963"/>
+            <a:ext cx="6447422" cy="4525963"/>
           </a:xfrm>
         </p:spPr>
         <p:txBody>
           <a:bodyPr>
-            <a:normAutofit/>
+            <a:normAutofit fontScale="62500" lnSpcReduction="20000"/>
           </a:bodyPr>
           <a:lstStyle/>
           <a:p>
             <a:r>
               <a:rPr lang="en-US" dirty="0" smtClean="0"/>
-              <a:t>Standard ‘sockets’ support</a:t>
-            </a:r>
-          </a:p>
-          <a:p>
-            <a:r>
-              <a:rPr lang="en-US" dirty="0" smtClean="0"/>
-              <a:t>OS TCP/IP stack becomes an enormous bottleneck</a:t>
-            </a:r>
-          </a:p>
-          <a:p>
+              <a:t>Lower layers</a:t>
+            </a:r>
+          </a:p>
+          <a:p>
+            <a:pPr lvl="1"/>
+            <a:r>
+              <a:rPr lang="en-US" dirty="0" smtClean="0"/>
+              <a:t>Supports ARP</a:t>
+            </a:r>
+          </a:p>
+          <a:p>
+            <a:pPr lvl="1"/>
+            <a:r>
+              <a:rPr lang="en-US" dirty="0" smtClean="0"/>
+              <a:t>May support link aggregation in the future</a:t>
+            </a:r>
+          </a:p>
+          <a:p>
+            <a:pPr lvl="1"/>
+            <a:r>
+              <a:rPr lang="en-US" dirty="0" smtClean="0"/>
+              <a:t>May support ICMP pings in the future</a:t>
+            </a:r>
+          </a:p>
+          <a:p>
+            <a:pPr lvl="1"/>
+            <a:r>
+              <a:rPr lang="en-US" dirty="0" smtClean="0"/>
+              <a:t>No IP fragmentation support</a:t>
+            </a:r>
+          </a:p>
+          <a:p>
+            <a:r>
+              <a:rPr lang="en-US" dirty="0" smtClean="0"/>
+              <a:t>DNS parser</a:t>
+            </a:r>
+          </a:p>
+          <a:p>
+            <a:pPr lvl="1"/>
+            <a:r>
+              <a:rPr lang="en-US" dirty="0" smtClean="0"/>
+              <a:t>Fully validates input</a:t>
+            </a:r>
+          </a:p>
+          <a:p>
+            <a:pPr lvl="1"/>
+            <a:r>
+              <a:rPr lang="en-US" dirty="0" smtClean="0"/>
+              <a:t>E.g. no DNS name will be more than 255 bytes</a:t>
+            </a:r>
+          </a:p>
+          <a:p>
+            <a:pPr lvl="1"/>
+            <a:r>
+              <a:rPr lang="en-US" dirty="0" smtClean="0"/>
+              <a:t>Look here to find buffer overflows</a:t>
+            </a:r>
+          </a:p>
+          <a:p>
+            <a:pPr lvl="1"/>
+            <a:r>
+              <a:rPr lang="en-US" dirty="0" smtClean="0"/>
+              <a:t>“</a:t>
+            </a:r>
+            <a:r>
+              <a:rPr lang="en-US" dirty="0" err="1" smtClean="0"/>
+              <a:t>Langsec</a:t>
+            </a:r>
+            <a:r>
+              <a:rPr lang="en-US" dirty="0" smtClean="0"/>
+              <a:t>” principles</a:t>
+            </a:r>
+          </a:p>
+          <a:p>
+            <a:r>
+              <a:rPr lang="en-US" dirty="0" smtClean="0"/>
+              <a:t>DNS formatter</a:t>
+            </a:r>
+          </a:p>
+          <a:p>
+            <a:pPr lvl="1"/>
+            <a:r>
+              <a:rPr lang="en-US" dirty="0" smtClean="0"/>
+              <a:t>Opposite of parser</a:t>
+            </a:r>
+          </a:p>
+          <a:p>
+            <a:r>
+              <a:rPr lang="en-US" dirty="0" smtClean="0"/>
+              <a:t>DNS name compressor</a:t>
+            </a:r>
+          </a:p>
+          <a:p>
+            <a:pPr lvl="1"/>
+            <a:r>
+              <a:rPr lang="en-US" dirty="0" smtClean="0"/>
+              <a:t>A surprisingly finicky step</a:t>
+            </a:r>
+          </a:p>
+          <a:p>
+            <a:pPr lvl="1"/>
+            <a:r>
+              <a:rPr lang="en-US" dirty="0" smtClean="0"/>
+              <a:t>Currently the slowest part in the system</a:t>
+            </a:r>
+          </a:p>
+          <a:p>
+            <a:pPr lvl="1"/>
             <a:endParaRPr lang="en-US" dirty="0" smtClean="0"/>
           </a:p>
           <a:p>
-            <a:r>
-              <a:rPr lang="en-US" dirty="0" smtClean="0"/>
-              <a:t>…</a:t>
-            </a:r>
-            <a:r>
-              <a:rPr lang="en-US" dirty="0" err="1" smtClean="0"/>
-              <a:t>robdns</a:t>
-            </a:r>
-            <a:r>
-              <a:rPr lang="en-US" dirty="0" smtClean="0"/>
-              <a:t> still faster than other DNS servers using sockets, though</a:t>
-            </a:r>
+            <a:pPr lvl="1"/>
+            <a:endParaRPr lang="en-US" dirty="0" smtClean="0"/>
+          </a:p>
+          <a:p>
+            <a:pPr lvl="1"/>
+            <a:endParaRPr lang="en-US" dirty="0" smtClean="0"/>
           </a:p>
         </p:txBody>
       </p:sp>
@@ -12968,18 +13261,18 @@
         </p:nvSpPr>
         <p:spPr>
           <a:xfrm>
-            <a:off x="7143376" y="1417638"/>
-            <a:ext cx="1749210" cy="3450614"/>
+            <a:off x="7087715" y="1390910"/>
+            <a:ext cx="1680572" cy="3272709"/>
           </a:xfrm>
           <a:prstGeom prst="roundRect">
             <a:avLst/>
           </a:prstGeom>
           <a:solidFill>
-            <a:schemeClr val="accent5"/>
+            <a:schemeClr val="accent3"/>
           </a:solidFill>
           <a:ln>
             <a:solidFill>
-              <a:schemeClr val="tx2"/>
+              <a:schemeClr val="accent3"/>
             </a:solidFill>
           </a:ln>
           <a:scene3d>
@@ -13016,65 +13309,30 @@
       </p:sp>
       <p:sp>
         <p:nvSpPr>
-          <p:cNvPr id="5" name="TextBox 4"/>
-          <p:cNvSpPr txBox="1"/>
-          <p:nvPr/>
-        </p:nvSpPr>
-        <p:spPr>
-          <a:xfrm>
-            <a:off x="7167773" y="4278487"/>
-            <a:ext cx="1749210" cy="461665"/>
-          </a:xfrm>
-          <a:prstGeom prst="rect">
-            <a:avLst/>
-          </a:prstGeom>
-          <a:noFill/>
-        </p:spPr>
-        <p:txBody>
-          <a:bodyPr wrap="square" rtlCol="0">
-            <a:spAutoFit/>
-          </a:bodyPr>
-          <a:lstStyle/>
-          <a:p>
-            <a:pPr algn="ctr"/>
-            <a:r>
-              <a:rPr lang="en-US" sz="2400" b="1" dirty="0" smtClean="0"/>
-              <a:t>adapter</a:t>
-            </a:r>
-            <a:endParaRPr lang="en-US" sz="2400" b="1" dirty="0"/>
-          </a:p>
-        </p:txBody>
-      </p:sp>
-      <p:sp>
-        <p:nvSpPr>
-          <p:cNvPr id="6" name="Rounded Rectangle 5"/>
+          <p:cNvPr id="5" name="Rounded Rectangle 4"/>
           <p:cNvSpPr/>
           <p:nvPr/>
         </p:nvSpPr>
         <p:spPr>
-          <a:xfrm rot="862585">
-            <a:off x="7875917" y="3913197"/>
-            <a:ext cx="923103" cy="302304"/>
+          <a:xfrm>
+            <a:off x="7187025" y="1469066"/>
+            <a:ext cx="1499775" cy="1778882"/>
           </a:xfrm>
           <a:prstGeom prst="roundRect">
             <a:avLst/>
           </a:prstGeom>
           <a:solidFill>
-            <a:schemeClr val="accent5">
+            <a:schemeClr val="accent3">
               <a:lumMod val="60000"/>
               <a:lumOff val="40000"/>
             </a:schemeClr>
           </a:solidFill>
           <a:ln w="25400">
-            <a:noFill/>
-          </a:ln>
-          <a:effectLst>
-            <a:outerShdw blurRad="50800" dist="38100" dir="2700000" algn="tl" rotWithShape="0">
-              <a:srgbClr val="000000">
-                <a:alpha val="43000"/>
-              </a:srgbClr>
-            </a:outerShdw>
-          </a:effectLst>
+            <a:solidFill>
+              <a:schemeClr val="accent3"/>
+            </a:solidFill>
+          </a:ln>
+          <a:effectLst/>
           <a:scene3d>
             <a:camera prst="orthographicFront"/>
             <a:lightRig rig="threePt" dir="t"/>
@@ -13100,13 +13358,170 @@
           <a:lstStyle/>
           <a:p>
             <a:pPr algn="ctr"/>
+            <a:endParaRPr lang="en-US" dirty="0">
+              <a:solidFill>
+                <a:schemeClr val="tx1"/>
+              </a:solidFill>
+            </a:endParaRPr>
+          </a:p>
+        </p:txBody>
+      </p:sp>
+      <p:sp>
+        <p:nvSpPr>
+          <p:cNvPr id="6" name="TextBox 5"/>
+          <p:cNvSpPr txBox="1"/>
+          <p:nvPr/>
+        </p:nvSpPr>
+        <p:spPr>
+          <a:xfrm>
+            <a:off x="7087715" y="4190658"/>
+            <a:ext cx="1749210" cy="461665"/>
+          </a:xfrm>
+          <a:prstGeom prst="rect">
+            <a:avLst/>
+          </a:prstGeom>
+          <a:noFill/>
+        </p:spPr>
+        <p:txBody>
+          <a:bodyPr wrap="square" rtlCol="0">
+            <a:spAutoFit/>
+          </a:bodyPr>
+          <a:lstStyle/>
+          <a:p>
+            <a:pPr algn="ctr"/>
+            <a:r>
+              <a:rPr lang="en-US" sz="2400" b="1" dirty="0" smtClean="0"/>
+              <a:t>proto</a:t>
+            </a:r>
+            <a:endParaRPr lang="en-US" sz="2400" b="1" dirty="0"/>
+          </a:p>
+        </p:txBody>
+      </p:sp>
+      <p:sp>
+        <p:nvSpPr>
+          <p:cNvPr id="7" name="Rounded Rectangle 6"/>
+          <p:cNvSpPr/>
+          <p:nvPr/>
+        </p:nvSpPr>
+        <p:spPr>
+          <a:xfrm>
+            <a:off x="7181818" y="3874340"/>
+            <a:ext cx="1499774" cy="302304"/>
+          </a:xfrm>
+          <a:prstGeom prst="roundRect">
+            <a:avLst/>
+          </a:prstGeom>
+          <a:solidFill>
+            <a:schemeClr val="accent3">
+              <a:lumMod val="60000"/>
+              <a:lumOff val="40000"/>
+            </a:schemeClr>
+          </a:solidFill>
+          <a:ln w="25400">
+            <a:solidFill>
+              <a:schemeClr val="accent3"/>
+            </a:solidFill>
+          </a:ln>
+          <a:effectLst/>
+          <a:scene3d>
+            <a:camera prst="orthographicFront"/>
+            <a:lightRig rig="threePt" dir="t"/>
+          </a:scene3d>
+          <a:sp3d extrusionH="63500"/>
+        </p:spPr>
+        <p:style>
+          <a:lnRef idx="1">
+            <a:schemeClr val="accent1"/>
+          </a:lnRef>
+          <a:fillRef idx="3">
+            <a:schemeClr val="accent1"/>
+          </a:fillRef>
+          <a:effectRef idx="2">
+            <a:schemeClr val="accent1"/>
+          </a:effectRef>
+          <a:fontRef idx="minor">
+            <a:schemeClr val="lt1"/>
+          </a:fontRef>
+        </p:style>
+        <p:txBody>
+          <a:bodyPr rtlCol="0" anchor="ctr"/>
+          <a:lstStyle/>
+          <a:p>
+            <a:pPr algn="ctr"/>
+            <a:r>
+              <a:rPr lang="en-US" dirty="0" smtClean="0">
+                <a:solidFill>
+                  <a:schemeClr val="tx1"/>
+                </a:solidFill>
+              </a:rPr>
+              <a:t>ethernet</a:t>
+            </a:r>
+            <a:endParaRPr lang="en-US" dirty="0">
+              <a:solidFill>
+                <a:schemeClr val="tx1"/>
+              </a:solidFill>
+            </a:endParaRPr>
+          </a:p>
+        </p:txBody>
+      </p:sp>
+      <p:sp>
+        <p:nvSpPr>
+          <p:cNvPr id="8" name="Rounded Rectangle 7"/>
+          <p:cNvSpPr/>
+          <p:nvPr/>
+        </p:nvSpPr>
+        <p:spPr>
+          <a:xfrm>
+            <a:off x="7181817" y="3568898"/>
+            <a:ext cx="1499775" cy="302304"/>
+          </a:xfrm>
+          <a:prstGeom prst="roundRect">
+            <a:avLst/>
+          </a:prstGeom>
+          <a:solidFill>
+            <a:schemeClr val="accent3">
+              <a:lumMod val="60000"/>
+              <a:lumOff val="40000"/>
+            </a:schemeClr>
+          </a:solidFill>
+          <a:ln w="25400">
+            <a:solidFill>
+              <a:schemeClr val="accent3"/>
+            </a:solidFill>
+          </a:ln>
+          <a:effectLst/>
+          <a:scene3d>
+            <a:camera prst="orthographicFront"/>
+            <a:lightRig rig="threePt" dir="t"/>
+          </a:scene3d>
+          <a:sp3d extrusionH="63500"/>
+        </p:spPr>
+        <p:style>
+          <a:lnRef idx="1">
+            <a:schemeClr val="accent1"/>
+          </a:lnRef>
+          <a:fillRef idx="3">
+            <a:schemeClr val="accent1"/>
+          </a:fillRef>
+          <a:effectRef idx="2">
+            <a:schemeClr val="accent1"/>
+          </a:effectRef>
+          <a:fontRef idx="minor">
+            <a:schemeClr val="lt1"/>
+          </a:fontRef>
+        </p:style>
+        <p:txBody>
+          <a:bodyPr rtlCol="0" anchor="ctr"/>
+          <a:lstStyle/>
+          <a:p>
+            <a:pPr algn="ctr"/>
             <a:r>
               <a:rPr lang="en-US" dirty="0" err="1" smtClean="0">
                 <a:solidFill>
                   <a:schemeClr val="tx1"/>
                 </a:solidFill>
               </a:rPr>
-              <a:t>libpcap</a:t>
+              <a:t>ip</a:t>
             </a:r>
             <a:endParaRPr lang="en-US" dirty="0">
               <a:solidFill>
@@ -13118,34 +13533,30 @@
       </p:sp>
       <p:sp>
         <p:nvSpPr>
-          <p:cNvPr id="7" name="Rounded Rectangle 6"/>
+          <p:cNvPr id="9" name="Rounded Rectangle 8"/>
           <p:cNvSpPr/>
           <p:nvPr/>
         </p:nvSpPr>
         <p:spPr>
-          <a:xfrm rot="253512">
-            <a:off x="7261276" y="3414789"/>
-            <a:ext cx="1106916" cy="302304"/>
+          <a:xfrm>
+            <a:off x="7181818" y="3266883"/>
+            <a:ext cx="743565" cy="302304"/>
           </a:xfrm>
           <a:prstGeom prst="roundRect">
             <a:avLst/>
           </a:prstGeom>
           <a:solidFill>
-            <a:schemeClr val="accent5">
+            <a:schemeClr val="accent3">
               <a:lumMod val="60000"/>
               <a:lumOff val="40000"/>
             </a:schemeClr>
           </a:solidFill>
           <a:ln w="25400">
-            <a:noFill/>
-          </a:ln>
-          <a:effectLst>
-            <a:outerShdw blurRad="50800" dist="38100" dir="2700000" algn="tl" rotWithShape="0">
-              <a:srgbClr val="000000">
-                <a:alpha val="43000"/>
-              </a:srgbClr>
-            </a:outerShdw>
-          </a:effectLst>
+            <a:solidFill>
+              <a:schemeClr val="accent3"/>
+            </a:solidFill>
+          </a:ln>
+          <a:effectLst/>
           <a:scene3d>
             <a:camera prst="orthographicFront"/>
             <a:lightRig rig="threePt" dir="t"/>
@@ -13172,12 +13583,149 @@
           <a:p>
             <a:pPr algn="ctr"/>
             <a:r>
+              <a:rPr lang="en-US" dirty="0" err="1" smtClean="0">
+                <a:solidFill>
+                  <a:schemeClr val="tx1"/>
+                </a:solidFill>
+              </a:rPr>
+              <a:t>udp</a:t>
+            </a:r>
+            <a:endParaRPr lang="en-US" dirty="0">
+              <a:solidFill>
+                <a:schemeClr val="tx1"/>
+              </a:solidFill>
+            </a:endParaRPr>
+          </a:p>
+        </p:txBody>
+      </p:sp>
+      <p:sp>
+        <p:nvSpPr>
+          <p:cNvPr id="10" name="Rounded Rectangle 9"/>
+          <p:cNvSpPr/>
+          <p:nvPr/>
+        </p:nvSpPr>
+        <p:spPr>
+          <a:xfrm>
+            <a:off x="7925383" y="3268131"/>
+            <a:ext cx="743565" cy="302304"/>
+          </a:xfrm>
+          <a:prstGeom prst="roundRect">
+            <a:avLst/>
+          </a:prstGeom>
+          <a:solidFill>
+            <a:schemeClr val="accent3">
+              <a:lumMod val="60000"/>
+              <a:lumOff val="40000"/>
+            </a:schemeClr>
+          </a:solidFill>
+          <a:ln w="25400">
+            <a:solidFill>
+              <a:schemeClr val="accent3"/>
+            </a:solidFill>
+          </a:ln>
+          <a:effectLst/>
+          <a:scene3d>
+            <a:camera prst="orthographicFront"/>
+            <a:lightRig rig="threePt" dir="t"/>
+          </a:scene3d>
+          <a:sp3d extrusionH="63500"/>
+        </p:spPr>
+        <p:style>
+          <a:lnRef idx="1">
+            <a:schemeClr val="accent1"/>
+          </a:lnRef>
+          <a:fillRef idx="3">
+            <a:schemeClr val="accent1"/>
+          </a:fillRef>
+          <a:effectRef idx="2">
+            <a:schemeClr val="accent1"/>
+          </a:effectRef>
+          <a:fontRef idx="minor">
+            <a:schemeClr val="lt1"/>
+          </a:fontRef>
+        </p:style>
+        <p:txBody>
+          <a:bodyPr rtlCol="0" anchor="ctr"/>
+          <a:lstStyle/>
+          <a:p>
+            <a:pPr algn="ctr"/>
+            <a:r>
+              <a:rPr lang="en-US" dirty="0" err="1" smtClean="0">
+                <a:solidFill>
+                  <a:schemeClr val="tx1"/>
+                </a:solidFill>
+              </a:rPr>
+              <a:t>tcp</a:t>
+            </a:r>
+            <a:endParaRPr lang="en-US" dirty="0">
+              <a:solidFill>
+                <a:schemeClr val="tx1"/>
+              </a:solidFill>
+            </a:endParaRPr>
+          </a:p>
+        </p:txBody>
+      </p:sp>
+      <p:sp>
+        <p:nvSpPr>
+          <p:cNvPr id="11" name="Rounded Rectangle 10"/>
+          <p:cNvSpPr/>
+          <p:nvPr/>
+        </p:nvSpPr>
+        <p:spPr>
+          <a:xfrm rot="16200000">
+            <a:off x="6780724" y="2123304"/>
+            <a:ext cx="1421247" cy="302304"/>
+          </a:xfrm>
+          <a:prstGeom prst="roundRect">
+            <a:avLst/>
+          </a:prstGeom>
+          <a:solidFill>
+            <a:schemeClr val="accent3">
+              <a:lumMod val="40000"/>
+              <a:lumOff val="60000"/>
+            </a:schemeClr>
+          </a:solidFill>
+          <a:ln w="25400">
+            <a:solidFill>
+              <a:schemeClr val="accent3">
+                <a:lumMod val="60000"/>
+                <a:lumOff val="40000"/>
+              </a:schemeClr>
+            </a:solidFill>
+          </a:ln>
+          <a:effectLst/>
+          <a:scene3d>
+            <a:camera prst="orthographicFront"/>
+            <a:lightRig rig="threePt" dir="t"/>
+          </a:scene3d>
+          <a:sp3d extrusionH="63500"/>
+        </p:spPr>
+        <p:style>
+          <a:lnRef idx="1">
+            <a:schemeClr val="accent1"/>
+          </a:lnRef>
+          <a:fillRef idx="3">
+            <a:schemeClr val="accent1"/>
+          </a:fillRef>
+          <a:effectRef idx="2">
+            <a:schemeClr val="accent1"/>
+          </a:effectRef>
+          <a:fontRef idx="minor">
+            <a:schemeClr val="lt1"/>
+          </a:fontRef>
+        </p:style>
+        <p:txBody>
+          <a:bodyPr rtlCol="0" anchor="ctr"/>
+          <a:lstStyle/>
+          <a:p>
+            <a:pPr algn="ctr"/>
+            <a:r>
               <a:rPr lang="en-US" dirty="0" smtClean="0">
                 <a:solidFill>
                   <a:schemeClr val="tx1"/>
                 </a:solidFill>
               </a:rPr>
-              <a:t>PF_RING</a:t>
+              <a:t>parser</a:t>
             </a:r>
             <a:endParaRPr lang="en-US" dirty="0">
               <a:solidFill>
@@ -13189,34 +13737,33 @@
       </p:sp>
       <p:sp>
         <p:nvSpPr>
-          <p:cNvPr id="8" name="Rounded Rectangle 7"/>
+          <p:cNvPr id="12" name="Rounded Rectangle 11"/>
           <p:cNvSpPr/>
           <p:nvPr/>
         </p:nvSpPr>
         <p:spPr>
-          <a:xfrm rot="21038688">
-            <a:off x="7786621" y="2924140"/>
-            <a:ext cx="1017673" cy="302304"/>
+          <a:xfrm rot="16200000">
+            <a:off x="7377442" y="2123303"/>
+            <a:ext cx="1421247" cy="302304"/>
           </a:xfrm>
           <a:prstGeom prst="roundRect">
             <a:avLst/>
           </a:prstGeom>
           <a:solidFill>
-            <a:schemeClr val="accent5">
-              <a:lumMod val="60000"/>
-              <a:lumOff val="40000"/>
+            <a:schemeClr val="accent3">
+              <a:lumMod val="40000"/>
+              <a:lumOff val="60000"/>
             </a:schemeClr>
           </a:solidFill>
           <a:ln w="25400">
-            <a:noFill/>
-          </a:ln>
-          <a:effectLst>
-            <a:outerShdw blurRad="50800" dist="38100" dir="2700000" algn="tl" rotWithShape="0">
-              <a:srgbClr val="000000">
-                <a:alpha val="43000"/>
-              </a:srgbClr>
-            </a:outerShdw>
-          </a:effectLst>
+            <a:solidFill>
+              <a:schemeClr val="accent3">
+                <a:lumMod val="60000"/>
+                <a:lumOff val="40000"/>
+              </a:schemeClr>
+            </a:solidFill>
+          </a:ln>
+          <a:effectLst/>
           <a:scene3d>
             <a:camera prst="orthographicFront"/>
             <a:lightRig rig="threePt" dir="t"/>
@@ -13243,12 +13790,142 @@
           <a:p>
             <a:pPr algn="ctr"/>
             <a:r>
+              <a:rPr lang="en-US" dirty="0" smtClean="0">
+                <a:solidFill>
+                  <a:schemeClr val="tx1"/>
+                </a:solidFill>
+              </a:rPr>
+              <a:t>formatter</a:t>
+            </a:r>
+            <a:endParaRPr lang="en-US" dirty="0">
+              <a:solidFill>
+                <a:schemeClr val="tx1"/>
+              </a:solidFill>
+            </a:endParaRPr>
+          </a:p>
+        </p:txBody>
+      </p:sp>
+      <p:sp>
+        <p:nvSpPr>
+          <p:cNvPr id="13" name="Rounded Rectangle 12"/>
+          <p:cNvSpPr/>
+          <p:nvPr/>
+        </p:nvSpPr>
+        <p:spPr>
+          <a:xfrm rot="16200000">
+            <a:off x="7680677" y="2122373"/>
+            <a:ext cx="1419385" cy="302304"/>
+          </a:xfrm>
+          <a:prstGeom prst="roundRect">
+            <a:avLst/>
+          </a:prstGeom>
+          <a:solidFill>
+            <a:schemeClr val="accent3">
+              <a:lumMod val="40000"/>
+              <a:lumOff val="60000"/>
+            </a:schemeClr>
+          </a:solidFill>
+          <a:ln w="25400">
+            <a:solidFill>
+              <a:schemeClr val="accent3">
+                <a:lumMod val="60000"/>
+                <a:lumOff val="40000"/>
+              </a:schemeClr>
+            </a:solidFill>
+          </a:ln>
+          <a:effectLst/>
+          <a:scene3d>
+            <a:camera prst="orthographicFront"/>
+            <a:lightRig rig="threePt" dir="t"/>
+          </a:scene3d>
+          <a:sp3d extrusionH="63500"/>
+        </p:spPr>
+        <p:style>
+          <a:lnRef idx="1">
+            <a:schemeClr val="accent1"/>
+          </a:lnRef>
+          <a:fillRef idx="3">
+            <a:schemeClr val="accent1"/>
+          </a:fillRef>
+          <a:effectRef idx="2">
+            <a:schemeClr val="accent1"/>
+          </a:effectRef>
+          <a:fontRef idx="minor">
+            <a:schemeClr val="lt1"/>
+          </a:fontRef>
+        </p:style>
+        <p:txBody>
+          <a:bodyPr rtlCol="0" anchor="ctr"/>
+          <a:lstStyle/>
+          <a:p>
+            <a:pPr algn="ctr"/>
+            <a:r>
+              <a:rPr lang="en-US" b="1" dirty="0" smtClean="0">
+                <a:solidFill>
+                  <a:schemeClr val="tx1"/>
+                </a:solidFill>
+              </a:rPr>
+              <a:t>compressor</a:t>
+            </a:r>
+            <a:endParaRPr lang="en-US" b="1" dirty="0">
+              <a:solidFill>
+                <a:schemeClr val="tx1"/>
+              </a:solidFill>
+            </a:endParaRPr>
+          </a:p>
+        </p:txBody>
+      </p:sp>
+      <p:sp>
+        <p:nvSpPr>
+          <p:cNvPr id="14" name="Rounded Rectangle 13"/>
+          <p:cNvSpPr/>
+          <p:nvPr/>
+        </p:nvSpPr>
+        <p:spPr>
+          <a:xfrm>
+            <a:off x="7181818" y="2971311"/>
+            <a:ext cx="1499775" cy="302304"/>
+          </a:xfrm>
+          <a:prstGeom prst="roundRect">
+            <a:avLst/>
+          </a:prstGeom>
+          <a:noFill/>
+          <a:ln w="25400">
+            <a:noFill/>
+          </a:ln>
+          <a:effectLst/>
+          <a:scene3d>
+            <a:camera prst="orthographicFront"/>
+            <a:lightRig rig="threePt" dir="t"/>
+          </a:scene3d>
+          <a:sp3d extrusionH="63500"/>
+        </p:spPr>
+        <p:style>
+          <a:lnRef idx="1">
+            <a:schemeClr val="accent1"/>
+          </a:lnRef>
+          <a:fillRef idx="3">
+            <a:schemeClr val="accent1"/>
+          </a:fillRef>
+          <a:effectRef idx="2">
+            <a:schemeClr val="accent1"/>
+          </a:effectRef>
+          <a:fontRef idx="minor">
+            <a:schemeClr val="lt1"/>
+          </a:fontRef>
+        </p:style>
+        <p:txBody>
+          <a:bodyPr rtlCol="0" anchor="ctr"/>
+          <a:lstStyle/>
+          <a:p>
+            <a:pPr algn="ctr"/>
+            <a:r>
               <a:rPr lang="en-US" dirty="0" err="1" smtClean="0">
                 <a:solidFill>
                   <a:schemeClr val="tx1"/>
                 </a:solidFill>
               </a:rPr>
-              <a:t>netmap</a:t>
+              <a:t>dns</a:t>
             </a:r>
             <a:endParaRPr lang="en-US" dirty="0">
               <a:solidFill>
@@ -13258,223 +13935,10 @@
           </a:p>
         </p:txBody>
       </p:sp>
-      <p:sp>
-        <p:nvSpPr>
-          <p:cNvPr id="9" name="Rounded Rectangle 8"/>
-          <p:cNvSpPr/>
-          <p:nvPr/>
-        </p:nvSpPr>
-        <p:spPr>
-          <a:xfrm rot="955178">
-            <a:off x="7281869" y="2556748"/>
-            <a:ext cx="585810" cy="302304"/>
-          </a:xfrm>
-          <a:prstGeom prst="roundRect">
-            <a:avLst/>
-          </a:prstGeom>
-          <a:solidFill>
-            <a:schemeClr val="accent5">
-              <a:lumMod val="60000"/>
-              <a:lumOff val="40000"/>
-            </a:schemeClr>
-          </a:solidFill>
-          <a:ln w="25400">
-            <a:noFill/>
-          </a:ln>
-          <a:effectLst>
-            <a:outerShdw blurRad="50800" dist="38100" dir="2700000" algn="tl" rotWithShape="0">
-              <a:srgbClr val="000000">
-                <a:alpha val="43000"/>
-              </a:srgbClr>
-            </a:outerShdw>
-          </a:effectLst>
-          <a:scene3d>
-            <a:camera prst="orthographicFront"/>
-            <a:lightRig rig="threePt" dir="t"/>
-          </a:scene3d>
-          <a:sp3d extrusionH="63500"/>
-        </p:spPr>
-        <p:style>
-          <a:lnRef idx="1">
-            <a:schemeClr val="accent1"/>
-          </a:lnRef>
-          <a:fillRef idx="3">
-            <a:schemeClr val="accent1"/>
-          </a:fillRef>
-          <a:effectRef idx="2">
-            <a:schemeClr val="accent1"/>
-          </a:effectRef>
-          <a:fontRef idx="minor">
-            <a:schemeClr val="lt1"/>
-          </a:fontRef>
-        </p:style>
-        <p:txBody>
-          <a:bodyPr rtlCol="0" anchor="ctr"/>
-          <a:lstStyle/>
-          <a:p>
-            <a:pPr algn="ctr"/>
-            <a:r>
-              <a:rPr lang="en-US" dirty="0" err="1" smtClean="0">
-                <a:solidFill>
-                  <a:schemeClr val="tx1"/>
-                </a:solidFill>
-              </a:rPr>
-              <a:t>bpf</a:t>
-            </a:r>
-            <a:endParaRPr lang="en-US" dirty="0">
-              <a:solidFill>
-                <a:schemeClr val="tx1"/>
-              </a:solidFill>
-            </a:endParaRPr>
-          </a:p>
-        </p:txBody>
-      </p:sp>
-      <p:sp>
-        <p:nvSpPr>
-          <p:cNvPr id="10" name="Rounded Rectangle 9"/>
-          <p:cNvSpPr/>
-          <p:nvPr/>
-        </p:nvSpPr>
-        <p:spPr>
-          <a:xfrm rot="419088">
-            <a:off x="7913506" y="2368102"/>
-            <a:ext cx="749255" cy="302304"/>
-          </a:xfrm>
-          <a:prstGeom prst="roundRect">
-            <a:avLst/>
-          </a:prstGeom>
-          <a:solidFill>
-            <a:schemeClr val="accent5">
-              <a:lumMod val="60000"/>
-              <a:lumOff val="40000"/>
-            </a:schemeClr>
-          </a:solidFill>
-          <a:ln w="25400">
-            <a:noFill/>
-          </a:ln>
-          <a:effectLst>
-            <a:outerShdw blurRad="50800" dist="38100" dir="2700000" algn="tl" rotWithShape="0">
-              <a:srgbClr val="000000">
-                <a:alpha val="43000"/>
-              </a:srgbClr>
-            </a:outerShdw>
-          </a:effectLst>
-          <a:scene3d>
-            <a:camera prst="orthographicFront"/>
-            <a:lightRig rig="threePt" dir="t"/>
-          </a:scene3d>
-          <a:sp3d extrusionH="63500"/>
-        </p:spPr>
-        <p:style>
-          <a:lnRef idx="1">
-            <a:schemeClr val="accent1"/>
-          </a:lnRef>
-          <a:fillRef idx="3">
-            <a:schemeClr val="accent1"/>
-          </a:fillRef>
-          <a:effectRef idx="2">
-            <a:schemeClr val="accent1"/>
-          </a:effectRef>
-          <a:fontRef idx="minor">
-            <a:schemeClr val="lt1"/>
-          </a:fontRef>
-        </p:style>
-        <p:txBody>
-          <a:bodyPr rtlCol="0" anchor="ctr"/>
-          <a:lstStyle/>
-          <a:p>
-            <a:pPr algn="ctr"/>
-            <a:r>
-              <a:rPr lang="en-US" dirty="0" smtClean="0">
-                <a:solidFill>
-                  <a:schemeClr val="tx1"/>
-                </a:solidFill>
-              </a:rPr>
-              <a:t>DPDK</a:t>
-            </a:r>
-            <a:endParaRPr lang="en-US" dirty="0">
-              <a:solidFill>
-                <a:schemeClr val="tx1"/>
-              </a:solidFill>
-            </a:endParaRPr>
-          </a:p>
-        </p:txBody>
-      </p:sp>
-      <p:sp>
-        <p:nvSpPr>
-          <p:cNvPr id="11" name="Rounded Rectangle 10"/>
-          <p:cNvSpPr/>
-          <p:nvPr/>
-        </p:nvSpPr>
-        <p:spPr>
-          <a:xfrm rot="20132465">
-            <a:off x="7445613" y="1824488"/>
-            <a:ext cx="1142146" cy="302304"/>
-          </a:xfrm>
-          <a:prstGeom prst="roundRect">
-            <a:avLst/>
-          </a:prstGeom>
-          <a:solidFill>
-            <a:schemeClr val="accent5">
-              <a:lumMod val="60000"/>
-              <a:lumOff val="40000"/>
-            </a:schemeClr>
-          </a:solidFill>
-          <a:ln w="25400">
-            <a:noFill/>
-          </a:ln>
-          <a:effectLst>
-            <a:outerShdw blurRad="50800" dist="38100" dir="2700000" algn="tl" rotWithShape="0">
-              <a:srgbClr val="000000">
-                <a:alpha val="43000"/>
-              </a:srgbClr>
-            </a:outerShdw>
-          </a:effectLst>
-          <a:scene3d>
-            <a:camera prst="orthographicFront"/>
-            <a:lightRig rig="threePt" dir="t"/>
-          </a:scene3d>
-          <a:sp3d extrusionH="63500"/>
-        </p:spPr>
-        <p:style>
-          <a:lnRef idx="1">
-            <a:schemeClr val="accent1"/>
-          </a:lnRef>
-          <a:fillRef idx="3">
-            <a:schemeClr val="accent1"/>
-          </a:fillRef>
-          <a:effectRef idx="2">
-            <a:schemeClr val="accent1"/>
-          </a:effectRef>
-          <a:fontRef idx="minor">
-            <a:schemeClr val="lt1"/>
-          </a:fontRef>
-        </p:style>
-        <p:txBody>
-          <a:bodyPr rtlCol="0" anchor="ctr"/>
-          <a:lstStyle/>
-          <a:p>
-            <a:pPr algn="ctr"/>
-            <a:r>
-              <a:rPr lang="en-US" dirty="0" err="1" smtClean="0">
-                <a:solidFill>
-                  <a:schemeClr val="tx1"/>
-                </a:solidFill>
-              </a:rPr>
-              <a:t>pcapfile</a:t>
-            </a:r>
-            <a:endParaRPr lang="en-US" dirty="0">
-              <a:solidFill>
-                <a:schemeClr val="tx1"/>
-              </a:solidFill>
-            </a:endParaRPr>
-          </a:p>
-        </p:txBody>
-      </p:sp>
     </p:spTree>
     <p:extLst>
       <p:ext uri="{BB962C8B-B14F-4D97-AF65-F5344CB8AC3E}">
-        <p14:creationId xmlns:p14="http://schemas.microsoft.com/office/powerpoint/2010/main" val="784985046"/>
+        <p14:creationId xmlns:p14="http://schemas.microsoft.com/office/powerpoint/2010/main" val="4076889886"/>
       </p:ext>
     </p:extLst>
   </p:cSld>
@@ -13518,7 +13982,7 @@
           <a:p>
             <a:r>
               <a:rPr lang="en-US" dirty="0" smtClean="0"/>
-              <a:t>proto</a:t>
+              <a:t>resolver</a:t>
             </a:r>
             <a:endParaRPr lang="en-US" dirty="0"/>
           </a:p>
@@ -13536,135 +14000,32 @@
         </p:nvSpPr>
         <p:spPr>
           <a:xfrm>
-            <a:off x="457200" y="1600200"/>
-            <a:ext cx="6447422" cy="4525963"/>
-          </a:xfrm>
-        </p:spPr>
-        <p:txBody>
-          <a:bodyPr>
-            <a:normAutofit fontScale="62500" lnSpcReduction="20000"/>
-          </a:bodyPr>
-          <a:lstStyle/>
-          <a:p>
-            <a:r>
-              <a:rPr lang="en-US" dirty="0" smtClean="0"/>
-              <a:t>Lower layers</a:t>
+            <a:off x="457199" y="1600200"/>
+            <a:ext cx="6484411" cy="4525963"/>
+          </a:xfrm>
+        </p:spPr>
+        <p:txBody>
+          <a:bodyPr/>
+          <a:lstStyle/>
+          <a:p>
+            <a:r>
+              <a:rPr lang="en-US" dirty="0" smtClean="0"/>
+              <a:t>Handles the DNS operations like QUERY, NOTIFY, and UPDATE</a:t>
             </a:r>
           </a:p>
           <a:p>
             <a:pPr lvl="1"/>
             <a:r>
               <a:rPr lang="en-US" dirty="0" smtClean="0"/>
-              <a:t>Supports ARP</a:t>
-            </a:r>
-          </a:p>
-          <a:p>
-            <a:pPr lvl="1"/>
-            <a:r>
-              <a:rPr lang="en-US" dirty="0" smtClean="0"/>
-              <a:t>May support link aggregation in the future</a:t>
-            </a:r>
-          </a:p>
-          <a:p>
-            <a:pPr lvl="1"/>
-            <a:r>
-              <a:rPr lang="en-US" dirty="0" smtClean="0"/>
-              <a:t>May support ICMP pings in the future</a:t>
-            </a:r>
-          </a:p>
-          <a:p>
-            <a:pPr lvl="1"/>
-            <a:r>
-              <a:rPr lang="en-US" dirty="0" smtClean="0"/>
-              <a:t>No IP fragmentation support</a:t>
-            </a:r>
-          </a:p>
-          <a:p>
-            <a:r>
-              <a:rPr lang="en-US" dirty="0" smtClean="0"/>
-              <a:t>DNS parser</a:t>
-            </a:r>
-          </a:p>
-          <a:p>
-            <a:pPr lvl="1"/>
-            <a:r>
-              <a:rPr lang="en-US" dirty="0" smtClean="0"/>
-              <a:t>Fully validates input</a:t>
-            </a:r>
-          </a:p>
-          <a:p>
-            <a:pPr lvl="1"/>
-            <a:r>
-              <a:rPr lang="en-US" dirty="0" smtClean="0"/>
-              <a:t>E.g. no DNS name will be more than 255 bytes</a:t>
-            </a:r>
-          </a:p>
-          <a:p>
-            <a:pPr lvl="1"/>
-            <a:r>
-              <a:rPr lang="en-US" dirty="0" smtClean="0"/>
-              <a:t>Look here to find buffer overflows</a:t>
-            </a:r>
-          </a:p>
-          <a:p>
-            <a:pPr lvl="1"/>
-            <a:r>
-              <a:rPr lang="en-US" dirty="0" smtClean="0"/>
-              <a:t>“</a:t>
-            </a:r>
-            <a:r>
-              <a:rPr lang="en-US" dirty="0" err="1" smtClean="0"/>
-              <a:t>Langsec</a:t>
-            </a:r>
-            <a:r>
-              <a:rPr lang="en-US" dirty="0" smtClean="0"/>
-              <a:t>” principles</a:t>
-            </a:r>
-          </a:p>
-          <a:p>
-            <a:r>
-              <a:rPr lang="en-US" dirty="0" smtClean="0"/>
-              <a:t>DNS formatter</a:t>
-            </a:r>
-          </a:p>
-          <a:p>
-            <a:pPr lvl="1"/>
-            <a:r>
-              <a:rPr lang="en-US" dirty="0" smtClean="0"/>
-              <a:t>Opposite of parser</a:t>
-            </a:r>
-          </a:p>
-          <a:p>
-            <a:r>
-              <a:rPr lang="en-US" dirty="0" smtClean="0"/>
-              <a:t>DNS name compressor</a:t>
-            </a:r>
-          </a:p>
-          <a:p>
-            <a:pPr lvl="1"/>
-            <a:r>
-              <a:rPr lang="en-US" dirty="0" smtClean="0"/>
-              <a:t>A surprisingly finicky step</a:t>
-            </a:r>
-          </a:p>
-          <a:p>
-            <a:pPr lvl="1"/>
-            <a:r>
-              <a:rPr lang="en-US" dirty="0" smtClean="0"/>
-              <a:t>Currently the slowest part in the system</a:t>
-            </a:r>
-          </a:p>
-          <a:p>
-            <a:pPr lvl="1"/>
-            <a:endParaRPr lang="en-US" dirty="0" smtClean="0"/>
-          </a:p>
-          <a:p>
-            <a:pPr lvl="1"/>
-            <a:endParaRPr lang="en-US" dirty="0" smtClean="0"/>
-          </a:p>
-          <a:p>
-            <a:pPr lvl="1"/>
-            <a:endParaRPr lang="en-US" dirty="0" smtClean="0"/>
+              <a:t>i.e. the DNS “proto” handles only parsing/formatting</a:t>
+            </a:r>
+          </a:p>
+          <a:p>
+            <a:r>
+              <a:rPr lang="en-US" dirty="0" smtClean="0"/>
+              <a:t>Look here to validate conformance with RFCs</a:t>
+            </a:r>
+            <a:endParaRPr lang="en-US" dirty="0"/>
           </a:p>
         </p:txBody>
       </p:sp>
@@ -13676,18 +14037,18 @@
         </p:nvSpPr>
         <p:spPr>
           <a:xfrm>
-            <a:off x="7087715" y="1390910"/>
-            <a:ext cx="1680572" cy="3272709"/>
+            <a:off x="7768363" y="1141889"/>
+            <a:ext cx="861755" cy="2064366"/>
           </a:xfrm>
           <a:prstGeom prst="roundRect">
             <a:avLst/>
           </a:prstGeom>
           <a:solidFill>
-            <a:schemeClr val="accent3"/>
+            <a:schemeClr val="accent4"/>
           </a:solidFill>
           <a:ln>
             <a:solidFill>
-              <a:schemeClr val="accent3"/>
+              <a:schemeClr val="accent4"/>
             </a:solidFill>
           </a:ln>
           <a:scene3d>
@@ -13724,73 +14085,14 @@
       </p:sp>
       <p:sp>
         <p:nvSpPr>
-          <p:cNvPr id="5" name="Rounded Rectangle 4"/>
-          <p:cNvSpPr/>
-          <p:nvPr/>
-        </p:nvSpPr>
-        <p:spPr>
-          <a:xfrm>
-            <a:off x="7187025" y="1469066"/>
-            <a:ext cx="1499775" cy="1778882"/>
-          </a:xfrm>
-          <a:prstGeom prst="roundRect">
-            <a:avLst/>
-          </a:prstGeom>
-          <a:solidFill>
-            <a:schemeClr val="accent3">
-              <a:lumMod val="60000"/>
-              <a:lumOff val="40000"/>
-            </a:schemeClr>
-          </a:solidFill>
-          <a:ln w="25400">
-            <a:solidFill>
-              <a:schemeClr val="accent3"/>
-            </a:solidFill>
-          </a:ln>
-          <a:effectLst/>
-          <a:scene3d>
-            <a:camera prst="orthographicFront"/>
-            <a:lightRig rig="threePt" dir="t"/>
-          </a:scene3d>
-          <a:sp3d extrusionH="63500"/>
-        </p:spPr>
-        <p:style>
-          <a:lnRef idx="1">
-            <a:schemeClr val="accent1"/>
-          </a:lnRef>
-          <a:fillRef idx="3">
-            <a:schemeClr val="accent1"/>
-          </a:fillRef>
-          <a:effectRef idx="2">
-            <a:schemeClr val="accent1"/>
-          </a:effectRef>
-          <a:fontRef idx="minor">
-            <a:schemeClr val="lt1"/>
-          </a:fontRef>
-        </p:style>
-        <p:txBody>
-          <a:bodyPr rtlCol="0" anchor="ctr"/>
-          <a:lstStyle/>
-          <a:p>
-            <a:pPr algn="ctr"/>
-            <a:endParaRPr lang="en-US" dirty="0">
-              <a:solidFill>
-                <a:schemeClr val="tx1"/>
-              </a:solidFill>
-            </a:endParaRPr>
-          </a:p>
-        </p:txBody>
-      </p:sp>
-      <p:sp>
-        <p:nvSpPr>
-          <p:cNvPr id="6" name="TextBox 5"/>
+          <p:cNvPr id="5" name="TextBox 4"/>
           <p:cNvSpPr txBox="1"/>
           <p:nvPr/>
         </p:nvSpPr>
         <p:spPr>
           <a:xfrm>
-            <a:off x="7087715" y="4190658"/>
-            <a:ext cx="1749210" cy="461665"/>
+            <a:off x="7922241" y="1608833"/>
+            <a:ext cx="553998" cy="1130478"/>
           </a:xfrm>
           <a:prstGeom prst="rect">
             <a:avLst/>
@@ -13798,562 +14100,28 @@
           <a:noFill/>
         </p:spPr>
         <p:txBody>
-          <a:bodyPr wrap="square" rtlCol="0">
+          <a:bodyPr vert="vert270" wrap="none" rtlCol="0">
             <a:spAutoFit/>
           </a:bodyPr>
           <a:lstStyle/>
           <a:p>
             <a:pPr algn="ctr"/>
             <a:r>
+              <a:rPr lang="en-US" sz="2400" b="1" dirty="0"/>
+              <a:t>r</a:t>
+            </a:r>
+            <a:r>
               <a:rPr lang="en-US" sz="2400" b="1" dirty="0" smtClean="0"/>
-              <a:t>proto</a:t>
+              <a:t>esolver</a:t>
             </a:r>
             <a:endParaRPr lang="en-US" sz="2400" b="1" dirty="0"/>
-          </a:p>
-        </p:txBody>
-      </p:sp>
-      <p:sp>
-        <p:nvSpPr>
-          <p:cNvPr id="7" name="Rounded Rectangle 6"/>
-          <p:cNvSpPr/>
-          <p:nvPr/>
-        </p:nvSpPr>
-        <p:spPr>
-          <a:xfrm>
-            <a:off x="7181818" y="3874340"/>
-            <a:ext cx="1499774" cy="302304"/>
-          </a:xfrm>
-          <a:prstGeom prst="roundRect">
-            <a:avLst/>
-          </a:prstGeom>
-          <a:solidFill>
-            <a:schemeClr val="accent3">
-              <a:lumMod val="60000"/>
-              <a:lumOff val="40000"/>
-            </a:schemeClr>
-          </a:solidFill>
-          <a:ln w="25400">
-            <a:solidFill>
-              <a:schemeClr val="accent3"/>
-            </a:solidFill>
-          </a:ln>
-          <a:effectLst/>
-          <a:scene3d>
-            <a:camera prst="orthographicFront"/>
-            <a:lightRig rig="threePt" dir="t"/>
-          </a:scene3d>
-          <a:sp3d extrusionH="63500"/>
-        </p:spPr>
-        <p:style>
-          <a:lnRef idx="1">
-            <a:schemeClr val="accent1"/>
-          </a:lnRef>
-          <a:fillRef idx="3">
-            <a:schemeClr val="accent1"/>
-          </a:fillRef>
-          <a:effectRef idx="2">
-            <a:schemeClr val="accent1"/>
-          </a:effectRef>
-          <a:fontRef idx="minor">
-            <a:schemeClr val="lt1"/>
-          </a:fontRef>
-        </p:style>
-        <p:txBody>
-          <a:bodyPr rtlCol="0" anchor="ctr"/>
-          <a:lstStyle/>
-          <a:p>
-            <a:pPr algn="ctr"/>
-            <a:r>
-              <a:rPr lang="en-US" dirty="0" smtClean="0">
-                <a:solidFill>
-                  <a:schemeClr val="tx1"/>
-                </a:solidFill>
-              </a:rPr>
-              <a:t>ethernet</a:t>
-            </a:r>
-            <a:endParaRPr lang="en-US" dirty="0">
-              <a:solidFill>
-                <a:schemeClr val="tx1"/>
-              </a:solidFill>
-            </a:endParaRPr>
-          </a:p>
-        </p:txBody>
-      </p:sp>
-      <p:sp>
-        <p:nvSpPr>
-          <p:cNvPr id="8" name="Rounded Rectangle 7"/>
-          <p:cNvSpPr/>
-          <p:nvPr/>
-        </p:nvSpPr>
-        <p:spPr>
-          <a:xfrm>
-            <a:off x="7181817" y="3568898"/>
-            <a:ext cx="1499775" cy="302304"/>
-          </a:xfrm>
-          <a:prstGeom prst="roundRect">
-            <a:avLst/>
-          </a:prstGeom>
-          <a:solidFill>
-            <a:schemeClr val="accent3">
-              <a:lumMod val="60000"/>
-              <a:lumOff val="40000"/>
-            </a:schemeClr>
-          </a:solidFill>
-          <a:ln w="25400">
-            <a:solidFill>
-              <a:schemeClr val="accent3"/>
-            </a:solidFill>
-          </a:ln>
-          <a:effectLst/>
-          <a:scene3d>
-            <a:camera prst="orthographicFront"/>
-            <a:lightRig rig="threePt" dir="t"/>
-          </a:scene3d>
-          <a:sp3d extrusionH="63500"/>
-        </p:spPr>
-        <p:style>
-          <a:lnRef idx="1">
-            <a:schemeClr val="accent1"/>
-          </a:lnRef>
-          <a:fillRef idx="3">
-            <a:schemeClr val="accent1"/>
-          </a:fillRef>
-          <a:effectRef idx="2">
-            <a:schemeClr val="accent1"/>
-          </a:effectRef>
-          <a:fontRef idx="minor">
-            <a:schemeClr val="lt1"/>
-          </a:fontRef>
-        </p:style>
-        <p:txBody>
-          <a:bodyPr rtlCol="0" anchor="ctr"/>
-          <a:lstStyle/>
-          <a:p>
-            <a:pPr algn="ctr"/>
-            <a:r>
-              <a:rPr lang="en-US" dirty="0" err="1" smtClean="0">
-                <a:solidFill>
-                  <a:schemeClr val="tx1"/>
-                </a:solidFill>
-              </a:rPr>
-              <a:t>ip</a:t>
-            </a:r>
-            <a:endParaRPr lang="en-US" dirty="0">
-              <a:solidFill>
-                <a:schemeClr val="tx1"/>
-              </a:solidFill>
-            </a:endParaRPr>
-          </a:p>
-        </p:txBody>
-      </p:sp>
-      <p:sp>
-        <p:nvSpPr>
-          <p:cNvPr id="9" name="Rounded Rectangle 8"/>
-          <p:cNvSpPr/>
-          <p:nvPr/>
-        </p:nvSpPr>
-        <p:spPr>
-          <a:xfrm>
-            <a:off x="7181818" y="3266883"/>
-            <a:ext cx="743565" cy="302304"/>
-          </a:xfrm>
-          <a:prstGeom prst="roundRect">
-            <a:avLst/>
-          </a:prstGeom>
-          <a:solidFill>
-            <a:schemeClr val="accent3">
-              <a:lumMod val="60000"/>
-              <a:lumOff val="40000"/>
-            </a:schemeClr>
-          </a:solidFill>
-          <a:ln w="25400">
-            <a:solidFill>
-              <a:schemeClr val="accent3"/>
-            </a:solidFill>
-          </a:ln>
-          <a:effectLst/>
-          <a:scene3d>
-            <a:camera prst="orthographicFront"/>
-            <a:lightRig rig="threePt" dir="t"/>
-          </a:scene3d>
-          <a:sp3d extrusionH="63500"/>
-        </p:spPr>
-        <p:style>
-          <a:lnRef idx="1">
-            <a:schemeClr val="accent1"/>
-          </a:lnRef>
-          <a:fillRef idx="3">
-            <a:schemeClr val="accent1"/>
-          </a:fillRef>
-          <a:effectRef idx="2">
-            <a:schemeClr val="accent1"/>
-          </a:effectRef>
-          <a:fontRef idx="minor">
-            <a:schemeClr val="lt1"/>
-          </a:fontRef>
-        </p:style>
-        <p:txBody>
-          <a:bodyPr rtlCol="0" anchor="ctr"/>
-          <a:lstStyle/>
-          <a:p>
-            <a:pPr algn="ctr"/>
-            <a:r>
-              <a:rPr lang="en-US" dirty="0" err="1" smtClean="0">
-                <a:solidFill>
-                  <a:schemeClr val="tx1"/>
-                </a:solidFill>
-              </a:rPr>
-              <a:t>udp</a:t>
-            </a:r>
-            <a:endParaRPr lang="en-US" dirty="0">
-              <a:solidFill>
-                <a:schemeClr val="tx1"/>
-              </a:solidFill>
-            </a:endParaRPr>
-          </a:p>
-        </p:txBody>
-      </p:sp>
-      <p:sp>
-        <p:nvSpPr>
-          <p:cNvPr id="10" name="Rounded Rectangle 9"/>
-          <p:cNvSpPr/>
-          <p:nvPr/>
-        </p:nvSpPr>
-        <p:spPr>
-          <a:xfrm>
-            <a:off x="7925383" y="3268131"/>
-            <a:ext cx="743565" cy="302304"/>
-          </a:xfrm>
-          <a:prstGeom prst="roundRect">
-            <a:avLst/>
-          </a:prstGeom>
-          <a:solidFill>
-            <a:schemeClr val="accent3">
-              <a:lumMod val="60000"/>
-              <a:lumOff val="40000"/>
-            </a:schemeClr>
-          </a:solidFill>
-          <a:ln w="25400">
-            <a:solidFill>
-              <a:schemeClr val="accent3"/>
-            </a:solidFill>
-          </a:ln>
-          <a:effectLst/>
-          <a:scene3d>
-            <a:camera prst="orthographicFront"/>
-            <a:lightRig rig="threePt" dir="t"/>
-          </a:scene3d>
-          <a:sp3d extrusionH="63500"/>
-        </p:spPr>
-        <p:style>
-          <a:lnRef idx="1">
-            <a:schemeClr val="accent1"/>
-          </a:lnRef>
-          <a:fillRef idx="3">
-            <a:schemeClr val="accent1"/>
-          </a:fillRef>
-          <a:effectRef idx="2">
-            <a:schemeClr val="accent1"/>
-          </a:effectRef>
-          <a:fontRef idx="minor">
-            <a:schemeClr val="lt1"/>
-          </a:fontRef>
-        </p:style>
-        <p:txBody>
-          <a:bodyPr rtlCol="0" anchor="ctr"/>
-          <a:lstStyle/>
-          <a:p>
-            <a:pPr algn="ctr"/>
-            <a:r>
-              <a:rPr lang="en-US" dirty="0" err="1" smtClean="0">
-                <a:solidFill>
-                  <a:schemeClr val="tx1"/>
-                </a:solidFill>
-              </a:rPr>
-              <a:t>tcp</a:t>
-            </a:r>
-            <a:endParaRPr lang="en-US" dirty="0">
-              <a:solidFill>
-                <a:schemeClr val="tx1"/>
-              </a:solidFill>
-            </a:endParaRPr>
-          </a:p>
-        </p:txBody>
-      </p:sp>
-      <p:sp>
-        <p:nvSpPr>
-          <p:cNvPr id="11" name="Rounded Rectangle 10"/>
-          <p:cNvSpPr/>
-          <p:nvPr/>
-        </p:nvSpPr>
-        <p:spPr>
-          <a:xfrm rot="16200000">
-            <a:off x="6780724" y="2123304"/>
-            <a:ext cx="1421247" cy="302304"/>
-          </a:xfrm>
-          <a:prstGeom prst="roundRect">
-            <a:avLst/>
-          </a:prstGeom>
-          <a:solidFill>
-            <a:schemeClr val="accent3">
-              <a:lumMod val="40000"/>
-              <a:lumOff val="60000"/>
-            </a:schemeClr>
-          </a:solidFill>
-          <a:ln w="25400">
-            <a:solidFill>
-              <a:schemeClr val="accent3">
-                <a:lumMod val="60000"/>
-                <a:lumOff val="40000"/>
-              </a:schemeClr>
-            </a:solidFill>
-          </a:ln>
-          <a:effectLst/>
-          <a:scene3d>
-            <a:camera prst="orthographicFront"/>
-            <a:lightRig rig="threePt" dir="t"/>
-          </a:scene3d>
-          <a:sp3d extrusionH="63500"/>
-        </p:spPr>
-        <p:style>
-          <a:lnRef idx="1">
-            <a:schemeClr val="accent1"/>
-          </a:lnRef>
-          <a:fillRef idx="3">
-            <a:schemeClr val="accent1"/>
-          </a:fillRef>
-          <a:effectRef idx="2">
-            <a:schemeClr val="accent1"/>
-          </a:effectRef>
-          <a:fontRef idx="minor">
-            <a:schemeClr val="lt1"/>
-          </a:fontRef>
-        </p:style>
-        <p:txBody>
-          <a:bodyPr rtlCol="0" anchor="ctr"/>
-          <a:lstStyle/>
-          <a:p>
-            <a:pPr algn="ctr"/>
-            <a:r>
-              <a:rPr lang="en-US" dirty="0" smtClean="0">
-                <a:solidFill>
-                  <a:schemeClr val="tx1"/>
-                </a:solidFill>
-              </a:rPr>
-              <a:t>parser</a:t>
-            </a:r>
-            <a:endParaRPr lang="en-US" dirty="0">
-              <a:solidFill>
-                <a:schemeClr val="tx1"/>
-              </a:solidFill>
-            </a:endParaRPr>
-          </a:p>
-        </p:txBody>
-      </p:sp>
-      <p:sp>
-        <p:nvSpPr>
-          <p:cNvPr id="12" name="Rounded Rectangle 11"/>
-          <p:cNvSpPr/>
-          <p:nvPr/>
-        </p:nvSpPr>
-        <p:spPr>
-          <a:xfrm rot="16200000">
-            <a:off x="7377442" y="2123303"/>
-            <a:ext cx="1421247" cy="302304"/>
-          </a:xfrm>
-          <a:prstGeom prst="roundRect">
-            <a:avLst/>
-          </a:prstGeom>
-          <a:solidFill>
-            <a:schemeClr val="accent3">
-              <a:lumMod val="40000"/>
-              <a:lumOff val="60000"/>
-            </a:schemeClr>
-          </a:solidFill>
-          <a:ln w="25400">
-            <a:solidFill>
-              <a:schemeClr val="accent3">
-                <a:lumMod val="60000"/>
-                <a:lumOff val="40000"/>
-              </a:schemeClr>
-            </a:solidFill>
-          </a:ln>
-          <a:effectLst/>
-          <a:scene3d>
-            <a:camera prst="orthographicFront"/>
-            <a:lightRig rig="threePt" dir="t"/>
-          </a:scene3d>
-          <a:sp3d extrusionH="63500"/>
-        </p:spPr>
-        <p:style>
-          <a:lnRef idx="1">
-            <a:schemeClr val="accent1"/>
-          </a:lnRef>
-          <a:fillRef idx="3">
-            <a:schemeClr val="accent1"/>
-          </a:fillRef>
-          <a:effectRef idx="2">
-            <a:schemeClr val="accent1"/>
-          </a:effectRef>
-          <a:fontRef idx="minor">
-            <a:schemeClr val="lt1"/>
-          </a:fontRef>
-        </p:style>
-        <p:txBody>
-          <a:bodyPr rtlCol="0" anchor="ctr"/>
-          <a:lstStyle/>
-          <a:p>
-            <a:pPr algn="ctr"/>
-            <a:r>
-              <a:rPr lang="en-US" dirty="0" smtClean="0">
-                <a:solidFill>
-                  <a:schemeClr val="tx1"/>
-                </a:solidFill>
-              </a:rPr>
-              <a:t>formatter</a:t>
-            </a:r>
-            <a:endParaRPr lang="en-US" dirty="0">
-              <a:solidFill>
-                <a:schemeClr val="tx1"/>
-              </a:solidFill>
-            </a:endParaRPr>
-          </a:p>
-        </p:txBody>
-      </p:sp>
-      <p:sp>
-        <p:nvSpPr>
-          <p:cNvPr id="13" name="Rounded Rectangle 12"/>
-          <p:cNvSpPr/>
-          <p:nvPr/>
-        </p:nvSpPr>
-        <p:spPr>
-          <a:xfrm rot="16200000">
-            <a:off x="7680677" y="2122373"/>
-            <a:ext cx="1419385" cy="302304"/>
-          </a:xfrm>
-          <a:prstGeom prst="roundRect">
-            <a:avLst/>
-          </a:prstGeom>
-          <a:solidFill>
-            <a:schemeClr val="accent3">
-              <a:lumMod val="40000"/>
-              <a:lumOff val="60000"/>
-            </a:schemeClr>
-          </a:solidFill>
-          <a:ln w="25400">
-            <a:solidFill>
-              <a:schemeClr val="accent3">
-                <a:lumMod val="60000"/>
-                <a:lumOff val="40000"/>
-              </a:schemeClr>
-            </a:solidFill>
-          </a:ln>
-          <a:effectLst/>
-          <a:scene3d>
-            <a:camera prst="orthographicFront"/>
-            <a:lightRig rig="threePt" dir="t"/>
-          </a:scene3d>
-          <a:sp3d extrusionH="63500"/>
-        </p:spPr>
-        <p:style>
-          <a:lnRef idx="1">
-            <a:schemeClr val="accent1"/>
-          </a:lnRef>
-          <a:fillRef idx="3">
-            <a:schemeClr val="accent1"/>
-          </a:fillRef>
-          <a:effectRef idx="2">
-            <a:schemeClr val="accent1"/>
-          </a:effectRef>
-          <a:fontRef idx="minor">
-            <a:schemeClr val="lt1"/>
-          </a:fontRef>
-        </p:style>
-        <p:txBody>
-          <a:bodyPr rtlCol="0" anchor="ctr"/>
-          <a:lstStyle/>
-          <a:p>
-            <a:pPr algn="ctr"/>
-            <a:r>
-              <a:rPr lang="en-US" b="1" dirty="0" smtClean="0">
-                <a:solidFill>
-                  <a:schemeClr val="tx1"/>
-                </a:solidFill>
-              </a:rPr>
-              <a:t>compressor</a:t>
-            </a:r>
-            <a:endParaRPr lang="en-US" b="1" dirty="0">
-              <a:solidFill>
-                <a:schemeClr val="tx1"/>
-              </a:solidFill>
-            </a:endParaRPr>
-          </a:p>
-        </p:txBody>
-      </p:sp>
-      <p:sp>
-        <p:nvSpPr>
-          <p:cNvPr id="14" name="Rounded Rectangle 13"/>
-          <p:cNvSpPr/>
-          <p:nvPr/>
-        </p:nvSpPr>
-        <p:spPr>
-          <a:xfrm>
-            <a:off x="7181818" y="2971311"/>
-            <a:ext cx="1499775" cy="302304"/>
-          </a:xfrm>
-          <a:prstGeom prst="roundRect">
-            <a:avLst/>
-          </a:prstGeom>
-          <a:noFill/>
-          <a:ln w="25400">
-            <a:noFill/>
-          </a:ln>
-          <a:effectLst/>
-          <a:scene3d>
-            <a:camera prst="orthographicFront"/>
-            <a:lightRig rig="threePt" dir="t"/>
-          </a:scene3d>
-          <a:sp3d extrusionH="63500"/>
-        </p:spPr>
-        <p:style>
-          <a:lnRef idx="1">
-            <a:schemeClr val="accent1"/>
-          </a:lnRef>
-          <a:fillRef idx="3">
-            <a:schemeClr val="accent1"/>
-          </a:fillRef>
-          <a:effectRef idx="2">
-            <a:schemeClr val="accent1"/>
-          </a:effectRef>
-          <a:fontRef idx="minor">
-            <a:schemeClr val="lt1"/>
-          </a:fontRef>
-        </p:style>
-        <p:txBody>
-          <a:bodyPr rtlCol="0" anchor="ctr"/>
-          <a:lstStyle/>
-          <a:p>
-            <a:pPr algn="ctr"/>
-            <a:r>
-              <a:rPr lang="en-US" dirty="0" err="1" smtClean="0">
-                <a:solidFill>
-                  <a:schemeClr val="tx1"/>
-                </a:solidFill>
-              </a:rPr>
-              <a:t>dns</a:t>
-            </a:r>
-            <a:endParaRPr lang="en-US" dirty="0">
-              <a:solidFill>
-                <a:schemeClr val="tx1"/>
-              </a:solidFill>
-            </a:endParaRPr>
           </a:p>
         </p:txBody>
       </p:sp>
     </p:spTree>
     <p:extLst>
       <p:ext uri="{BB962C8B-B14F-4D97-AF65-F5344CB8AC3E}">
-        <p14:creationId xmlns:p14="http://schemas.microsoft.com/office/powerpoint/2010/main" val="4076889886"/>
+        <p14:creationId xmlns:p14="http://schemas.microsoft.com/office/powerpoint/2010/main" val="3738972922"/>
       </p:ext>
     </p:extLst>
   </p:cSld>
@@ -14397,7 +14165,7 @@
           <a:p>
             <a:r>
               <a:rPr lang="en-US" dirty="0" smtClean="0"/>
-              <a:t>resolver</a:t>
+              <a:t>Resolver</a:t>
             </a:r>
             <a:endParaRPr lang="en-US" dirty="0"/>
           </a:p>
@@ -14425,21 +14193,42 @@
           <a:p>
             <a:r>
               <a:rPr lang="en-US" dirty="0" smtClean="0"/>
-              <a:t>Handles the DNS operations like QUERY, NOTIFY, and UPDATE</a:t>
-            </a:r>
-          </a:p>
-          <a:p>
-            <a:pPr lvl="1"/>
-            <a:r>
-              <a:rPr lang="en-US" dirty="0" smtClean="0"/>
-              <a:t>i.e. the DNS “proto” handles only parsing/formatting</a:t>
-            </a:r>
-          </a:p>
-          <a:p>
-            <a:r>
-              <a:rPr lang="en-US" dirty="0" smtClean="0"/>
-              <a:t>Look here to validate conformance with RFCs</a:t>
-            </a:r>
+              <a:t>Designed for </a:t>
+            </a:r>
+            <a:r>
+              <a:rPr lang="en-US" dirty="0" err="1" smtClean="0"/>
+              <a:t>uncacheable</a:t>
+            </a:r>
+            <a:r>
+              <a:rPr lang="en-US" dirty="0" smtClean="0"/>
+              <a:t>, random lookups in memory</a:t>
+            </a:r>
+          </a:p>
+          <a:p>
+            <a:r>
+              <a:rPr lang="en-US" dirty="0" smtClean="0"/>
+              <a:t>A thread may be resolving multiple queries at the time same time</a:t>
+            </a:r>
+          </a:p>
+          <a:p>
+            <a:r>
+              <a:rPr lang="en-US" dirty="0" err="1" smtClean="0"/>
+              <a:t>Prefetches</a:t>
+            </a:r>
+            <a:r>
+              <a:rPr lang="en-US" dirty="0" smtClean="0"/>
+              <a:t> </a:t>
+            </a:r>
+            <a:r>
+              <a:rPr lang="en-US" dirty="0" err="1" smtClean="0"/>
+              <a:t>db</a:t>
+            </a:r>
+            <a:r>
+              <a:rPr lang="en-US" dirty="0" smtClean="0"/>
+              <a:t>/catalog lookups for next query while resolving previous query</a:t>
+            </a:r>
+          </a:p>
+          <a:p>
             <a:endParaRPr lang="en-US" dirty="0"/>
           </a:p>
         </p:txBody>
@@ -14536,7 +14325,7 @@
     </p:spTree>
     <p:extLst>
       <p:ext uri="{BB962C8B-B14F-4D97-AF65-F5344CB8AC3E}">
-        <p14:creationId xmlns:p14="http://schemas.microsoft.com/office/powerpoint/2010/main" val="3738972922"/>
+        <p14:creationId xmlns:p14="http://schemas.microsoft.com/office/powerpoint/2010/main" val="1818823888"/>
       </p:ext>
     </p:extLst>
   </p:cSld>
@@ -14580,7 +14369,7 @@
           <a:p>
             <a:r>
               <a:rPr lang="en-US" dirty="0" smtClean="0"/>
-              <a:t>Resolver</a:t>
+              <a:t>catalog layout</a:t>
             </a:r>
             <a:endParaRPr lang="en-US" dirty="0"/>
           </a:p>
@@ -14598,53 +14387,116 @@
         </p:nvSpPr>
         <p:spPr>
           <a:xfrm>
-            <a:off x="457199" y="1600200"/>
-            <a:ext cx="6484411" cy="4525963"/>
-          </a:xfrm>
-        </p:spPr>
-        <p:txBody>
-          <a:bodyPr/>
-          <a:lstStyle/>
-          <a:p>
+            <a:off x="457200" y="1600200"/>
+            <a:ext cx="5310450" cy="4525963"/>
+          </a:xfrm>
+        </p:spPr>
+        <p:txBody>
+          <a:bodyPr>
+            <a:normAutofit fontScale="85000" lnSpcReduction="20000"/>
+          </a:bodyPr>
+          <a:lstStyle/>
+          <a:p>
+            <a:r>
+              <a:rPr lang="en-US" dirty="0" smtClean="0"/>
+              <a:t>This is the database</a:t>
+            </a:r>
+          </a:p>
+          <a:p>
+            <a:pPr lvl="1"/>
+            <a:r>
+              <a:rPr lang="en-US" dirty="0" smtClean="0"/>
+              <a:t>Custom, in-memory, not SQL</a:t>
+            </a:r>
+          </a:p>
+          <a:p>
+            <a:r>
+              <a:rPr lang="en-US" dirty="0" smtClean="0"/>
+              <a:t>Keywords like “</a:t>
+            </a:r>
+            <a:r>
+              <a:rPr lang="en-US" dirty="0" smtClean="0">
+                <a:latin typeface="Courier"/>
+                <a:cs typeface="Courier"/>
+              </a:rPr>
+              <a:t>catalog</a:t>
+            </a:r>
+            <a:r>
+              <a:rPr lang="en-US" dirty="0" smtClean="0"/>
+              <a:t>”, “</a:t>
+            </a:r>
+            <a:r>
+              <a:rPr lang="en-US" dirty="0" smtClean="0">
+                <a:latin typeface="Courier"/>
+                <a:cs typeface="Courier"/>
+              </a:rPr>
+              <a:t>zone</a:t>
+            </a:r>
+            <a:r>
+              <a:rPr lang="en-US" dirty="0" smtClean="0"/>
+              <a:t>”, </a:t>
+            </a:r>
+            <a:r>
+              <a:rPr lang="en-US" dirty="0" smtClean="0"/>
+              <a:t>“</a:t>
+            </a:r>
+            <a:r>
+              <a:rPr lang="en-US" dirty="0" err="1" smtClean="0">
+                <a:latin typeface="Courier"/>
+                <a:cs typeface="Courier"/>
+              </a:rPr>
+              <a:t>rrset</a:t>
+            </a:r>
+            <a:r>
+              <a:rPr lang="en-US" dirty="0" smtClean="0"/>
+              <a:t>”, and “</a:t>
+            </a:r>
+            <a:r>
+              <a:rPr lang="en-US" dirty="0" smtClean="0">
+                <a:latin typeface="Courier"/>
+                <a:cs typeface="Courier"/>
+              </a:rPr>
+              <a:t>rr</a:t>
+            </a:r>
+            <a:r>
+              <a:rPr lang="en-US" dirty="0" smtClean="0"/>
+              <a:t>” are used according to their meanings in DNS RFCs</a:t>
+            </a:r>
+          </a:p>
+          <a:p>
+            <a:r>
+              <a:rPr lang="en-US" dirty="0" smtClean="0"/>
+              <a:t>The “rrset” is heavily compressed to support large zones</a:t>
+            </a:r>
+          </a:p>
+          <a:p>
+            <a:pPr lvl="1"/>
             <a:r>
               <a:rPr lang="en-US" dirty="0" smtClean="0"/>
               <a:t>Designed for </a:t>
             </a:r>
             <a:r>
-              <a:rPr lang="en-US" dirty="0" err="1" smtClean="0"/>
-              <a:t>uncacheable</a:t>
-            </a:r>
-            <a:r>
-              <a:rPr lang="en-US" dirty="0" smtClean="0"/>
-              <a:t>, random lookups in memory</a:t>
-            </a:r>
-          </a:p>
-          <a:p>
-            <a:r>
-              <a:rPr lang="en-US" dirty="0" smtClean="0"/>
-              <a:t>A thread may be resolving multiple queries at the time same time</a:t>
-            </a:r>
-          </a:p>
-          <a:p>
-            <a:r>
-              <a:rPr lang="en-US" dirty="0" err="1" smtClean="0"/>
-              <a:t>Prefetches</a:t>
-            </a:r>
-            <a:r>
-              <a:rPr lang="en-US" dirty="0" smtClean="0"/>
-              <a:t> </a:t>
-            </a:r>
-            <a:r>
-              <a:rPr lang="en-US" dirty="0" err="1" smtClean="0"/>
-              <a:t>db</a:t>
-            </a:r>
-            <a:r>
-              <a:rPr lang="en-US" dirty="0" smtClean="0"/>
-              <a:t>/catalog lookups for next query while resolving previous query</a:t>
-            </a:r>
-          </a:p>
-          <a:p>
-            <a:endParaRPr lang="en-US" dirty="0"/>
+              <a:rPr lang="en-US" i="1" dirty="0" smtClean="0"/>
+              <a:t>.com</a:t>
+            </a:r>
+            <a:r>
+              <a:rPr lang="en-US" dirty="0" smtClean="0"/>
+              <a:t> zone with more than 100 million entries</a:t>
+            </a:r>
+          </a:p>
+          <a:p>
+            <a:pPr lvl="1"/>
+            <a:r>
+              <a:rPr lang="en-US" dirty="0" smtClean="0"/>
+              <a:t>Designed for a million zones</a:t>
+            </a:r>
+          </a:p>
+          <a:p>
+            <a:pPr lvl="1"/>
+            <a:r>
+              <a:rPr lang="en-US" dirty="0" smtClean="0"/>
+              <a:t>Design for megabyte entries</a:t>
+            </a:r>
           </a:p>
         </p:txBody>
       </p:sp>
@@ -14656,27 +14508,18 @@
         </p:nvSpPr>
         <p:spPr>
           <a:xfrm>
-            <a:off x="7768363" y="1141889"/>
-            <a:ext cx="861755" cy="2064366"/>
+            <a:off x="5767650" y="1417638"/>
+            <a:ext cx="2948109" cy="2802264"/>
           </a:xfrm>
           <a:prstGeom prst="roundRect">
             <a:avLst/>
           </a:prstGeom>
-          <a:solidFill>
-            <a:schemeClr val="accent4"/>
-          </a:solidFill>
-          <a:ln>
-            <a:solidFill>
-              <a:schemeClr val="accent4"/>
-            </a:solidFill>
-          </a:ln>
           <a:scene3d>
             <a:camera prst="orthographicFront"/>
             <a:lightRig rig="threePt" dir="t"/>
           </a:scene3d>
           <a:sp3d>
             <a:bevelT/>
-            <a:bevelB/>
           </a:sp3d>
         </p:spPr>
         <p:style>
@@ -14704,43 +14547,2351 @@
       </p:sp>
       <p:sp>
         <p:nvSpPr>
-          <p:cNvPr id="5" name="TextBox 4"/>
+          <p:cNvPr id="5" name="Snip Same Side Corner Rectangle 4"/>
+          <p:cNvSpPr/>
+          <p:nvPr/>
+        </p:nvSpPr>
+        <p:spPr>
+          <a:xfrm>
+            <a:off x="5949259" y="1586110"/>
+            <a:ext cx="1166495" cy="2172127"/>
+          </a:xfrm>
+          <a:prstGeom prst="snip2SameRect">
+            <a:avLst/>
+          </a:prstGeom>
+          <a:solidFill>
+            <a:schemeClr val="accent1">
+              <a:lumMod val="60000"/>
+              <a:lumOff val="40000"/>
+            </a:schemeClr>
+          </a:solidFill>
+        </p:spPr>
+        <p:style>
+          <a:lnRef idx="1">
+            <a:schemeClr val="accent1"/>
+          </a:lnRef>
+          <a:fillRef idx="3">
+            <a:schemeClr val="accent1"/>
+          </a:fillRef>
+          <a:effectRef idx="2">
+            <a:schemeClr val="accent1"/>
+          </a:effectRef>
+          <a:fontRef idx="minor">
+            <a:schemeClr val="lt1"/>
+          </a:fontRef>
+        </p:style>
+        <p:txBody>
+          <a:bodyPr rtlCol="0" anchor="ctr"/>
+          <a:lstStyle/>
+          <a:p>
+            <a:pPr algn="ctr"/>
+            <a:endParaRPr lang="en-US"/>
+          </a:p>
+        </p:txBody>
+      </p:sp>
+      <p:sp>
+        <p:nvSpPr>
+          <p:cNvPr id="6" name="Snip Same Side Corner Rectangle 5"/>
+          <p:cNvSpPr/>
+          <p:nvPr/>
+        </p:nvSpPr>
+        <p:spPr>
+          <a:xfrm>
+            <a:off x="7172638" y="1586111"/>
+            <a:ext cx="1369885" cy="2172127"/>
+          </a:xfrm>
+          <a:prstGeom prst="snip2SameRect">
+            <a:avLst/>
+          </a:prstGeom>
+          <a:solidFill>
+            <a:schemeClr val="accent1">
+              <a:lumMod val="60000"/>
+              <a:lumOff val="40000"/>
+            </a:schemeClr>
+          </a:solidFill>
+        </p:spPr>
+        <p:style>
+          <a:lnRef idx="1">
+            <a:schemeClr val="accent1"/>
+          </a:lnRef>
+          <a:fillRef idx="3">
+            <a:schemeClr val="accent1"/>
+          </a:fillRef>
+          <a:effectRef idx="2">
+            <a:schemeClr val="accent1"/>
+          </a:effectRef>
+          <a:fontRef idx="minor">
+            <a:schemeClr val="lt1"/>
+          </a:fontRef>
+        </p:style>
+        <p:txBody>
+          <a:bodyPr rtlCol="0" anchor="ctr"/>
+          <a:lstStyle/>
+          <a:p>
+            <a:pPr algn="ctr"/>
+            <a:endParaRPr lang="en-US"/>
+          </a:p>
+        </p:txBody>
+      </p:sp>
+      <p:sp>
+        <p:nvSpPr>
+          <p:cNvPr id="7" name="Rounded Rectangle 6"/>
+          <p:cNvSpPr/>
+          <p:nvPr/>
+        </p:nvSpPr>
+        <p:spPr>
+          <a:xfrm>
+            <a:off x="7234358" y="1754224"/>
+            <a:ext cx="531846" cy="1721730"/>
+          </a:xfrm>
+          <a:prstGeom prst="roundRect">
+            <a:avLst/>
+          </a:prstGeom>
+          <a:solidFill>
+            <a:schemeClr val="accent1">
+              <a:lumMod val="40000"/>
+              <a:lumOff val="60000"/>
+            </a:schemeClr>
+          </a:solidFill>
+          <a:ln w="1905">
+            <a:solidFill>
+              <a:schemeClr val="accent1"/>
+            </a:solidFill>
+          </a:ln>
+          <a:effectLst/>
+        </p:spPr>
+        <p:style>
+          <a:lnRef idx="1">
+            <a:schemeClr val="accent1"/>
+          </a:lnRef>
+          <a:fillRef idx="3">
+            <a:schemeClr val="accent1"/>
+          </a:fillRef>
+          <a:effectRef idx="2">
+            <a:schemeClr val="accent1"/>
+          </a:effectRef>
+          <a:fontRef idx="minor">
+            <a:schemeClr val="lt1"/>
+          </a:fontRef>
+        </p:style>
+        <p:txBody>
+          <a:bodyPr rtlCol="0" anchor="ctr"/>
+          <a:lstStyle/>
+          <a:p>
+            <a:pPr algn="ctr"/>
+            <a:endParaRPr lang="en-US"/>
+          </a:p>
+        </p:txBody>
+      </p:sp>
+      <p:sp>
+        <p:nvSpPr>
+          <p:cNvPr id="8" name="Rounded Rectangle 7"/>
+          <p:cNvSpPr/>
+          <p:nvPr/>
+        </p:nvSpPr>
+        <p:spPr>
+          <a:xfrm>
+            <a:off x="7771674" y="1750193"/>
+            <a:ext cx="706940" cy="1721730"/>
+          </a:xfrm>
+          <a:prstGeom prst="roundRect">
+            <a:avLst/>
+          </a:prstGeom>
+          <a:solidFill>
+            <a:schemeClr val="accent1">
+              <a:lumMod val="40000"/>
+              <a:lumOff val="60000"/>
+            </a:schemeClr>
+          </a:solidFill>
+          <a:ln w="1905">
+            <a:solidFill>
+              <a:schemeClr val="accent1"/>
+            </a:solidFill>
+          </a:ln>
+          <a:effectLst/>
+        </p:spPr>
+        <p:style>
+          <a:lnRef idx="1">
+            <a:schemeClr val="accent1"/>
+          </a:lnRef>
+          <a:fillRef idx="3">
+            <a:schemeClr val="accent1"/>
+          </a:fillRef>
+          <a:effectRef idx="2">
+            <a:schemeClr val="accent1"/>
+          </a:effectRef>
+          <a:fontRef idx="minor">
+            <a:schemeClr val="lt1"/>
+          </a:fontRef>
+        </p:style>
+        <p:txBody>
+          <a:bodyPr rtlCol="0" anchor="ctr"/>
+          <a:lstStyle/>
+          <a:p>
+            <a:pPr algn="ctr"/>
+            <a:endParaRPr lang="en-US"/>
+          </a:p>
+        </p:txBody>
+      </p:sp>
+      <p:sp>
+        <p:nvSpPr>
+          <p:cNvPr id="9" name="Rounded Rectangle 8"/>
+          <p:cNvSpPr/>
+          <p:nvPr/>
+        </p:nvSpPr>
+        <p:spPr>
+          <a:xfrm>
+            <a:off x="6002281" y="1754224"/>
+            <a:ext cx="593724" cy="1721730"/>
+          </a:xfrm>
+          <a:prstGeom prst="roundRect">
+            <a:avLst/>
+          </a:prstGeom>
+          <a:solidFill>
+            <a:schemeClr val="accent1">
+              <a:lumMod val="40000"/>
+              <a:lumOff val="60000"/>
+            </a:schemeClr>
+          </a:solidFill>
+          <a:ln w="1905">
+            <a:solidFill>
+              <a:schemeClr val="accent1"/>
+            </a:solidFill>
+          </a:ln>
+          <a:effectLst/>
+        </p:spPr>
+        <p:style>
+          <a:lnRef idx="1">
+            <a:schemeClr val="accent1"/>
+          </a:lnRef>
+          <a:fillRef idx="3">
+            <a:schemeClr val="accent1"/>
+          </a:fillRef>
+          <a:effectRef idx="2">
+            <a:schemeClr val="accent1"/>
+          </a:effectRef>
+          <a:fontRef idx="minor">
+            <a:schemeClr val="lt1"/>
+          </a:fontRef>
+        </p:style>
+        <p:txBody>
+          <a:bodyPr rtlCol="0" anchor="ctr"/>
+          <a:lstStyle/>
+          <a:p>
+            <a:pPr algn="ctr"/>
+            <a:endParaRPr lang="en-US"/>
+          </a:p>
+        </p:txBody>
+      </p:sp>
+      <p:sp>
+        <p:nvSpPr>
+          <p:cNvPr id="10" name="Rounded Rectangle 9"/>
+          <p:cNvSpPr/>
+          <p:nvPr/>
+        </p:nvSpPr>
+        <p:spPr>
+          <a:xfrm>
+            <a:off x="6596005" y="1754224"/>
+            <a:ext cx="466726" cy="1721730"/>
+          </a:xfrm>
+          <a:prstGeom prst="roundRect">
+            <a:avLst/>
+          </a:prstGeom>
+          <a:solidFill>
+            <a:schemeClr val="accent1">
+              <a:lumMod val="40000"/>
+              <a:lumOff val="60000"/>
+            </a:schemeClr>
+          </a:solidFill>
+          <a:ln w="1905">
+            <a:solidFill>
+              <a:schemeClr val="accent1"/>
+            </a:solidFill>
+          </a:ln>
+          <a:effectLst/>
+        </p:spPr>
+        <p:style>
+          <a:lnRef idx="1">
+            <a:schemeClr val="accent1"/>
+          </a:lnRef>
+          <a:fillRef idx="3">
+            <a:schemeClr val="accent1"/>
+          </a:fillRef>
+          <a:effectRef idx="2">
+            <a:schemeClr val="accent1"/>
+          </a:effectRef>
+          <a:fontRef idx="minor">
+            <a:schemeClr val="lt1"/>
+          </a:fontRef>
+        </p:style>
+        <p:txBody>
+          <a:bodyPr rtlCol="0" anchor="ctr"/>
+          <a:lstStyle/>
+          <a:p>
+            <a:pPr algn="ctr"/>
+            <a:endParaRPr lang="en-US"/>
+          </a:p>
+        </p:txBody>
+      </p:sp>
+      <p:sp>
+        <p:nvSpPr>
+          <p:cNvPr id="11" name="Rounded Rectangle 10"/>
+          <p:cNvSpPr/>
+          <p:nvPr/>
+        </p:nvSpPr>
+        <p:spPr>
+          <a:xfrm>
+            <a:off x="7325187" y="1829808"/>
+            <a:ext cx="177282" cy="1449707"/>
+          </a:xfrm>
+          <a:prstGeom prst="roundRect">
+            <a:avLst/>
+          </a:prstGeom>
+          <a:solidFill>
+            <a:schemeClr val="accent1">
+              <a:lumMod val="20000"/>
+              <a:lumOff val="80000"/>
+            </a:schemeClr>
+          </a:solidFill>
+          <a:ln w="635"/>
+          <a:effectLst/>
+        </p:spPr>
+        <p:style>
+          <a:lnRef idx="1">
+            <a:schemeClr val="accent1"/>
+          </a:lnRef>
+          <a:fillRef idx="3">
+            <a:schemeClr val="accent1"/>
+          </a:fillRef>
+          <a:effectRef idx="2">
+            <a:schemeClr val="accent1"/>
+          </a:effectRef>
+          <a:fontRef idx="minor">
+            <a:schemeClr val="lt1"/>
+          </a:fontRef>
+        </p:style>
+        <p:txBody>
+          <a:bodyPr rtlCol="0" anchor="ctr"/>
+          <a:lstStyle/>
+          <a:p>
+            <a:pPr algn="ctr"/>
+            <a:endParaRPr lang="en-US"/>
+          </a:p>
+        </p:txBody>
+      </p:sp>
+      <p:sp>
+        <p:nvSpPr>
+          <p:cNvPr id="12" name="Rounded Rectangle 11"/>
+          <p:cNvSpPr/>
+          <p:nvPr/>
+        </p:nvSpPr>
+        <p:spPr>
+          <a:xfrm>
+            <a:off x="7502469" y="2407029"/>
+            <a:ext cx="177282" cy="872488"/>
+          </a:xfrm>
+          <a:prstGeom prst="roundRect">
+            <a:avLst/>
+          </a:prstGeom>
+          <a:solidFill>
+            <a:schemeClr val="accent1">
+              <a:lumMod val="20000"/>
+              <a:lumOff val="80000"/>
+            </a:schemeClr>
+          </a:solidFill>
+          <a:ln w="635"/>
+          <a:effectLst/>
+        </p:spPr>
+        <p:style>
+          <a:lnRef idx="1">
+            <a:schemeClr val="accent1"/>
+          </a:lnRef>
+          <a:fillRef idx="3">
+            <a:schemeClr val="accent1"/>
+          </a:fillRef>
+          <a:effectRef idx="2">
+            <a:schemeClr val="accent1"/>
+          </a:effectRef>
+          <a:fontRef idx="minor">
+            <a:schemeClr val="lt1"/>
+          </a:fontRef>
+        </p:style>
+        <p:txBody>
+          <a:bodyPr rtlCol="0" anchor="ctr"/>
+          <a:lstStyle/>
+          <a:p>
+            <a:pPr algn="ctr"/>
+            <a:endParaRPr lang="en-US"/>
+          </a:p>
+        </p:txBody>
+      </p:sp>
+      <p:sp>
+        <p:nvSpPr>
+          <p:cNvPr id="13" name="Rounded Rectangle 12"/>
+          <p:cNvSpPr/>
+          <p:nvPr/>
+        </p:nvSpPr>
+        <p:spPr>
+          <a:xfrm>
+            <a:off x="7767298" y="2025394"/>
+            <a:ext cx="177282" cy="1250945"/>
+          </a:xfrm>
+          <a:prstGeom prst="roundRect">
+            <a:avLst/>
+          </a:prstGeom>
+          <a:solidFill>
+            <a:schemeClr val="accent1">
+              <a:lumMod val="20000"/>
+              <a:lumOff val="80000"/>
+            </a:schemeClr>
+          </a:solidFill>
+          <a:ln w="635"/>
+          <a:effectLst/>
+        </p:spPr>
+        <p:style>
+          <a:lnRef idx="1">
+            <a:schemeClr val="accent1"/>
+          </a:lnRef>
+          <a:fillRef idx="3">
+            <a:schemeClr val="accent1"/>
+          </a:fillRef>
+          <a:effectRef idx="2">
+            <a:schemeClr val="accent1"/>
+          </a:effectRef>
+          <a:fontRef idx="minor">
+            <a:schemeClr val="lt1"/>
+          </a:fontRef>
+        </p:style>
+        <p:txBody>
+          <a:bodyPr rtlCol="0" anchor="ctr"/>
+          <a:lstStyle/>
+          <a:p>
+            <a:pPr algn="ctr"/>
+            <a:endParaRPr lang="en-US"/>
+          </a:p>
+        </p:txBody>
+      </p:sp>
+      <p:sp>
+        <p:nvSpPr>
+          <p:cNvPr id="14" name="Rounded Rectangle 13"/>
+          <p:cNvSpPr/>
+          <p:nvPr/>
+        </p:nvSpPr>
+        <p:spPr>
+          <a:xfrm>
+            <a:off x="7944580" y="1826629"/>
+            <a:ext cx="177282" cy="1449707"/>
+          </a:xfrm>
+          <a:prstGeom prst="roundRect">
+            <a:avLst/>
+          </a:prstGeom>
+          <a:solidFill>
+            <a:schemeClr val="accent1">
+              <a:lumMod val="20000"/>
+              <a:lumOff val="80000"/>
+            </a:schemeClr>
+          </a:solidFill>
+          <a:ln w="635"/>
+          <a:effectLst/>
+        </p:spPr>
+        <p:style>
+          <a:lnRef idx="1">
+            <a:schemeClr val="accent1"/>
+          </a:lnRef>
+          <a:fillRef idx="3">
+            <a:schemeClr val="accent1"/>
+          </a:fillRef>
+          <a:effectRef idx="2">
+            <a:schemeClr val="accent1"/>
+          </a:effectRef>
+          <a:fontRef idx="minor">
+            <a:schemeClr val="lt1"/>
+          </a:fontRef>
+        </p:style>
+        <p:txBody>
+          <a:bodyPr rtlCol="0" anchor="ctr"/>
+          <a:lstStyle/>
+          <a:p>
+            <a:pPr algn="ctr"/>
+            <a:endParaRPr lang="en-US"/>
+          </a:p>
+        </p:txBody>
+      </p:sp>
+      <p:sp>
+        <p:nvSpPr>
+          <p:cNvPr id="15" name="Rounded Rectangle 14"/>
+          <p:cNvSpPr/>
+          <p:nvPr/>
+        </p:nvSpPr>
+        <p:spPr>
+          <a:xfrm>
+            <a:off x="8124050" y="2599436"/>
+            <a:ext cx="177282" cy="676899"/>
+          </a:xfrm>
+          <a:prstGeom prst="roundRect">
+            <a:avLst/>
+          </a:prstGeom>
+          <a:solidFill>
+            <a:schemeClr val="accent1">
+              <a:lumMod val="20000"/>
+              <a:lumOff val="80000"/>
+            </a:schemeClr>
+          </a:solidFill>
+          <a:ln w="635"/>
+          <a:effectLst/>
+        </p:spPr>
+        <p:style>
+          <a:lnRef idx="1">
+            <a:schemeClr val="accent1"/>
+          </a:lnRef>
+          <a:fillRef idx="3">
+            <a:schemeClr val="accent1"/>
+          </a:fillRef>
+          <a:effectRef idx="2">
+            <a:schemeClr val="accent1"/>
+          </a:effectRef>
+          <a:fontRef idx="minor">
+            <a:schemeClr val="lt1"/>
+          </a:fontRef>
+        </p:style>
+        <p:txBody>
+          <a:bodyPr rtlCol="0" anchor="ctr"/>
+          <a:lstStyle/>
+          <a:p>
+            <a:pPr algn="ctr"/>
+            <a:endParaRPr lang="en-US"/>
+          </a:p>
+        </p:txBody>
+      </p:sp>
+      <p:sp>
+        <p:nvSpPr>
+          <p:cNvPr id="16" name="Rounded Rectangle 15"/>
+          <p:cNvSpPr/>
+          <p:nvPr/>
+        </p:nvSpPr>
+        <p:spPr>
+          <a:xfrm>
+            <a:off x="8301332" y="2214622"/>
+            <a:ext cx="177282" cy="1061711"/>
+          </a:xfrm>
+          <a:prstGeom prst="roundRect">
+            <a:avLst/>
+          </a:prstGeom>
+          <a:solidFill>
+            <a:schemeClr val="accent1">
+              <a:lumMod val="20000"/>
+              <a:lumOff val="80000"/>
+            </a:schemeClr>
+          </a:solidFill>
+          <a:ln w="635"/>
+          <a:effectLst/>
+        </p:spPr>
+        <p:style>
+          <a:lnRef idx="1">
+            <a:schemeClr val="accent1"/>
+          </a:lnRef>
+          <a:fillRef idx="3">
+            <a:schemeClr val="accent1"/>
+          </a:fillRef>
+          <a:effectRef idx="2">
+            <a:schemeClr val="accent1"/>
+          </a:effectRef>
+          <a:fontRef idx="minor">
+            <a:schemeClr val="lt1"/>
+          </a:fontRef>
+        </p:style>
+        <p:txBody>
+          <a:bodyPr rtlCol="0" anchor="ctr"/>
+          <a:lstStyle/>
+          <a:p>
+            <a:pPr algn="ctr"/>
+            <a:endParaRPr lang="en-US"/>
+          </a:p>
+        </p:txBody>
+      </p:sp>
+      <p:sp>
+        <p:nvSpPr>
+          <p:cNvPr id="17" name="Rounded Rectangle 16"/>
+          <p:cNvSpPr/>
+          <p:nvPr/>
+        </p:nvSpPr>
+        <p:spPr>
+          <a:xfrm>
+            <a:off x="6031308" y="2410208"/>
+            <a:ext cx="177282" cy="869307"/>
+          </a:xfrm>
+          <a:prstGeom prst="roundRect">
+            <a:avLst/>
+          </a:prstGeom>
+          <a:solidFill>
+            <a:schemeClr val="accent1">
+              <a:lumMod val="20000"/>
+              <a:lumOff val="80000"/>
+            </a:schemeClr>
+          </a:solidFill>
+          <a:ln w="635"/>
+          <a:effectLst/>
+        </p:spPr>
+        <p:style>
+          <a:lnRef idx="1">
+            <a:schemeClr val="accent1"/>
+          </a:lnRef>
+          <a:fillRef idx="3">
+            <a:schemeClr val="accent1"/>
+          </a:fillRef>
+          <a:effectRef idx="2">
+            <a:schemeClr val="accent1"/>
+          </a:effectRef>
+          <a:fontRef idx="minor">
+            <a:schemeClr val="lt1"/>
+          </a:fontRef>
+        </p:style>
+        <p:txBody>
+          <a:bodyPr rtlCol="0" anchor="ctr"/>
+          <a:lstStyle/>
+          <a:p>
+            <a:pPr algn="ctr"/>
+            <a:endParaRPr lang="en-US"/>
+          </a:p>
+        </p:txBody>
+      </p:sp>
+      <p:sp>
+        <p:nvSpPr>
+          <p:cNvPr id="18" name="Rounded Rectangle 17"/>
+          <p:cNvSpPr/>
+          <p:nvPr/>
+        </p:nvSpPr>
+        <p:spPr>
+          <a:xfrm>
+            <a:off x="6208590" y="2025394"/>
+            <a:ext cx="177282" cy="1254122"/>
+          </a:xfrm>
+          <a:prstGeom prst="roundRect">
+            <a:avLst/>
+          </a:prstGeom>
+          <a:solidFill>
+            <a:schemeClr val="accent1">
+              <a:lumMod val="20000"/>
+              <a:lumOff val="80000"/>
+            </a:schemeClr>
+          </a:solidFill>
+          <a:ln w="635"/>
+          <a:effectLst/>
+        </p:spPr>
+        <p:style>
+          <a:lnRef idx="1">
+            <a:schemeClr val="accent1"/>
+          </a:lnRef>
+          <a:fillRef idx="3">
+            <a:schemeClr val="accent1"/>
+          </a:fillRef>
+          <a:effectRef idx="2">
+            <a:schemeClr val="accent1"/>
+          </a:effectRef>
+          <a:fontRef idx="minor">
+            <a:schemeClr val="lt1"/>
+          </a:fontRef>
+        </p:style>
+        <p:txBody>
+          <a:bodyPr rtlCol="0" anchor="ctr"/>
+          <a:lstStyle/>
+          <a:p>
+            <a:pPr algn="ctr"/>
+            <a:endParaRPr lang="en-US"/>
+          </a:p>
+        </p:txBody>
+      </p:sp>
+      <p:sp>
+        <p:nvSpPr>
+          <p:cNvPr id="19" name="Rounded Rectangle 18"/>
+          <p:cNvSpPr/>
+          <p:nvPr/>
+        </p:nvSpPr>
+        <p:spPr>
+          <a:xfrm>
+            <a:off x="6385872" y="2599436"/>
+            <a:ext cx="177282" cy="680079"/>
+          </a:xfrm>
+          <a:prstGeom prst="roundRect">
+            <a:avLst/>
+          </a:prstGeom>
+          <a:solidFill>
+            <a:schemeClr val="accent1">
+              <a:lumMod val="20000"/>
+              <a:lumOff val="80000"/>
+            </a:schemeClr>
+          </a:solidFill>
+          <a:ln w="635"/>
+          <a:effectLst/>
+        </p:spPr>
+        <p:style>
+          <a:lnRef idx="1">
+            <a:schemeClr val="accent1"/>
+          </a:lnRef>
+          <a:fillRef idx="3">
+            <a:schemeClr val="accent1"/>
+          </a:fillRef>
+          <a:effectRef idx="2">
+            <a:schemeClr val="accent1"/>
+          </a:effectRef>
+          <a:fontRef idx="minor">
+            <a:schemeClr val="lt1"/>
+          </a:fontRef>
+        </p:style>
+        <p:txBody>
+          <a:bodyPr rtlCol="0" anchor="ctr"/>
+          <a:lstStyle/>
+          <a:p>
+            <a:pPr algn="ctr"/>
+            <a:endParaRPr lang="en-US"/>
+          </a:p>
+        </p:txBody>
+      </p:sp>
+      <p:sp>
+        <p:nvSpPr>
+          <p:cNvPr id="20" name="Rounded Rectangle 19"/>
+          <p:cNvSpPr/>
+          <p:nvPr/>
+        </p:nvSpPr>
+        <p:spPr>
+          <a:xfrm>
+            <a:off x="6742624" y="2214622"/>
+            <a:ext cx="177282" cy="1064894"/>
+          </a:xfrm>
+          <a:prstGeom prst="roundRect">
+            <a:avLst/>
+          </a:prstGeom>
+          <a:solidFill>
+            <a:schemeClr val="accent1">
+              <a:lumMod val="20000"/>
+              <a:lumOff val="80000"/>
+            </a:schemeClr>
+          </a:solidFill>
+          <a:ln w="635"/>
+          <a:effectLst/>
+        </p:spPr>
+        <p:style>
+          <a:lnRef idx="1">
+            <a:schemeClr val="accent1"/>
+          </a:lnRef>
+          <a:fillRef idx="3">
+            <a:schemeClr val="accent1"/>
+          </a:fillRef>
+          <a:effectRef idx="2">
+            <a:schemeClr val="accent1"/>
+          </a:effectRef>
+          <a:fontRef idx="minor">
+            <a:schemeClr val="lt1"/>
+          </a:fontRef>
+        </p:style>
+        <p:txBody>
+          <a:bodyPr rtlCol="0" anchor="ctr"/>
+          <a:lstStyle/>
+          <a:p>
+            <a:pPr algn="ctr"/>
+            <a:endParaRPr lang="en-US"/>
+          </a:p>
+        </p:txBody>
+      </p:sp>
+      <p:sp>
+        <p:nvSpPr>
+          <p:cNvPr id="21" name="TextBox 20"/>
           <p:cNvSpPr txBox="1"/>
           <p:nvPr/>
         </p:nvSpPr>
         <p:spPr>
           <a:xfrm>
-            <a:off x="7922241" y="1608833"/>
-            <a:ext cx="553998" cy="1130478"/>
+            <a:off x="7235452" y="3279516"/>
+            <a:ext cx="531846" cy="192407"/>
           </a:xfrm>
           <a:prstGeom prst="rect">
             <a:avLst/>
           </a:prstGeom>
           <a:noFill/>
-        </p:spPr>
-        <p:txBody>
-          <a:bodyPr vert="vert270" wrap="none" rtlCol="0">
+          <a:ln>
+            <a:noFill/>
+          </a:ln>
+        </p:spPr>
+        <p:txBody>
+          <a:bodyPr wrap="none" lIns="91440" tIns="0" rIns="91440" bIns="91440" rtlCol="0">
+            <a:normAutofit fontScale="25000" lnSpcReduction="20000"/>
+          </a:bodyPr>
+          <a:lstStyle/>
+          <a:p>
+            <a:pPr algn="ctr"/>
+            <a:r>
+              <a:rPr lang="en-US" sz="6000" dirty="0" smtClean="0"/>
+              <a:t>Entry</a:t>
+            </a:r>
+          </a:p>
+        </p:txBody>
+      </p:sp>
+      <p:sp>
+        <p:nvSpPr>
+          <p:cNvPr id="22" name="TextBox 21"/>
+          <p:cNvSpPr txBox="1"/>
+          <p:nvPr/>
+        </p:nvSpPr>
+        <p:spPr>
+          <a:xfrm>
+            <a:off x="7767298" y="2022216"/>
+            <a:ext cx="177282" cy="192407"/>
+          </a:xfrm>
+          <a:prstGeom prst="rect">
+            <a:avLst/>
+          </a:prstGeom>
+          <a:noFill/>
+          <a:ln>
+            <a:noFill/>
+          </a:ln>
+        </p:spPr>
+        <p:txBody>
+          <a:bodyPr wrap="none" lIns="91440" tIns="0" rIns="91440" bIns="91440" rtlCol="0">
+            <a:normAutofit fontScale="25000" lnSpcReduction="20000"/>
+          </a:bodyPr>
+          <a:lstStyle/>
+          <a:p>
+            <a:pPr algn="ctr"/>
+            <a:r>
+              <a:rPr lang="en-US" sz="6000" dirty="0" smtClean="0"/>
+              <a:t>rr</a:t>
+            </a:r>
+          </a:p>
+        </p:txBody>
+      </p:sp>
+      <p:sp>
+        <p:nvSpPr>
+          <p:cNvPr id="23" name="TextBox 22"/>
+          <p:cNvSpPr txBox="1"/>
+          <p:nvPr/>
+        </p:nvSpPr>
+        <p:spPr>
+          <a:xfrm>
+            <a:off x="7767298" y="2214623"/>
+            <a:ext cx="177282" cy="192407"/>
+          </a:xfrm>
+          <a:prstGeom prst="rect">
+            <a:avLst/>
+          </a:prstGeom>
+          <a:noFill/>
+          <a:ln>
+            <a:noFill/>
+          </a:ln>
+        </p:spPr>
+        <p:txBody>
+          <a:bodyPr wrap="none" lIns="91440" tIns="0" rIns="91440" bIns="91440" rtlCol="0">
+            <a:normAutofit fontScale="25000" lnSpcReduction="20000"/>
+          </a:bodyPr>
+          <a:lstStyle/>
+          <a:p>
+            <a:pPr algn="ctr"/>
+            <a:r>
+              <a:rPr lang="en-US" sz="6000" dirty="0" smtClean="0"/>
+              <a:t>rr</a:t>
+            </a:r>
+          </a:p>
+        </p:txBody>
+      </p:sp>
+      <p:sp>
+        <p:nvSpPr>
+          <p:cNvPr id="24" name="TextBox 23"/>
+          <p:cNvSpPr txBox="1"/>
+          <p:nvPr/>
+        </p:nvSpPr>
+        <p:spPr>
+          <a:xfrm>
+            <a:off x="7767298" y="2407030"/>
+            <a:ext cx="177282" cy="192407"/>
+          </a:xfrm>
+          <a:prstGeom prst="rect">
+            <a:avLst/>
+          </a:prstGeom>
+          <a:noFill/>
+          <a:ln>
+            <a:noFill/>
+          </a:ln>
+        </p:spPr>
+        <p:txBody>
+          <a:bodyPr wrap="none" lIns="91440" tIns="0" rIns="91440" bIns="91440" rtlCol="0">
+            <a:normAutofit fontScale="25000" lnSpcReduction="20000"/>
+          </a:bodyPr>
+          <a:lstStyle/>
+          <a:p>
+            <a:pPr algn="ctr"/>
+            <a:r>
+              <a:rPr lang="en-US" sz="6000" dirty="0" smtClean="0"/>
+              <a:t>rr</a:t>
+            </a:r>
+          </a:p>
+        </p:txBody>
+      </p:sp>
+      <p:sp>
+        <p:nvSpPr>
+          <p:cNvPr id="25" name="TextBox 24"/>
+          <p:cNvSpPr txBox="1"/>
+          <p:nvPr/>
+        </p:nvSpPr>
+        <p:spPr>
+          <a:xfrm>
+            <a:off x="7767298" y="2599437"/>
+            <a:ext cx="177282" cy="192407"/>
+          </a:xfrm>
+          <a:prstGeom prst="rect">
+            <a:avLst/>
+          </a:prstGeom>
+          <a:noFill/>
+          <a:ln>
+            <a:noFill/>
+          </a:ln>
+        </p:spPr>
+        <p:txBody>
+          <a:bodyPr wrap="none" lIns="91440" tIns="0" rIns="91440" bIns="91440" rtlCol="0">
+            <a:normAutofit fontScale="25000" lnSpcReduction="20000"/>
+          </a:bodyPr>
+          <a:lstStyle/>
+          <a:p>
+            <a:pPr algn="ctr"/>
+            <a:r>
+              <a:rPr lang="en-US" sz="6000" dirty="0" smtClean="0"/>
+              <a:t>rr</a:t>
+            </a:r>
+          </a:p>
+        </p:txBody>
+      </p:sp>
+      <p:sp>
+        <p:nvSpPr>
+          <p:cNvPr id="26" name="TextBox 25"/>
+          <p:cNvSpPr txBox="1"/>
+          <p:nvPr/>
+        </p:nvSpPr>
+        <p:spPr>
+          <a:xfrm>
+            <a:off x="7767298" y="2791843"/>
+            <a:ext cx="177282" cy="487673"/>
+          </a:xfrm>
+          <a:prstGeom prst="rect">
+            <a:avLst/>
+          </a:prstGeom>
+          <a:noFill/>
+          <a:ln>
+            <a:noFill/>
+          </a:ln>
+        </p:spPr>
+        <p:txBody>
+          <a:bodyPr vert="vert270" wrap="none" lIns="0" tIns="91440" rIns="91440" bIns="91440" rtlCol="0" anchor="t" anchorCtr="1">
+            <a:normAutofit fontScale="25000" lnSpcReduction="20000"/>
+          </a:bodyPr>
+          <a:lstStyle/>
+          <a:p>
+            <a:pPr algn="ctr"/>
+            <a:r>
+              <a:rPr lang="en-US" sz="6000" dirty="0" smtClean="0"/>
+              <a:t>rrset</a:t>
+            </a:r>
+          </a:p>
+        </p:txBody>
+      </p:sp>
+      <p:sp>
+        <p:nvSpPr>
+          <p:cNvPr id="27" name="TextBox 26"/>
+          <p:cNvSpPr txBox="1"/>
+          <p:nvPr/>
+        </p:nvSpPr>
+        <p:spPr>
+          <a:xfrm>
+            <a:off x="7944580" y="1829809"/>
+            <a:ext cx="177282" cy="192407"/>
+          </a:xfrm>
+          <a:prstGeom prst="rect">
+            <a:avLst/>
+          </a:prstGeom>
+          <a:noFill/>
+          <a:ln>
+            <a:noFill/>
+          </a:ln>
+        </p:spPr>
+        <p:txBody>
+          <a:bodyPr wrap="none" lIns="91440" tIns="0" rIns="91440" bIns="91440" rtlCol="0">
+            <a:normAutofit fontScale="25000" lnSpcReduction="20000"/>
+          </a:bodyPr>
+          <a:lstStyle/>
+          <a:p>
+            <a:pPr algn="ctr"/>
+            <a:r>
+              <a:rPr lang="en-US" sz="6000" dirty="0" smtClean="0"/>
+              <a:t>rr</a:t>
+            </a:r>
+          </a:p>
+        </p:txBody>
+      </p:sp>
+      <p:sp>
+        <p:nvSpPr>
+          <p:cNvPr id="28" name="TextBox 27"/>
+          <p:cNvSpPr txBox="1"/>
+          <p:nvPr/>
+        </p:nvSpPr>
+        <p:spPr>
+          <a:xfrm>
+            <a:off x="7944580" y="2022216"/>
+            <a:ext cx="177282" cy="192407"/>
+          </a:xfrm>
+          <a:prstGeom prst="rect">
+            <a:avLst/>
+          </a:prstGeom>
+          <a:noFill/>
+          <a:ln>
+            <a:noFill/>
+          </a:ln>
+        </p:spPr>
+        <p:txBody>
+          <a:bodyPr wrap="none" lIns="91440" tIns="0" rIns="91440" bIns="91440" rtlCol="0">
+            <a:normAutofit fontScale="25000" lnSpcReduction="20000"/>
+          </a:bodyPr>
+          <a:lstStyle/>
+          <a:p>
+            <a:pPr algn="ctr"/>
+            <a:r>
+              <a:rPr lang="en-US" sz="6000" dirty="0" smtClean="0"/>
+              <a:t>rr</a:t>
+            </a:r>
+          </a:p>
+        </p:txBody>
+      </p:sp>
+      <p:sp>
+        <p:nvSpPr>
+          <p:cNvPr id="29" name="TextBox 28"/>
+          <p:cNvSpPr txBox="1"/>
+          <p:nvPr/>
+        </p:nvSpPr>
+        <p:spPr>
+          <a:xfrm>
+            <a:off x="7944580" y="2214623"/>
+            <a:ext cx="177282" cy="192407"/>
+          </a:xfrm>
+          <a:prstGeom prst="rect">
+            <a:avLst/>
+          </a:prstGeom>
+          <a:noFill/>
+          <a:ln>
+            <a:noFill/>
+          </a:ln>
+        </p:spPr>
+        <p:txBody>
+          <a:bodyPr wrap="none" lIns="91440" tIns="0" rIns="91440" bIns="91440" rtlCol="0">
+            <a:normAutofit fontScale="25000" lnSpcReduction="20000"/>
+          </a:bodyPr>
+          <a:lstStyle/>
+          <a:p>
+            <a:pPr algn="ctr"/>
+            <a:r>
+              <a:rPr lang="en-US" sz="6000" dirty="0" smtClean="0"/>
+              <a:t>rr</a:t>
+            </a:r>
+          </a:p>
+        </p:txBody>
+      </p:sp>
+      <p:sp>
+        <p:nvSpPr>
+          <p:cNvPr id="30" name="TextBox 29"/>
+          <p:cNvSpPr txBox="1"/>
+          <p:nvPr/>
+        </p:nvSpPr>
+        <p:spPr>
+          <a:xfrm>
+            <a:off x="7944580" y="2407030"/>
+            <a:ext cx="177282" cy="192407"/>
+          </a:xfrm>
+          <a:prstGeom prst="rect">
+            <a:avLst/>
+          </a:prstGeom>
+          <a:noFill/>
+          <a:ln>
+            <a:noFill/>
+          </a:ln>
+        </p:spPr>
+        <p:txBody>
+          <a:bodyPr wrap="none" lIns="91440" tIns="0" rIns="91440" bIns="91440" rtlCol="0">
+            <a:normAutofit fontScale="25000" lnSpcReduction="20000"/>
+          </a:bodyPr>
+          <a:lstStyle/>
+          <a:p>
+            <a:pPr algn="ctr"/>
+            <a:r>
+              <a:rPr lang="en-US" sz="6000" dirty="0" smtClean="0"/>
+              <a:t>rr</a:t>
+            </a:r>
+          </a:p>
+        </p:txBody>
+      </p:sp>
+      <p:sp>
+        <p:nvSpPr>
+          <p:cNvPr id="31" name="TextBox 30"/>
+          <p:cNvSpPr txBox="1"/>
+          <p:nvPr/>
+        </p:nvSpPr>
+        <p:spPr>
+          <a:xfrm>
+            <a:off x="7944580" y="2599437"/>
+            <a:ext cx="177282" cy="192407"/>
+          </a:xfrm>
+          <a:prstGeom prst="rect">
+            <a:avLst/>
+          </a:prstGeom>
+          <a:noFill/>
+          <a:ln>
+            <a:noFill/>
+          </a:ln>
+        </p:spPr>
+        <p:txBody>
+          <a:bodyPr wrap="none" lIns="91440" tIns="0" rIns="91440" bIns="91440" rtlCol="0">
+            <a:normAutofit fontScale="25000" lnSpcReduction="20000"/>
+          </a:bodyPr>
+          <a:lstStyle/>
+          <a:p>
+            <a:pPr algn="ctr"/>
+            <a:r>
+              <a:rPr lang="en-US" sz="6000" dirty="0" smtClean="0"/>
+              <a:t>rr</a:t>
+            </a:r>
+          </a:p>
+        </p:txBody>
+      </p:sp>
+      <p:sp>
+        <p:nvSpPr>
+          <p:cNvPr id="32" name="TextBox 31"/>
+          <p:cNvSpPr txBox="1"/>
+          <p:nvPr/>
+        </p:nvSpPr>
+        <p:spPr>
+          <a:xfrm>
+            <a:off x="7944580" y="2791843"/>
+            <a:ext cx="177282" cy="487673"/>
+          </a:xfrm>
+          <a:prstGeom prst="rect">
+            <a:avLst/>
+          </a:prstGeom>
+          <a:noFill/>
+          <a:ln>
+            <a:noFill/>
+          </a:ln>
+        </p:spPr>
+        <p:txBody>
+          <a:bodyPr vert="vert270" wrap="none" lIns="0" tIns="91440" rIns="91440" bIns="91440" rtlCol="0" anchor="t" anchorCtr="1">
+            <a:normAutofit fontScale="25000" lnSpcReduction="20000"/>
+          </a:bodyPr>
+          <a:lstStyle/>
+          <a:p>
+            <a:pPr algn="ctr"/>
+            <a:r>
+              <a:rPr lang="en-US" sz="6000" dirty="0" smtClean="0"/>
+              <a:t>rrset</a:t>
+            </a:r>
+          </a:p>
+        </p:txBody>
+      </p:sp>
+      <p:sp>
+        <p:nvSpPr>
+          <p:cNvPr id="33" name="TextBox 32"/>
+          <p:cNvSpPr txBox="1"/>
+          <p:nvPr/>
+        </p:nvSpPr>
+        <p:spPr>
+          <a:xfrm>
+            <a:off x="7767298" y="3279516"/>
+            <a:ext cx="711316" cy="192407"/>
+          </a:xfrm>
+          <a:prstGeom prst="rect">
+            <a:avLst/>
+          </a:prstGeom>
+          <a:noFill/>
+          <a:ln>
+            <a:noFill/>
+          </a:ln>
+        </p:spPr>
+        <p:txBody>
+          <a:bodyPr wrap="none" lIns="91440" tIns="0" rIns="91440" bIns="91440" rtlCol="0">
+            <a:normAutofit fontScale="25000" lnSpcReduction="20000"/>
+          </a:bodyPr>
+          <a:lstStyle/>
+          <a:p>
+            <a:pPr algn="ctr"/>
+            <a:r>
+              <a:rPr lang="en-US" sz="6000" dirty="0" smtClean="0"/>
+              <a:t>Entry</a:t>
+            </a:r>
+          </a:p>
+        </p:txBody>
+      </p:sp>
+      <p:sp>
+        <p:nvSpPr>
+          <p:cNvPr id="34" name="TextBox 33"/>
+          <p:cNvSpPr txBox="1"/>
+          <p:nvPr/>
+        </p:nvSpPr>
+        <p:spPr>
+          <a:xfrm>
+            <a:off x="7237640" y="3541353"/>
+            <a:ext cx="1243162" cy="216885"/>
+          </a:xfrm>
+          <a:prstGeom prst="rect">
+            <a:avLst/>
+          </a:prstGeom>
+          <a:noFill/>
+          <a:ln>
+            <a:noFill/>
+          </a:ln>
+        </p:spPr>
+        <p:txBody>
+          <a:bodyPr wrap="none" lIns="91440" tIns="0" rIns="91440" bIns="182880" rtlCol="0">
+            <a:normAutofit fontScale="25000" lnSpcReduction="20000"/>
+          </a:bodyPr>
+          <a:lstStyle/>
+          <a:p>
+            <a:pPr algn="ctr"/>
+            <a:r>
+              <a:rPr lang="en-US" sz="6000" dirty="0" smtClean="0"/>
+              <a:t>Zone</a:t>
+            </a:r>
+          </a:p>
+        </p:txBody>
+      </p:sp>
+      <p:sp>
+        <p:nvSpPr>
+          <p:cNvPr id="35" name="TextBox 34"/>
+          <p:cNvSpPr txBox="1"/>
+          <p:nvPr/>
+        </p:nvSpPr>
+        <p:spPr>
+          <a:xfrm>
+            <a:off x="7322999" y="1829809"/>
+            <a:ext cx="177282" cy="192407"/>
+          </a:xfrm>
+          <a:prstGeom prst="rect">
+            <a:avLst/>
+          </a:prstGeom>
+          <a:noFill/>
+          <a:ln>
+            <a:noFill/>
+          </a:ln>
+        </p:spPr>
+        <p:txBody>
+          <a:bodyPr wrap="none" lIns="91440" tIns="0" rIns="91440" bIns="91440" rtlCol="0">
+            <a:normAutofit fontScale="25000" lnSpcReduction="20000"/>
+          </a:bodyPr>
+          <a:lstStyle/>
+          <a:p>
+            <a:pPr algn="ctr"/>
+            <a:r>
+              <a:rPr lang="en-US" sz="6000" dirty="0" smtClean="0"/>
+              <a:t>rr</a:t>
+            </a:r>
+          </a:p>
+        </p:txBody>
+      </p:sp>
+      <p:sp>
+        <p:nvSpPr>
+          <p:cNvPr id="36" name="TextBox 35"/>
+          <p:cNvSpPr txBox="1"/>
+          <p:nvPr/>
+        </p:nvSpPr>
+        <p:spPr>
+          <a:xfrm>
+            <a:off x="7322999" y="2022216"/>
+            <a:ext cx="177282" cy="192407"/>
+          </a:xfrm>
+          <a:prstGeom prst="rect">
+            <a:avLst/>
+          </a:prstGeom>
+          <a:noFill/>
+          <a:ln>
+            <a:noFill/>
+          </a:ln>
+        </p:spPr>
+        <p:txBody>
+          <a:bodyPr wrap="none" lIns="91440" tIns="0" rIns="91440" bIns="91440" rtlCol="0">
+            <a:normAutofit fontScale="25000" lnSpcReduction="20000"/>
+          </a:bodyPr>
+          <a:lstStyle/>
+          <a:p>
+            <a:pPr algn="ctr"/>
+            <a:r>
+              <a:rPr lang="en-US" sz="6000" dirty="0" smtClean="0"/>
+              <a:t>rr</a:t>
+            </a:r>
+          </a:p>
+        </p:txBody>
+      </p:sp>
+      <p:sp>
+        <p:nvSpPr>
+          <p:cNvPr id="37" name="TextBox 36"/>
+          <p:cNvSpPr txBox="1"/>
+          <p:nvPr/>
+        </p:nvSpPr>
+        <p:spPr>
+          <a:xfrm>
+            <a:off x="7322999" y="2214623"/>
+            <a:ext cx="177282" cy="192407"/>
+          </a:xfrm>
+          <a:prstGeom prst="rect">
+            <a:avLst/>
+          </a:prstGeom>
+          <a:noFill/>
+          <a:ln>
+            <a:noFill/>
+          </a:ln>
+        </p:spPr>
+        <p:txBody>
+          <a:bodyPr wrap="none" lIns="91440" tIns="0" rIns="91440" bIns="91440" rtlCol="0">
+            <a:normAutofit fontScale="25000" lnSpcReduction="20000"/>
+          </a:bodyPr>
+          <a:lstStyle/>
+          <a:p>
+            <a:pPr algn="ctr"/>
+            <a:r>
+              <a:rPr lang="en-US" sz="6000" dirty="0" smtClean="0"/>
+              <a:t>rr</a:t>
+            </a:r>
+          </a:p>
+        </p:txBody>
+      </p:sp>
+      <p:sp>
+        <p:nvSpPr>
+          <p:cNvPr id="38" name="TextBox 37"/>
+          <p:cNvSpPr txBox="1"/>
+          <p:nvPr/>
+        </p:nvSpPr>
+        <p:spPr>
+          <a:xfrm>
+            <a:off x="7322999" y="2407030"/>
+            <a:ext cx="177282" cy="192407"/>
+          </a:xfrm>
+          <a:prstGeom prst="rect">
+            <a:avLst/>
+          </a:prstGeom>
+          <a:noFill/>
+          <a:ln>
+            <a:noFill/>
+          </a:ln>
+        </p:spPr>
+        <p:txBody>
+          <a:bodyPr wrap="none" lIns="91440" tIns="0" rIns="91440" bIns="91440" rtlCol="0">
+            <a:normAutofit fontScale="25000" lnSpcReduction="20000"/>
+          </a:bodyPr>
+          <a:lstStyle/>
+          <a:p>
+            <a:pPr algn="ctr"/>
+            <a:r>
+              <a:rPr lang="en-US" sz="6000" dirty="0" smtClean="0"/>
+              <a:t>rr</a:t>
+            </a:r>
+          </a:p>
+        </p:txBody>
+      </p:sp>
+      <p:sp>
+        <p:nvSpPr>
+          <p:cNvPr id="39" name="TextBox 38"/>
+          <p:cNvSpPr txBox="1"/>
+          <p:nvPr/>
+        </p:nvSpPr>
+        <p:spPr>
+          <a:xfrm>
+            <a:off x="7322999" y="2599437"/>
+            <a:ext cx="177282" cy="192407"/>
+          </a:xfrm>
+          <a:prstGeom prst="rect">
+            <a:avLst/>
+          </a:prstGeom>
+          <a:noFill/>
+          <a:ln>
+            <a:noFill/>
+          </a:ln>
+        </p:spPr>
+        <p:txBody>
+          <a:bodyPr wrap="none" lIns="91440" tIns="0" rIns="91440" bIns="91440" rtlCol="0">
+            <a:normAutofit fontScale="25000" lnSpcReduction="20000"/>
+          </a:bodyPr>
+          <a:lstStyle/>
+          <a:p>
+            <a:pPr algn="ctr"/>
+            <a:r>
+              <a:rPr lang="en-US" sz="6000" dirty="0" smtClean="0"/>
+              <a:t>rr</a:t>
+            </a:r>
+          </a:p>
+        </p:txBody>
+      </p:sp>
+      <p:sp>
+        <p:nvSpPr>
+          <p:cNvPr id="40" name="TextBox 39"/>
+          <p:cNvSpPr txBox="1"/>
+          <p:nvPr/>
+        </p:nvSpPr>
+        <p:spPr>
+          <a:xfrm>
+            <a:off x="7322999" y="2791843"/>
+            <a:ext cx="177282" cy="487673"/>
+          </a:xfrm>
+          <a:prstGeom prst="rect">
+            <a:avLst/>
+          </a:prstGeom>
+          <a:noFill/>
+          <a:ln>
+            <a:noFill/>
+          </a:ln>
+        </p:spPr>
+        <p:txBody>
+          <a:bodyPr vert="vert270" wrap="none" lIns="0" tIns="91440" rIns="91440" bIns="91440" rtlCol="0" anchor="t" anchorCtr="1">
+            <a:normAutofit fontScale="25000" lnSpcReduction="20000"/>
+          </a:bodyPr>
+          <a:lstStyle/>
+          <a:p>
+            <a:pPr algn="ctr"/>
+            <a:r>
+              <a:rPr lang="en-US" sz="6000" dirty="0" smtClean="0"/>
+              <a:t>rrset</a:t>
+            </a:r>
+          </a:p>
+        </p:txBody>
+      </p:sp>
+      <p:sp>
+        <p:nvSpPr>
+          <p:cNvPr id="41" name="TextBox 40"/>
+          <p:cNvSpPr txBox="1"/>
+          <p:nvPr/>
+        </p:nvSpPr>
+        <p:spPr>
+          <a:xfrm>
+            <a:off x="7502469" y="2410208"/>
+            <a:ext cx="177282" cy="192407"/>
+          </a:xfrm>
+          <a:prstGeom prst="rect">
+            <a:avLst/>
+          </a:prstGeom>
+          <a:noFill/>
+          <a:ln>
+            <a:noFill/>
+          </a:ln>
+        </p:spPr>
+        <p:txBody>
+          <a:bodyPr wrap="none" lIns="91440" tIns="0" rIns="91440" bIns="91440" rtlCol="0">
+            <a:normAutofit fontScale="25000" lnSpcReduction="20000"/>
+          </a:bodyPr>
+          <a:lstStyle/>
+          <a:p>
+            <a:pPr algn="ctr"/>
+            <a:r>
+              <a:rPr lang="en-US" sz="6000" dirty="0" smtClean="0"/>
+              <a:t>rr</a:t>
+            </a:r>
+          </a:p>
+        </p:txBody>
+      </p:sp>
+      <p:sp>
+        <p:nvSpPr>
+          <p:cNvPr id="42" name="TextBox 41"/>
+          <p:cNvSpPr txBox="1"/>
+          <p:nvPr/>
+        </p:nvSpPr>
+        <p:spPr>
+          <a:xfrm>
+            <a:off x="7502469" y="2602615"/>
+            <a:ext cx="177282" cy="192407"/>
+          </a:xfrm>
+          <a:prstGeom prst="rect">
+            <a:avLst/>
+          </a:prstGeom>
+          <a:noFill/>
+          <a:ln>
+            <a:noFill/>
+          </a:ln>
+        </p:spPr>
+        <p:txBody>
+          <a:bodyPr wrap="none" lIns="91440" tIns="0" rIns="91440" bIns="91440" rtlCol="0">
+            <a:normAutofit fontScale="25000" lnSpcReduction="20000"/>
+          </a:bodyPr>
+          <a:lstStyle/>
+          <a:p>
+            <a:pPr algn="ctr"/>
+            <a:r>
+              <a:rPr lang="en-US" sz="6000" dirty="0" smtClean="0"/>
+              <a:t>rr</a:t>
+            </a:r>
+          </a:p>
+        </p:txBody>
+      </p:sp>
+      <p:sp>
+        <p:nvSpPr>
+          <p:cNvPr id="43" name="TextBox 42"/>
+          <p:cNvSpPr txBox="1"/>
+          <p:nvPr/>
+        </p:nvSpPr>
+        <p:spPr>
+          <a:xfrm>
+            <a:off x="7502469" y="2795021"/>
+            <a:ext cx="177282" cy="487673"/>
+          </a:xfrm>
+          <a:prstGeom prst="rect">
+            <a:avLst/>
+          </a:prstGeom>
+          <a:noFill/>
+          <a:ln>
+            <a:noFill/>
+          </a:ln>
+        </p:spPr>
+        <p:txBody>
+          <a:bodyPr vert="vert270" wrap="none" lIns="0" tIns="91440" rIns="91440" bIns="91440" rtlCol="0" anchor="t" anchorCtr="1">
+            <a:normAutofit fontScale="25000" lnSpcReduction="20000"/>
+          </a:bodyPr>
+          <a:lstStyle/>
+          <a:p>
+            <a:pPr algn="ctr"/>
+            <a:r>
+              <a:rPr lang="en-US" sz="6000" dirty="0" smtClean="0"/>
+              <a:t>rrset</a:t>
+            </a:r>
+          </a:p>
+        </p:txBody>
+      </p:sp>
+      <p:sp>
+        <p:nvSpPr>
+          <p:cNvPr id="44" name="TextBox 43"/>
+          <p:cNvSpPr txBox="1"/>
+          <p:nvPr/>
+        </p:nvSpPr>
+        <p:spPr>
+          <a:xfrm>
+            <a:off x="8121862" y="2599437"/>
+            <a:ext cx="177282" cy="192407"/>
+          </a:xfrm>
+          <a:prstGeom prst="rect">
+            <a:avLst/>
+          </a:prstGeom>
+          <a:noFill/>
+          <a:ln>
+            <a:noFill/>
+          </a:ln>
+        </p:spPr>
+        <p:txBody>
+          <a:bodyPr wrap="none" lIns="91440" tIns="0" rIns="91440" bIns="91440" rtlCol="0">
+            <a:normAutofit fontScale="25000" lnSpcReduction="20000"/>
+          </a:bodyPr>
+          <a:lstStyle/>
+          <a:p>
+            <a:pPr algn="ctr"/>
+            <a:r>
+              <a:rPr lang="en-US" sz="6000" dirty="0" smtClean="0"/>
+              <a:t>rr</a:t>
+            </a:r>
+          </a:p>
+        </p:txBody>
+      </p:sp>
+      <p:sp>
+        <p:nvSpPr>
+          <p:cNvPr id="45" name="TextBox 44"/>
+          <p:cNvSpPr txBox="1"/>
+          <p:nvPr/>
+        </p:nvSpPr>
+        <p:spPr>
+          <a:xfrm>
+            <a:off x="8121862" y="2791843"/>
+            <a:ext cx="177282" cy="487673"/>
+          </a:xfrm>
+          <a:prstGeom prst="rect">
+            <a:avLst/>
+          </a:prstGeom>
+          <a:noFill/>
+          <a:ln>
+            <a:noFill/>
+          </a:ln>
+        </p:spPr>
+        <p:txBody>
+          <a:bodyPr vert="vert270" wrap="none" lIns="0" tIns="91440" rIns="91440" bIns="91440" rtlCol="0" anchor="t" anchorCtr="1">
+            <a:normAutofit fontScale="25000" lnSpcReduction="20000"/>
+          </a:bodyPr>
+          <a:lstStyle/>
+          <a:p>
+            <a:pPr algn="ctr"/>
+            <a:r>
+              <a:rPr lang="en-US" sz="6000" dirty="0" smtClean="0"/>
+              <a:t>rrset</a:t>
+            </a:r>
+          </a:p>
+        </p:txBody>
+      </p:sp>
+      <p:sp>
+        <p:nvSpPr>
+          <p:cNvPr id="46" name="TextBox 45"/>
+          <p:cNvSpPr txBox="1"/>
+          <p:nvPr/>
+        </p:nvSpPr>
+        <p:spPr>
+          <a:xfrm>
+            <a:off x="8301332" y="2214622"/>
+            <a:ext cx="177282" cy="192407"/>
+          </a:xfrm>
+          <a:prstGeom prst="rect">
+            <a:avLst/>
+          </a:prstGeom>
+          <a:noFill/>
+          <a:ln>
+            <a:noFill/>
+          </a:ln>
+        </p:spPr>
+        <p:txBody>
+          <a:bodyPr wrap="none" lIns="91440" tIns="0" rIns="91440" bIns="91440" rtlCol="0">
+            <a:normAutofit fontScale="25000" lnSpcReduction="20000"/>
+          </a:bodyPr>
+          <a:lstStyle/>
+          <a:p>
+            <a:pPr algn="ctr"/>
+            <a:r>
+              <a:rPr lang="en-US" sz="6000" dirty="0" smtClean="0"/>
+              <a:t>rr</a:t>
+            </a:r>
+          </a:p>
+        </p:txBody>
+      </p:sp>
+      <p:sp>
+        <p:nvSpPr>
+          <p:cNvPr id="47" name="TextBox 46"/>
+          <p:cNvSpPr txBox="1"/>
+          <p:nvPr/>
+        </p:nvSpPr>
+        <p:spPr>
+          <a:xfrm>
+            <a:off x="8301332" y="2407029"/>
+            <a:ext cx="177282" cy="192407"/>
+          </a:xfrm>
+          <a:prstGeom prst="rect">
+            <a:avLst/>
+          </a:prstGeom>
+          <a:noFill/>
+          <a:ln>
+            <a:noFill/>
+          </a:ln>
+        </p:spPr>
+        <p:txBody>
+          <a:bodyPr wrap="none" lIns="91440" tIns="0" rIns="91440" bIns="91440" rtlCol="0">
+            <a:normAutofit fontScale="25000" lnSpcReduction="20000"/>
+          </a:bodyPr>
+          <a:lstStyle/>
+          <a:p>
+            <a:pPr algn="ctr"/>
+            <a:r>
+              <a:rPr lang="en-US" sz="6000" dirty="0" smtClean="0"/>
+              <a:t>rr</a:t>
+            </a:r>
+          </a:p>
+        </p:txBody>
+      </p:sp>
+      <p:sp>
+        <p:nvSpPr>
+          <p:cNvPr id="48" name="TextBox 47"/>
+          <p:cNvSpPr txBox="1"/>
+          <p:nvPr/>
+        </p:nvSpPr>
+        <p:spPr>
+          <a:xfrm>
+            <a:off x="8301332" y="2599436"/>
+            <a:ext cx="177282" cy="192407"/>
+          </a:xfrm>
+          <a:prstGeom prst="rect">
+            <a:avLst/>
+          </a:prstGeom>
+          <a:noFill/>
+          <a:ln>
+            <a:noFill/>
+          </a:ln>
+        </p:spPr>
+        <p:txBody>
+          <a:bodyPr wrap="none" lIns="91440" tIns="0" rIns="91440" bIns="91440" rtlCol="0">
+            <a:normAutofit fontScale="25000" lnSpcReduction="20000"/>
+          </a:bodyPr>
+          <a:lstStyle/>
+          <a:p>
+            <a:pPr algn="ctr"/>
+            <a:r>
+              <a:rPr lang="en-US" sz="6000" dirty="0" smtClean="0"/>
+              <a:t>rr</a:t>
+            </a:r>
+          </a:p>
+        </p:txBody>
+      </p:sp>
+      <p:sp>
+        <p:nvSpPr>
+          <p:cNvPr id="49" name="TextBox 48"/>
+          <p:cNvSpPr txBox="1"/>
+          <p:nvPr/>
+        </p:nvSpPr>
+        <p:spPr>
+          <a:xfrm>
+            <a:off x="8301332" y="2791842"/>
+            <a:ext cx="177282" cy="487673"/>
+          </a:xfrm>
+          <a:prstGeom prst="rect">
+            <a:avLst/>
+          </a:prstGeom>
+          <a:noFill/>
+          <a:ln>
+            <a:noFill/>
+          </a:ln>
+        </p:spPr>
+        <p:txBody>
+          <a:bodyPr vert="vert270" wrap="none" lIns="0" tIns="91440" rIns="91440" bIns="91440" rtlCol="0" anchor="t" anchorCtr="1">
+            <a:normAutofit fontScale="25000" lnSpcReduction="20000"/>
+          </a:bodyPr>
+          <a:lstStyle/>
+          <a:p>
+            <a:pPr algn="ctr"/>
+            <a:r>
+              <a:rPr lang="en-US" sz="6000" dirty="0" smtClean="0"/>
+              <a:t>rrset</a:t>
+            </a:r>
+          </a:p>
+        </p:txBody>
+      </p:sp>
+      <p:sp>
+        <p:nvSpPr>
+          <p:cNvPr id="50" name="TextBox 49"/>
+          <p:cNvSpPr txBox="1"/>
+          <p:nvPr/>
+        </p:nvSpPr>
+        <p:spPr>
+          <a:xfrm>
+            <a:off x="6031308" y="2407030"/>
+            <a:ext cx="177282" cy="192407"/>
+          </a:xfrm>
+          <a:prstGeom prst="rect">
+            <a:avLst/>
+          </a:prstGeom>
+          <a:noFill/>
+          <a:ln>
+            <a:noFill/>
+          </a:ln>
+        </p:spPr>
+        <p:txBody>
+          <a:bodyPr wrap="none" lIns="91440" tIns="0" rIns="91440" bIns="91440" rtlCol="0">
+            <a:normAutofit fontScale="25000" lnSpcReduction="20000"/>
+          </a:bodyPr>
+          <a:lstStyle/>
+          <a:p>
+            <a:pPr algn="ctr"/>
+            <a:r>
+              <a:rPr lang="en-US" sz="6000" dirty="0" smtClean="0"/>
+              <a:t>rr</a:t>
+            </a:r>
+          </a:p>
+        </p:txBody>
+      </p:sp>
+      <p:sp>
+        <p:nvSpPr>
+          <p:cNvPr id="51" name="TextBox 50"/>
+          <p:cNvSpPr txBox="1"/>
+          <p:nvPr/>
+        </p:nvSpPr>
+        <p:spPr>
+          <a:xfrm>
+            <a:off x="6031308" y="2599437"/>
+            <a:ext cx="177282" cy="192407"/>
+          </a:xfrm>
+          <a:prstGeom prst="rect">
+            <a:avLst/>
+          </a:prstGeom>
+          <a:noFill/>
+          <a:ln>
+            <a:noFill/>
+          </a:ln>
+        </p:spPr>
+        <p:txBody>
+          <a:bodyPr wrap="none" lIns="91440" tIns="0" rIns="91440" bIns="91440" rtlCol="0">
+            <a:normAutofit fontScale="25000" lnSpcReduction="20000"/>
+          </a:bodyPr>
+          <a:lstStyle/>
+          <a:p>
+            <a:pPr algn="ctr"/>
+            <a:r>
+              <a:rPr lang="en-US" sz="6000" dirty="0" smtClean="0"/>
+              <a:t>rr</a:t>
+            </a:r>
+          </a:p>
+        </p:txBody>
+      </p:sp>
+      <p:sp>
+        <p:nvSpPr>
+          <p:cNvPr id="52" name="TextBox 51"/>
+          <p:cNvSpPr txBox="1"/>
+          <p:nvPr/>
+        </p:nvSpPr>
+        <p:spPr>
+          <a:xfrm>
+            <a:off x="6031308" y="2791843"/>
+            <a:ext cx="177282" cy="487673"/>
+          </a:xfrm>
+          <a:prstGeom prst="rect">
+            <a:avLst/>
+          </a:prstGeom>
+          <a:noFill/>
+          <a:ln>
+            <a:noFill/>
+          </a:ln>
+        </p:spPr>
+        <p:txBody>
+          <a:bodyPr vert="vert270" wrap="none" lIns="0" tIns="91440" rIns="91440" bIns="91440" rtlCol="0" anchor="t" anchorCtr="1">
+            <a:normAutofit fontScale="25000" lnSpcReduction="20000"/>
+          </a:bodyPr>
+          <a:lstStyle/>
+          <a:p>
+            <a:pPr algn="ctr"/>
+            <a:r>
+              <a:rPr lang="en-US" sz="6000" dirty="0" smtClean="0"/>
+              <a:t>rrset</a:t>
+            </a:r>
+          </a:p>
+        </p:txBody>
+      </p:sp>
+      <p:sp>
+        <p:nvSpPr>
+          <p:cNvPr id="53" name="TextBox 52"/>
+          <p:cNvSpPr txBox="1"/>
+          <p:nvPr/>
+        </p:nvSpPr>
+        <p:spPr>
+          <a:xfrm>
+            <a:off x="6208590" y="2022216"/>
+            <a:ext cx="177282" cy="192407"/>
+          </a:xfrm>
+          <a:prstGeom prst="rect">
+            <a:avLst/>
+          </a:prstGeom>
+          <a:noFill/>
+          <a:ln>
+            <a:noFill/>
+          </a:ln>
+        </p:spPr>
+        <p:txBody>
+          <a:bodyPr wrap="none" lIns="91440" tIns="0" rIns="91440" bIns="91440" rtlCol="0">
+            <a:normAutofit fontScale="25000" lnSpcReduction="20000"/>
+          </a:bodyPr>
+          <a:lstStyle/>
+          <a:p>
+            <a:pPr algn="ctr"/>
+            <a:r>
+              <a:rPr lang="en-US" sz="6000" dirty="0" smtClean="0"/>
+              <a:t>rr</a:t>
+            </a:r>
+          </a:p>
+        </p:txBody>
+      </p:sp>
+      <p:sp>
+        <p:nvSpPr>
+          <p:cNvPr id="54" name="TextBox 53"/>
+          <p:cNvSpPr txBox="1"/>
+          <p:nvPr/>
+        </p:nvSpPr>
+        <p:spPr>
+          <a:xfrm>
+            <a:off x="6208590" y="2214623"/>
+            <a:ext cx="177282" cy="192407"/>
+          </a:xfrm>
+          <a:prstGeom prst="rect">
+            <a:avLst/>
+          </a:prstGeom>
+          <a:noFill/>
+          <a:ln>
+            <a:noFill/>
+          </a:ln>
+        </p:spPr>
+        <p:txBody>
+          <a:bodyPr wrap="none" lIns="91440" tIns="0" rIns="91440" bIns="91440" rtlCol="0">
+            <a:normAutofit fontScale="25000" lnSpcReduction="20000"/>
+          </a:bodyPr>
+          <a:lstStyle/>
+          <a:p>
+            <a:pPr algn="ctr"/>
+            <a:r>
+              <a:rPr lang="en-US" sz="6000" dirty="0" smtClean="0"/>
+              <a:t>rr</a:t>
+            </a:r>
+          </a:p>
+        </p:txBody>
+      </p:sp>
+      <p:sp>
+        <p:nvSpPr>
+          <p:cNvPr id="55" name="TextBox 54"/>
+          <p:cNvSpPr txBox="1"/>
+          <p:nvPr/>
+        </p:nvSpPr>
+        <p:spPr>
+          <a:xfrm>
+            <a:off x="6208590" y="2407030"/>
+            <a:ext cx="177282" cy="192407"/>
+          </a:xfrm>
+          <a:prstGeom prst="rect">
+            <a:avLst/>
+          </a:prstGeom>
+          <a:noFill/>
+          <a:ln>
+            <a:noFill/>
+          </a:ln>
+        </p:spPr>
+        <p:txBody>
+          <a:bodyPr wrap="none" lIns="91440" tIns="0" rIns="91440" bIns="91440" rtlCol="0">
+            <a:normAutofit fontScale="25000" lnSpcReduction="20000"/>
+          </a:bodyPr>
+          <a:lstStyle/>
+          <a:p>
+            <a:pPr algn="ctr"/>
+            <a:r>
+              <a:rPr lang="en-US" sz="6000" dirty="0" smtClean="0"/>
+              <a:t>rr</a:t>
+            </a:r>
+          </a:p>
+        </p:txBody>
+      </p:sp>
+      <p:sp>
+        <p:nvSpPr>
+          <p:cNvPr id="56" name="TextBox 55"/>
+          <p:cNvSpPr txBox="1"/>
+          <p:nvPr/>
+        </p:nvSpPr>
+        <p:spPr>
+          <a:xfrm>
+            <a:off x="6208590" y="2599437"/>
+            <a:ext cx="177282" cy="192407"/>
+          </a:xfrm>
+          <a:prstGeom prst="rect">
+            <a:avLst/>
+          </a:prstGeom>
+          <a:noFill/>
+          <a:ln>
+            <a:noFill/>
+          </a:ln>
+        </p:spPr>
+        <p:txBody>
+          <a:bodyPr wrap="none" lIns="91440" tIns="0" rIns="91440" bIns="91440" rtlCol="0">
+            <a:normAutofit fontScale="25000" lnSpcReduction="20000"/>
+          </a:bodyPr>
+          <a:lstStyle/>
+          <a:p>
+            <a:pPr algn="ctr"/>
+            <a:r>
+              <a:rPr lang="en-US" sz="6000" dirty="0" smtClean="0"/>
+              <a:t>rr</a:t>
+            </a:r>
+          </a:p>
+        </p:txBody>
+      </p:sp>
+      <p:sp>
+        <p:nvSpPr>
+          <p:cNvPr id="57" name="TextBox 56"/>
+          <p:cNvSpPr txBox="1"/>
+          <p:nvPr/>
+        </p:nvSpPr>
+        <p:spPr>
+          <a:xfrm>
+            <a:off x="6208590" y="2791843"/>
+            <a:ext cx="177282" cy="487673"/>
+          </a:xfrm>
+          <a:prstGeom prst="rect">
+            <a:avLst/>
+          </a:prstGeom>
+          <a:noFill/>
+          <a:ln>
+            <a:noFill/>
+          </a:ln>
+        </p:spPr>
+        <p:txBody>
+          <a:bodyPr vert="vert270" wrap="none" lIns="0" tIns="91440" rIns="91440" bIns="91440" rtlCol="0" anchor="t" anchorCtr="1">
+            <a:normAutofit fontScale="25000" lnSpcReduction="20000"/>
+          </a:bodyPr>
+          <a:lstStyle/>
+          <a:p>
+            <a:pPr algn="ctr"/>
+            <a:r>
+              <a:rPr lang="en-US" sz="6000" dirty="0" smtClean="0"/>
+              <a:t>rrset</a:t>
+            </a:r>
+          </a:p>
+        </p:txBody>
+      </p:sp>
+      <p:sp>
+        <p:nvSpPr>
+          <p:cNvPr id="58" name="TextBox 57"/>
+          <p:cNvSpPr txBox="1"/>
+          <p:nvPr/>
+        </p:nvSpPr>
+        <p:spPr>
+          <a:xfrm>
+            <a:off x="6385872" y="2599437"/>
+            <a:ext cx="177282" cy="192407"/>
+          </a:xfrm>
+          <a:prstGeom prst="rect">
+            <a:avLst/>
+          </a:prstGeom>
+          <a:noFill/>
+          <a:ln>
+            <a:noFill/>
+          </a:ln>
+        </p:spPr>
+        <p:txBody>
+          <a:bodyPr wrap="none" lIns="91440" tIns="0" rIns="91440" bIns="91440" rtlCol="0">
+            <a:normAutofit fontScale="25000" lnSpcReduction="20000"/>
+          </a:bodyPr>
+          <a:lstStyle/>
+          <a:p>
+            <a:pPr algn="ctr"/>
+            <a:r>
+              <a:rPr lang="en-US" sz="6000" dirty="0" smtClean="0"/>
+              <a:t>rr</a:t>
+            </a:r>
+          </a:p>
+        </p:txBody>
+      </p:sp>
+      <p:sp>
+        <p:nvSpPr>
+          <p:cNvPr id="59" name="TextBox 58"/>
+          <p:cNvSpPr txBox="1"/>
+          <p:nvPr/>
+        </p:nvSpPr>
+        <p:spPr>
+          <a:xfrm>
+            <a:off x="6385872" y="2791843"/>
+            <a:ext cx="177282" cy="487673"/>
+          </a:xfrm>
+          <a:prstGeom prst="rect">
+            <a:avLst/>
+          </a:prstGeom>
+          <a:noFill/>
+          <a:ln>
+            <a:noFill/>
+          </a:ln>
+        </p:spPr>
+        <p:txBody>
+          <a:bodyPr vert="vert270" wrap="none" lIns="0" tIns="91440" rIns="91440" bIns="91440" rtlCol="0" anchor="t" anchorCtr="1">
+            <a:normAutofit fontScale="25000" lnSpcReduction="20000"/>
+          </a:bodyPr>
+          <a:lstStyle/>
+          <a:p>
+            <a:pPr algn="ctr"/>
+            <a:r>
+              <a:rPr lang="en-US" sz="6000" dirty="0" smtClean="0"/>
+              <a:t>rrset</a:t>
+            </a:r>
+          </a:p>
+        </p:txBody>
+      </p:sp>
+      <p:sp>
+        <p:nvSpPr>
+          <p:cNvPr id="60" name="TextBox 59"/>
+          <p:cNvSpPr txBox="1"/>
+          <p:nvPr/>
+        </p:nvSpPr>
+        <p:spPr>
+          <a:xfrm>
+            <a:off x="6002281" y="3279516"/>
+            <a:ext cx="593723" cy="192407"/>
+          </a:xfrm>
+          <a:prstGeom prst="rect">
+            <a:avLst/>
+          </a:prstGeom>
+          <a:noFill/>
+          <a:ln>
+            <a:noFill/>
+          </a:ln>
+        </p:spPr>
+        <p:txBody>
+          <a:bodyPr wrap="none" lIns="91440" tIns="0" rIns="91440" bIns="91440" rtlCol="0">
+            <a:normAutofit fontScale="25000" lnSpcReduction="20000"/>
+          </a:bodyPr>
+          <a:lstStyle/>
+          <a:p>
+            <a:pPr algn="ctr"/>
+            <a:r>
+              <a:rPr lang="en-US" sz="6000" dirty="0" smtClean="0"/>
+              <a:t>Entry</a:t>
+            </a:r>
+            <a:endParaRPr lang="en-US" sz="6000" dirty="0" smtClean="0"/>
+          </a:p>
+        </p:txBody>
+      </p:sp>
+      <p:sp>
+        <p:nvSpPr>
+          <p:cNvPr id="61" name="TextBox 60"/>
+          <p:cNvSpPr txBox="1"/>
+          <p:nvPr/>
+        </p:nvSpPr>
+        <p:spPr>
+          <a:xfrm>
+            <a:off x="6740436" y="2214623"/>
+            <a:ext cx="177282" cy="192407"/>
+          </a:xfrm>
+          <a:prstGeom prst="rect">
+            <a:avLst/>
+          </a:prstGeom>
+          <a:noFill/>
+          <a:ln>
+            <a:noFill/>
+          </a:ln>
+        </p:spPr>
+        <p:txBody>
+          <a:bodyPr wrap="none" lIns="91440" tIns="0" rIns="91440" bIns="91440" rtlCol="0">
+            <a:normAutofit fontScale="25000" lnSpcReduction="20000"/>
+          </a:bodyPr>
+          <a:lstStyle/>
+          <a:p>
+            <a:pPr algn="ctr"/>
+            <a:r>
+              <a:rPr lang="en-US" sz="6000" dirty="0" smtClean="0"/>
+              <a:t>rr</a:t>
+            </a:r>
+          </a:p>
+        </p:txBody>
+      </p:sp>
+      <p:sp>
+        <p:nvSpPr>
+          <p:cNvPr id="62" name="TextBox 61"/>
+          <p:cNvSpPr txBox="1"/>
+          <p:nvPr/>
+        </p:nvSpPr>
+        <p:spPr>
+          <a:xfrm>
+            <a:off x="6740436" y="2407030"/>
+            <a:ext cx="177282" cy="192407"/>
+          </a:xfrm>
+          <a:prstGeom prst="rect">
+            <a:avLst/>
+          </a:prstGeom>
+          <a:noFill/>
+          <a:ln>
+            <a:noFill/>
+          </a:ln>
+        </p:spPr>
+        <p:txBody>
+          <a:bodyPr wrap="none" lIns="91440" tIns="0" rIns="91440" bIns="91440" rtlCol="0">
+            <a:normAutofit fontScale="25000" lnSpcReduction="20000"/>
+          </a:bodyPr>
+          <a:lstStyle/>
+          <a:p>
+            <a:pPr algn="ctr"/>
+            <a:r>
+              <a:rPr lang="en-US" sz="6000" dirty="0" smtClean="0"/>
+              <a:t>rr</a:t>
+            </a:r>
+          </a:p>
+        </p:txBody>
+      </p:sp>
+      <p:sp>
+        <p:nvSpPr>
+          <p:cNvPr id="63" name="TextBox 62"/>
+          <p:cNvSpPr txBox="1"/>
+          <p:nvPr/>
+        </p:nvSpPr>
+        <p:spPr>
+          <a:xfrm>
+            <a:off x="6740436" y="2599437"/>
+            <a:ext cx="177282" cy="192407"/>
+          </a:xfrm>
+          <a:prstGeom prst="rect">
+            <a:avLst/>
+          </a:prstGeom>
+          <a:noFill/>
+          <a:ln>
+            <a:noFill/>
+          </a:ln>
+        </p:spPr>
+        <p:txBody>
+          <a:bodyPr wrap="none" lIns="91440" tIns="0" rIns="91440" bIns="91440" rtlCol="0">
+            <a:normAutofit fontScale="25000" lnSpcReduction="20000"/>
+          </a:bodyPr>
+          <a:lstStyle/>
+          <a:p>
+            <a:pPr algn="ctr"/>
+            <a:r>
+              <a:rPr lang="en-US" sz="6000" dirty="0" smtClean="0"/>
+              <a:t>rr</a:t>
+            </a:r>
+          </a:p>
+        </p:txBody>
+      </p:sp>
+      <p:sp>
+        <p:nvSpPr>
+          <p:cNvPr id="64" name="TextBox 63"/>
+          <p:cNvSpPr txBox="1"/>
+          <p:nvPr/>
+        </p:nvSpPr>
+        <p:spPr>
+          <a:xfrm>
+            <a:off x="6740436" y="2791843"/>
+            <a:ext cx="177282" cy="487673"/>
+          </a:xfrm>
+          <a:prstGeom prst="rect">
+            <a:avLst/>
+          </a:prstGeom>
+          <a:noFill/>
+          <a:ln>
+            <a:noFill/>
+          </a:ln>
+        </p:spPr>
+        <p:txBody>
+          <a:bodyPr vert="vert270" wrap="none" lIns="0" tIns="91440" rIns="91440" bIns="91440" rtlCol="0" anchor="t" anchorCtr="1">
+            <a:normAutofit fontScale="25000" lnSpcReduction="20000"/>
+          </a:bodyPr>
+          <a:lstStyle/>
+          <a:p>
+            <a:pPr algn="ctr"/>
+            <a:r>
+              <a:rPr lang="en-US" sz="6000" dirty="0" smtClean="0"/>
+              <a:t>rrset</a:t>
+            </a:r>
+          </a:p>
+        </p:txBody>
+      </p:sp>
+      <p:sp>
+        <p:nvSpPr>
+          <p:cNvPr id="65" name="TextBox 64"/>
+          <p:cNvSpPr txBox="1"/>
+          <p:nvPr/>
+        </p:nvSpPr>
+        <p:spPr>
+          <a:xfrm>
+            <a:off x="6596004" y="3279516"/>
+            <a:ext cx="466727" cy="192407"/>
+          </a:xfrm>
+          <a:prstGeom prst="rect">
+            <a:avLst/>
+          </a:prstGeom>
+          <a:noFill/>
+          <a:ln>
+            <a:noFill/>
+          </a:ln>
+        </p:spPr>
+        <p:txBody>
+          <a:bodyPr wrap="none" lIns="91440" tIns="0" rIns="91440" bIns="91440" rtlCol="0">
+            <a:normAutofit fontScale="25000" lnSpcReduction="20000"/>
+          </a:bodyPr>
+          <a:lstStyle/>
+          <a:p>
+            <a:pPr algn="ctr"/>
+            <a:r>
+              <a:rPr lang="en-US" sz="6000" dirty="0" smtClean="0"/>
+              <a:t>Entry</a:t>
+            </a:r>
+          </a:p>
+        </p:txBody>
+      </p:sp>
+      <p:sp>
+        <p:nvSpPr>
+          <p:cNvPr id="66" name="TextBox 65"/>
+          <p:cNvSpPr txBox="1"/>
+          <p:nvPr/>
+        </p:nvSpPr>
+        <p:spPr>
+          <a:xfrm>
+            <a:off x="6002282" y="3541353"/>
+            <a:ext cx="1060450" cy="216885"/>
+          </a:xfrm>
+          <a:prstGeom prst="rect">
+            <a:avLst/>
+          </a:prstGeom>
+          <a:noFill/>
+          <a:ln>
+            <a:noFill/>
+          </a:ln>
+        </p:spPr>
+        <p:txBody>
+          <a:bodyPr wrap="none" lIns="91440" tIns="0" rIns="91440" bIns="182880" rtlCol="0">
+            <a:normAutofit fontScale="25000" lnSpcReduction="20000"/>
+          </a:bodyPr>
+          <a:lstStyle/>
+          <a:p>
+            <a:pPr algn="ctr"/>
+            <a:r>
+              <a:rPr lang="en-US" sz="6000" dirty="0" smtClean="0"/>
+              <a:t>Zone</a:t>
+            </a:r>
+          </a:p>
+        </p:txBody>
+      </p:sp>
+      <p:sp>
+        <p:nvSpPr>
+          <p:cNvPr id="67" name="TextBox 66"/>
+          <p:cNvSpPr txBox="1"/>
+          <p:nvPr/>
+        </p:nvSpPr>
+        <p:spPr>
+          <a:xfrm>
+            <a:off x="5767651" y="3758237"/>
+            <a:ext cx="2948108" cy="461665"/>
+          </a:xfrm>
+          <a:prstGeom prst="rect">
+            <a:avLst/>
+          </a:prstGeom>
+          <a:noFill/>
+        </p:spPr>
+        <p:txBody>
+          <a:bodyPr wrap="square" rtlCol="0">
             <a:spAutoFit/>
           </a:bodyPr>
           <a:lstStyle/>
           <a:p>
             <a:pPr algn="ctr"/>
             <a:r>
-              <a:rPr lang="en-US" sz="2400" b="1" dirty="0"/>
-              <a:t>r</a:t>
+              <a:rPr lang="en-US" sz="2400" b="1" dirty="0" err="1"/>
+              <a:t>d</a:t>
+            </a:r>
+            <a:r>
+              <a:rPr lang="en-US" sz="2400" b="1" dirty="0" err="1" smtClean="0"/>
+              <a:t>b</a:t>
             </a:r>
             <a:r>
               <a:rPr lang="en-US" sz="2400" b="1" dirty="0" smtClean="0"/>
-              <a:t>esolver</a:t>
+              <a:t> catalog</a:t>
             </a:r>
             <a:endParaRPr lang="en-US" sz="2400" b="1" dirty="0"/>
           </a:p>
         </p:txBody>
       </p:sp>
+      <p:cxnSp>
+        <p:nvCxnSpPr>
+          <p:cNvPr id="68" name="Straight Arrow Connector 67"/>
+          <p:cNvCxnSpPr/>
+          <p:nvPr/>
+        </p:nvCxnSpPr>
+        <p:spPr>
+          <a:xfrm flipV="1">
+            <a:off x="8295945" y="3982179"/>
+            <a:ext cx="0" cy="459797"/>
+          </a:xfrm>
+          <a:prstGeom prst="straightConnector1">
+            <a:avLst/>
+          </a:prstGeom>
+          <a:ln>
+            <a:solidFill>
+              <a:schemeClr val="tx1"/>
+            </a:solidFill>
+            <a:headEnd type="arrow"/>
+            <a:tailEnd type="arrow"/>
+          </a:ln>
+        </p:spPr>
+        <p:style>
+          <a:lnRef idx="2">
+            <a:schemeClr val="accent1"/>
+          </a:lnRef>
+          <a:fillRef idx="0">
+            <a:schemeClr val="accent1"/>
+          </a:fillRef>
+          <a:effectRef idx="1">
+            <a:schemeClr val="accent1"/>
+          </a:effectRef>
+          <a:fontRef idx="minor">
+            <a:schemeClr val="tx1"/>
+          </a:fontRef>
+        </p:style>
+      </p:cxnSp>
     </p:spTree>
     <p:extLst>
       <p:ext uri="{BB962C8B-B14F-4D97-AF65-F5344CB8AC3E}">
-        <p14:creationId xmlns:p14="http://schemas.microsoft.com/office/powerpoint/2010/main" val="1818823888"/>
+        <p14:creationId xmlns:p14="http://schemas.microsoft.com/office/powerpoint/2010/main" val="1135419996"/>
       </p:ext>
     </p:extLst>
   </p:cSld>
@@ -14814,100 +16965,76 @@
           <a:p>
             <a:r>
               <a:rPr lang="en-US" dirty="0" smtClean="0"/>
-              <a:t>This is the database</a:t>
+              <a:t>“catalog”</a:t>
             </a:r>
           </a:p>
           <a:p>
             <a:pPr lvl="1"/>
             <a:r>
               <a:rPr lang="en-US" dirty="0" smtClean="0"/>
-              <a:t>Custom, in-memory, not SQL</a:t>
-            </a:r>
-          </a:p>
-          <a:p>
-            <a:r>
-              <a:rPr lang="en-US" dirty="0" smtClean="0"/>
-              <a:t>Keywords like “</a:t>
-            </a:r>
-            <a:r>
-              <a:rPr lang="en-US" dirty="0" smtClean="0">
-                <a:latin typeface="Courier"/>
-                <a:cs typeface="Courier"/>
-              </a:rPr>
-              <a:t>catalog</a:t>
-            </a:r>
-            <a:r>
-              <a:rPr lang="en-US" dirty="0" smtClean="0"/>
-              <a:t>”, “</a:t>
-            </a:r>
-            <a:r>
-              <a:rPr lang="en-US" dirty="0" smtClean="0">
-                <a:latin typeface="Courier"/>
-                <a:cs typeface="Courier"/>
-              </a:rPr>
-              <a:t>zone</a:t>
-            </a:r>
-            <a:r>
-              <a:rPr lang="en-US" dirty="0" smtClean="0"/>
-              <a:t>”, “</a:t>
-            </a:r>
-            <a:r>
-              <a:rPr lang="en-US" dirty="0" smtClean="0">
-                <a:latin typeface="Courier"/>
-                <a:cs typeface="Courier"/>
-              </a:rPr>
-              <a:t>rrset</a:t>
-            </a:r>
-            <a:r>
-              <a:rPr lang="en-US" dirty="0" smtClean="0"/>
-              <a:t>”, and “</a:t>
-            </a:r>
-            <a:r>
-              <a:rPr lang="en-US" dirty="0" smtClean="0">
-                <a:latin typeface="Courier"/>
-                <a:cs typeface="Courier"/>
-              </a:rPr>
-              <a:t>rr</a:t>
-            </a:r>
-            <a:r>
-              <a:rPr lang="en-US" dirty="0" smtClean="0"/>
-              <a:t>” are used according to their meanings in DNS RFCs</a:t>
-            </a:r>
-          </a:p>
-          <a:p>
-            <a:r>
-              <a:rPr lang="en-US" dirty="0" smtClean="0"/>
-              <a:t>The “rrset” is heavily compressed to support large zones</a:t>
+              <a:t>Contains everything</a:t>
+            </a:r>
+          </a:p>
+          <a:p>
+            <a:r>
+              <a:rPr lang="en-US" dirty="0" smtClean="0"/>
+              <a:t>“zone”</a:t>
             </a:r>
           </a:p>
           <a:p>
             <a:pPr lvl="1"/>
             <a:r>
               <a:rPr lang="en-US" dirty="0" smtClean="0"/>
-              <a:t>Designed for </a:t>
-            </a:r>
-            <a:r>
-              <a:rPr lang="en-US" i="1" dirty="0" smtClean="0"/>
-              <a:t>.com</a:t>
-            </a:r>
-            <a:r>
-              <a:rPr lang="en-US" dirty="0" smtClean="0"/>
-              <a:t> zone with more than 100 million entries</a:t>
+              <a:t>Something like “example.com”</a:t>
+            </a:r>
+          </a:p>
+          <a:p>
+            <a:r>
+              <a:rPr lang="en-US" dirty="0" smtClean="0"/>
+              <a:t>“owner”/”entry”</a:t>
             </a:r>
           </a:p>
           <a:p>
             <a:pPr lvl="1"/>
             <a:r>
               <a:rPr lang="en-US" dirty="0" smtClean="0"/>
-              <a:t>Designed for a million zones</a:t>
+              <a:t>Everything at “www.example.com”</a:t>
+            </a:r>
+          </a:p>
+          <a:p>
+            <a:r>
+              <a:rPr lang="en-US" dirty="0" smtClean="0"/>
+              <a:t>“</a:t>
+            </a:r>
+            <a:r>
+              <a:rPr lang="en-US" dirty="0" err="1" smtClean="0"/>
+              <a:t>RRset</a:t>
+            </a:r>
+            <a:r>
+              <a:rPr lang="en-US" dirty="0" smtClean="0"/>
+              <a:t>”</a:t>
             </a:r>
           </a:p>
           <a:p>
             <a:pPr lvl="1"/>
             <a:r>
               <a:rPr lang="en-US" dirty="0" smtClean="0"/>
-              <a:t>Design for megabyte entries</a:t>
-            </a:r>
+              <a:t>All the IP addresses (‘A’ records) that “www.example.com” points to</a:t>
+            </a:r>
+          </a:p>
+          <a:p>
+            <a:r>
+              <a:rPr lang="en-US" dirty="0" smtClean="0"/>
+              <a:t>“RR” (resource record)</a:t>
+            </a:r>
+          </a:p>
+          <a:p>
+            <a:pPr lvl="1"/>
+            <a:r>
+              <a:rPr lang="en-US" dirty="0" smtClean="0"/>
+              <a:t>Each individual IP address (‘A’ record)</a:t>
+            </a:r>
+            <a:endParaRPr lang="en-US" dirty="0" smtClean="0"/>
           </a:p>
         </p:txBody>
       </p:sp>
@@ -17021,6 +19148,7 @@
               <a:rPr lang="en-US" sz="6000" dirty="0" smtClean="0"/>
               <a:t>Entry</a:t>
             </a:r>
+            <a:endParaRPr lang="en-US" sz="6000" dirty="0" smtClean="0"/>
           </a:p>
         </p:txBody>
       </p:sp>
@@ -17301,7 +19429,7 @@
     </p:spTree>
     <p:extLst>
       <p:ext uri="{BB962C8B-B14F-4D97-AF65-F5344CB8AC3E}">
-        <p14:creationId xmlns:p14="http://schemas.microsoft.com/office/powerpoint/2010/main" val="1135419996"/>
+        <p14:creationId xmlns:p14="http://schemas.microsoft.com/office/powerpoint/2010/main" val="153316436"/>
       </p:ext>
     </p:extLst>
   </p:cSld>
@@ -22337,7 +24465,7 @@
           <a:p>
             <a:r>
               <a:rPr lang="en-US" dirty="0" smtClean="0"/>
-              <a:t>entry</a:t>
+              <a:t>Entry/owner-name</a:t>
             </a:r>
             <a:endParaRPr lang="en-US" dirty="0"/>
           </a:p>
@@ -23316,7 +25444,11 @@
           <a:p>
             <a:r>
               <a:rPr lang="en-US" dirty="0" smtClean="0"/>
-              <a:t>Data-plane vs. control-plane</a:t>
+              <a:t>Data-plane </a:t>
+            </a:r>
+            <a:r>
+              <a:rPr lang="en-US" dirty="0" smtClean="0"/>
+              <a:t>vs. control-plane</a:t>
             </a:r>
             <a:endParaRPr lang="en-US" dirty="0"/>
           </a:p>
@@ -24684,7 +26816,7 @@
         </p:spPr>
         <p:txBody>
           <a:bodyPr>
-            <a:normAutofit fontScale="85000" lnSpcReduction="10000"/>
+            <a:normAutofit/>
           </a:bodyPr>
           <a:lstStyle/>
           <a:p>
@@ -24712,71 +26844,35 @@
             </a:r>
           </a:p>
           <a:p>
-            <a:r>
-              <a:rPr lang="en-US" dirty="0" smtClean="0"/>
-              <a:t>The catalog reserves a ginormous chunk of virtual address space</a:t>
-            </a:r>
-          </a:p>
-          <a:p>
             <a:pPr lvl="1"/>
             <a:r>
               <a:rPr lang="en-US" dirty="0" smtClean="0"/>
-              <a:t>The address space, not the memory itself</a:t>
-            </a:r>
-          </a:p>
-          <a:p>
-            <a:r>
-              <a:rPr lang="en-US" dirty="0" smtClean="0"/>
-              <a:t>As it needs memory, it fills in address space starting with “</a:t>
-            </a:r>
-            <a:r>
-              <a:rPr lang="en-US" dirty="0" err="1" smtClean="0"/>
-              <a:t>hugepages</a:t>
-            </a:r>
-            <a:r>
-              <a:rPr lang="en-US" dirty="0" smtClean="0"/>
-              <a:t>”</a:t>
+              <a:t>Memory allocation failures cause </a:t>
+            </a:r>
+            <a:r>
+              <a:rPr lang="en-US" dirty="0" smtClean="0">
+                <a:latin typeface="Courier"/>
+              </a:rPr>
+              <a:t>exit</a:t>
+            </a:r>
+            <a:r>
+              <a:rPr lang="en-US" dirty="0" smtClean="0">
+                <a:latin typeface="Courier"/>
+                <a:cs typeface="Courier"/>
+              </a:rPr>
+              <a:t>(1)</a:t>
+            </a:r>
+            <a:r>
+              <a:rPr lang="en-US" dirty="0" smtClean="0"/>
+              <a:t> </a:t>
             </a:r>
           </a:p>
           <a:p>
             <a:pPr lvl="1"/>
             <a:r>
               <a:rPr lang="en-US" dirty="0" smtClean="0"/>
-              <a:t>Once it runs out of </a:t>
-            </a:r>
-            <a:r>
-              <a:rPr lang="en-US" dirty="0" err="1" smtClean="0"/>
-              <a:t>hugepages</a:t>
-            </a:r>
-            <a:r>
-              <a:rPr lang="en-US" dirty="0" smtClean="0"/>
-              <a:t>, it uses normal pages</a:t>
-            </a:r>
-          </a:p>
-          <a:p>
-            <a:r>
-              <a:rPr lang="en-US" dirty="0" smtClean="0"/>
-              <a:t>Freed chunks (from </a:t>
-            </a:r>
-            <a:r>
-              <a:rPr lang="en-US" dirty="0" err="1" smtClean="0"/>
-              <a:t>reallocing</a:t>
-            </a:r>
-            <a:r>
-              <a:rPr lang="en-US" dirty="0" smtClean="0"/>
-              <a:t> entries) are held by threads in their own </a:t>
-            </a:r>
-            <a:r>
-              <a:rPr lang="en-US" dirty="0" err="1" smtClean="0"/>
-              <a:t>mem</a:t>
-            </a:r>
-            <a:r>
-              <a:rPr lang="en-US" dirty="0" smtClean="0"/>
-              <a:t> pools</a:t>
-            </a:r>
-          </a:p>
-          <a:p>
-            <a:endParaRPr lang="en-US" dirty="0"/>
+              <a:t>Software responsible for not exceeding physical memory</a:t>
+            </a:r>
           </a:p>
         </p:txBody>
       </p:sp>
@@ -24895,7 +26991,7 @@
           <a:p>
             <a:r>
               <a:rPr lang="en-US" dirty="0" err="1" smtClean="0"/>
-              <a:t>ratelimit</a:t>
+              <a:t>mem</a:t>
             </a:r>
             <a:endParaRPr lang="en-US" dirty="0"/>
           </a:p>
@@ -24918,19 +27014,32 @@
           </a:xfrm>
         </p:spPr>
         <p:txBody>
-          <a:bodyPr/>
-          <a:lstStyle/>
-          <a:p>
-            <a:r>
-              <a:rPr lang="en-US" dirty="0" smtClean="0"/>
-              <a:t>Supports rate-limiting to discourage use as an amplifier</a:t>
-            </a:r>
-          </a:p>
-          <a:p>
+          <a:bodyPr>
+            <a:normAutofit/>
+          </a:bodyPr>
+          <a:lstStyle/>
+          <a:p>
+            <a:r>
+              <a:rPr lang="en-US" dirty="0" smtClean="0"/>
+              <a:t>Memory threat model</a:t>
+            </a:r>
+          </a:p>
+          <a:p>
+            <a:pPr lvl="1"/>
+            <a:r>
+              <a:rPr lang="en-US" dirty="0" smtClean="0"/>
+              <a:t>Hostile customer may ask slave server to mirror a zone that has gigabytes of data that will cause a failure on AXFR</a:t>
+            </a:r>
+          </a:p>
+          <a:p>
+            <a:pPr lvl="1"/>
+            <a:r>
+              <a:rPr lang="en-US" dirty="0" smtClean="0"/>
+              <a:t>Therefore, need to be able to set limits on memory allocated per zone/customer</a:t>
+            </a:r>
             <a:endParaRPr lang="en-US" dirty="0" smtClean="0"/>
           </a:p>
           <a:p>
-            <a:pPr lvl="1"/>
             <a:endParaRPr lang="en-US" dirty="0"/>
           </a:p>
         </p:txBody>
@@ -24993,7 +27102,7 @@
                   <a:schemeClr val="tx1"/>
                 </a:solidFill>
               </a:rPr>
-              <a:t>ratelimit</a:t>
+              <a:t>mem</a:t>
             </a:r>
             <a:endParaRPr lang="en-US" sz="2400" b="1" dirty="0">
               <a:solidFill>
@@ -25006,7 +27115,7 @@
     </p:spTree>
     <p:extLst>
       <p:ext uri="{BB962C8B-B14F-4D97-AF65-F5344CB8AC3E}">
-        <p14:creationId xmlns:p14="http://schemas.microsoft.com/office/powerpoint/2010/main" val="3008480174"/>
+        <p14:creationId xmlns:p14="http://schemas.microsoft.com/office/powerpoint/2010/main" val="3086470483"/>
       </p:ext>
     </p:extLst>
   </p:cSld>
@@ -25049,8 +27158,8 @@
           <a:lstStyle/>
           <a:p>
             <a:r>
-              <a:rPr lang="en-US" dirty="0" smtClean="0"/>
-              <a:t>log</a:t>
+              <a:rPr lang="en-US" dirty="0" err="1" smtClean="0"/>
+              <a:t>mem</a:t>
             </a:r>
             <a:endParaRPr lang="en-US" dirty="0"/>
           </a:p>
@@ -25068,52 +27177,31 @@
         </p:nvSpPr>
         <p:spPr>
           <a:xfrm>
-            <a:off x="457200" y="1600200"/>
-            <a:ext cx="6903620" cy="4525963"/>
-          </a:xfrm>
-        </p:spPr>
-        <p:txBody>
-          <a:bodyPr/>
-          <a:lstStyle/>
-          <a:p>
-            <a:r>
-              <a:rPr lang="en-US" dirty="0" smtClean="0"/>
-              <a:t>Emulates BIND9 logging “channels”</a:t>
-            </a:r>
-          </a:p>
-          <a:p>
-            <a:pPr lvl="1"/>
-            <a:r>
-              <a:rPr lang="en-US" dirty="0" smtClean="0"/>
-              <a:t>Trying for maximum compatibility with BIND9</a:t>
-            </a:r>
-          </a:p>
-          <a:p>
-            <a:r>
-              <a:rPr lang="en-US" dirty="0" smtClean="0"/>
-              <a:t>Event coalescing</a:t>
-            </a:r>
-          </a:p>
-          <a:p>
-            <a:pPr lvl="1"/>
-            <a:r>
-              <a:rPr lang="en-US" dirty="0" smtClean="0"/>
-              <a:t>Once exception to BIND9 compatibility</a:t>
-            </a:r>
-          </a:p>
-          <a:p>
-            <a:pPr lvl="1"/>
-            <a:r>
-              <a:rPr lang="en-US" dirty="0" smtClean="0"/>
-              <a:t>Anticipate attacks against the logging feature</a:t>
-            </a:r>
-          </a:p>
-          <a:p>
-            <a:pPr lvl="1"/>
-            <a:r>
-              <a:rPr lang="en-US" dirty="0" smtClean="0"/>
-              <a:t>Throttle/rate-limit log messages</a:t>
-            </a:r>
+            <a:off x="457201" y="1600200"/>
+            <a:ext cx="6484410" cy="4525963"/>
+          </a:xfrm>
+        </p:spPr>
+        <p:txBody>
+          <a:bodyPr>
+            <a:normAutofit/>
+          </a:bodyPr>
+          <a:lstStyle/>
+          <a:p>
+            <a:r>
+              <a:rPr lang="en-US" dirty="0" smtClean="0"/>
+              <a:t>Zones use “</a:t>
+            </a:r>
+            <a:r>
+              <a:rPr lang="en-US" dirty="0" err="1" smtClean="0"/>
+              <a:t>hugepages</a:t>
+            </a:r>
+            <a:r>
+              <a:rPr lang="en-US" dirty="0" smtClean="0"/>
+              <a:t>”</a:t>
+            </a:r>
+            <a:endParaRPr lang="en-US" dirty="0" smtClean="0"/>
+          </a:p>
+          <a:p>
             <a:endParaRPr lang="en-US" dirty="0"/>
           </a:p>
         </p:txBody>
@@ -25171,12 +27259,12 @@
           <a:p>
             <a:pPr algn="ctr"/>
             <a:r>
-              <a:rPr lang="en-US" sz="2400" b="1" dirty="0" smtClean="0">
+              <a:rPr lang="en-US" sz="2400" b="1" dirty="0" err="1" smtClean="0">
                 <a:solidFill>
                   <a:schemeClr val="tx1"/>
                 </a:solidFill>
               </a:rPr>
-              <a:t>log</a:t>
+              <a:t>mem</a:t>
             </a:r>
             <a:endParaRPr lang="en-US" sz="2400" b="1" dirty="0">
               <a:solidFill>
@@ -25189,7 +27277,7 @@
     </p:spTree>
     <p:extLst>
       <p:ext uri="{BB962C8B-B14F-4D97-AF65-F5344CB8AC3E}">
-        <p14:creationId xmlns:p14="http://schemas.microsoft.com/office/powerpoint/2010/main" val="3008480174"/>
+        <p14:creationId xmlns:p14="http://schemas.microsoft.com/office/powerpoint/2010/main" val="1695542070"/>
       </p:ext>
     </p:extLst>
   </p:cSld>
@@ -25233,7 +27321,7 @@
           <a:p>
             <a:r>
               <a:rPr lang="en-US" dirty="0" err="1" smtClean="0"/>
-              <a:t>conf</a:t>
+              <a:t>ratelimit</a:t>
             </a:r>
             <a:endParaRPr lang="en-US" dirty="0"/>
           </a:p>
@@ -25251,8 +27339,8 @@
         </p:nvSpPr>
         <p:spPr>
           <a:xfrm>
-            <a:off x="457200" y="1600200"/>
-            <a:ext cx="7125553" cy="4525963"/>
+            <a:off x="457201" y="1600200"/>
+            <a:ext cx="6484410" cy="4525963"/>
           </a:xfrm>
         </p:spPr>
         <p:txBody>
@@ -25261,49 +27349,11 @@
           <a:p>
             <a:r>
               <a:rPr lang="en-US" dirty="0" smtClean="0"/>
-              <a:t>Compatible with BIND9 configuration files</a:t>
-            </a:r>
-          </a:p>
-          <a:p>
-            <a:pPr lvl="1"/>
-            <a:r>
-              <a:rPr lang="en-US" dirty="0" smtClean="0"/>
-              <a:t>Trying for maximum compatibility with BIND9</a:t>
-            </a:r>
-          </a:p>
-          <a:p>
-            <a:r>
-              <a:rPr lang="en-US" dirty="0" smtClean="0"/>
-              <a:t>Many exceptions</a:t>
-            </a:r>
-          </a:p>
-          <a:p>
-            <a:pPr lvl="1"/>
-            <a:r>
-              <a:rPr lang="en-US" dirty="0" smtClean="0"/>
-              <a:t>We are only a “authoritative slave” server</a:t>
-            </a:r>
-          </a:p>
-          <a:p>
-            <a:pPr lvl="2"/>
-            <a:r>
-              <a:rPr lang="en-US" dirty="0" smtClean="0"/>
-              <a:t>So a lot of functionality isn’t supported</a:t>
-            </a:r>
-          </a:p>
-          <a:p>
-            <a:pPr lvl="1"/>
-            <a:r>
-              <a:rPr lang="en-US" dirty="0" smtClean="0"/>
-              <a:t>BIND9 has many bad ideas</a:t>
-            </a:r>
-          </a:p>
-          <a:p>
-            <a:pPr lvl="2"/>
-            <a:r>
-              <a:rPr lang="en-US" dirty="0" smtClean="0"/>
-              <a:t>Features that would be bad to support</a:t>
-            </a:r>
+              <a:t>Supports rate-limiting to discourage use as an amplifier</a:t>
+            </a:r>
+          </a:p>
+          <a:p>
+            <a:endParaRPr lang="en-US" dirty="0" smtClean="0"/>
           </a:p>
           <a:p>
             <a:pPr lvl="1"/>
@@ -25369,7 +27419,7 @@
                   <a:schemeClr val="tx1"/>
                 </a:solidFill>
               </a:rPr>
-              <a:t>conf</a:t>
+              <a:t>ratelimit</a:t>
             </a:r>
             <a:endParaRPr lang="en-US" sz="2400" b="1" dirty="0">
               <a:solidFill>
@@ -25521,8 +27571,8 @@
           <a:lstStyle/>
           <a:p>
             <a:r>
-              <a:rPr lang="en-US" dirty="0" err="1" smtClean="0"/>
-              <a:t>selftest</a:t>
+              <a:rPr lang="en-US" dirty="0" smtClean="0"/>
+              <a:t>log</a:t>
             </a:r>
             <a:endParaRPr lang="en-US" dirty="0"/>
           </a:p>
@@ -25540,8 +27590,8 @@
         </p:nvSpPr>
         <p:spPr>
           <a:xfrm>
-            <a:off x="457201" y="1600200"/>
-            <a:ext cx="6484410" cy="4525963"/>
+            <a:off x="457200" y="1600200"/>
+            <a:ext cx="6903620" cy="4525963"/>
           </a:xfrm>
         </p:spPr>
         <p:txBody>
@@ -25550,44 +27600,42 @@
           <a:p>
             <a:r>
               <a:rPr lang="en-US" dirty="0" smtClean="0"/>
-              <a:t>Run with “</a:t>
-            </a:r>
-            <a:r>
-              <a:rPr lang="en-US" dirty="0" err="1" smtClean="0"/>
-              <a:t>selftest</a:t>
-            </a:r>
-            <a:r>
-              <a:rPr lang="en-US" dirty="0" smtClean="0"/>
-              <a:t>” command-line option</a:t>
-            </a:r>
-          </a:p>
-          <a:p>
-            <a:r>
-              <a:rPr lang="en-US" dirty="0" smtClean="0"/>
-              <a:t>Exercises 99% code-coverage</a:t>
-            </a:r>
-          </a:p>
-          <a:p>
-            <a:r>
-              <a:rPr lang="en-US" dirty="0" smtClean="0"/>
-              <a:t>Automated regression test</a:t>
-            </a:r>
-          </a:p>
-          <a:p>
-            <a:r>
-              <a:rPr lang="en-US" dirty="0" smtClean="0"/>
-              <a:t>Bulky</a:t>
+              <a:t>Emulates BIND9 logging “channels”</a:t>
             </a:r>
           </a:p>
           <a:p>
             <a:pPr lvl="1"/>
             <a:r>
               <a:rPr lang="en-US" dirty="0" smtClean="0"/>
-              <a:t>The results from running “strings” against the binary will mostly find regression test strings</a:t>
+              <a:t>Trying for maximum compatibility with BIND9</a:t>
+            </a:r>
+          </a:p>
+          <a:p>
+            <a:r>
+              <a:rPr lang="en-US" dirty="0" smtClean="0"/>
+              <a:t>Event coalescing</a:t>
             </a:r>
           </a:p>
           <a:p>
             <a:pPr lvl="1"/>
+            <a:r>
+              <a:rPr lang="en-US" dirty="0" smtClean="0"/>
+              <a:t>Once exception to BIND9 compatibility</a:t>
+            </a:r>
+          </a:p>
+          <a:p>
+            <a:pPr lvl="1"/>
+            <a:r>
+              <a:rPr lang="en-US" dirty="0" smtClean="0"/>
+              <a:t>Anticipate attacks against the logging feature</a:t>
+            </a:r>
+          </a:p>
+          <a:p>
+            <a:pPr lvl="1"/>
+            <a:r>
+              <a:rPr lang="en-US" dirty="0" smtClean="0"/>
+              <a:t>Throttle/rate-limit log messages</a:t>
+            </a:r>
             <a:endParaRPr lang="en-US" dirty="0"/>
           </a:p>
         </p:txBody>
@@ -25645,12 +27693,12 @@
           <a:p>
             <a:pPr algn="ctr"/>
             <a:r>
-              <a:rPr lang="en-US" sz="2400" b="1" dirty="0" err="1" smtClean="0">
+              <a:rPr lang="en-US" sz="2400" b="1" dirty="0" smtClean="0">
                 <a:solidFill>
                   <a:schemeClr val="tx1"/>
                 </a:solidFill>
               </a:rPr>
-              <a:t>selftest</a:t>
+              <a:t>log</a:t>
             </a:r>
             <a:endParaRPr lang="en-US" sz="2400" b="1" dirty="0">
               <a:solidFill>
@@ -25663,7 +27711,7 @@
     </p:spTree>
     <p:extLst>
       <p:ext uri="{BB962C8B-B14F-4D97-AF65-F5344CB8AC3E}">
-        <p14:creationId xmlns:p14="http://schemas.microsoft.com/office/powerpoint/2010/main" val="2455379763"/>
+        <p14:creationId xmlns:p14="http://schemas.microsoft.com/office/powerpoint/2010/main" val="3008480174"/>
       </p:ext>
     </p:extLst>
   </p:cSld>
@@ -25707,7 +27755,7 @@
           <a:p>
             <a:r>
               <a:rPr lang="en-US" dirty="0" err="1" smtClean="0"/>
-              <a:t>dyndns</a:t>
+              <a:t>conf</a:t>
             </a:r>
             <a:endParaRPr lang="en-US" dirty="0"/>
           </a:p>
@@ -25725,8 +27773,8 @@
         </p:nvSpPr>
         <p:spPr>
           <a:xfrm>
-            <a:off x="457201" y="1600200"/>
-            <a:ext cx="6484410" cy="4525963"/>
+            <a:off x="457200" y="1600200"/>
+            <a:ext cx="7125553" cy="4525963"/>
           </a:xfrm>
         </p:spPr>
         <p:txBody>
@@ -25735,38 +27783,48 @@
           <a:p>
             <a:r>
               <a:rPr lang="en-US" dirty="0" smtClean="0"/>
-              <a:t>Not really a module, but pervasive</a:t>
-            </a:r>
-          </a:p>
-          <a:p>
-            <a:r>
-              <a:rPr lang="en-US" dirty="0" smtClean="0"/>
-              <a:t>Protect system against insider attack</a:t>
+              <a:t>Compatible with BIND9 configuration files</a:t>
             </a:r>
           </a:p>
           <a:p>
             <a:pPr lvl="1"/>
             <a:r>
               <a:rPr lang="en-US" dirty="0" smtClean="0"/>
-              <a:t>trusted insider who tries to fill up database</a:t>
+              <a:t>Trying for maximum compatibility with BIND9</a:t>
+            </a:r>
+          </a:p>
+          <a:p>
+            <a:r>
+              <a:rPr lang="en-US" dirty="0" smtClean="0"/>
+              <a:t>Many exceptions</a:t>
             </a:r>
           </a:p>
           <a:p>
             <a:pPr lvl="1"/>
             <a:r>
               <a:rPr lang="en-US" dirty="0" smtClean="0"/>
-              <a:t>trusted insider who tries to fill up a single entry</a:t>
+              <a:t>We are only a “authoritative slave” server</a:t>
             </a:r>
           </a:p>
           <a:p>
             <a:pPr lvl="2"/>
             <a:r>
-              <a:rPr lang="en-US" dirty="0"/>
-              <a:t>b</a:t>
-            </a:r>
-            <a:r>
-              <a:rPr lang="en-US" dirty="0" smtClean="0"/>
-              <a:t>uilding entries is O(n^2) operation</a:t>
+              <a:rPr lang="en-US" dirty="0" smtClean="0"/>
+              <a:t>So a lot of functionality isn’t supported</a:t>
+            </a:r>
+          </a:p>
+          <a:p>
+            <a:pPr lvl="1"/>
+            <a:r>
+              <a:rPr lang="en-US" dirty="0" smtClean="0"/>
+              <a:t>BIND9 has many bad ideas</a:t>
+            </a:r>
+          </a:p>
+          <a:p>
+            <a:pPr lvl="2"/>
+            <a:r>
+              <a:rPr lang="en-US" dirty="0" smtClean="0"/>
+              <a:t>Features that would be bad to support</a:t>
             </a:r>
           </a:p>
           <a:p>
@@ -25833,7 +27891,7 @@
                   <a:schemeClr val="tx1"/>
                 </a:solidFill>
               </a:rPr>
-              <a:t>dyndns</a:t>
+              <a:t>conf</a:t>
             </a:r>
             <a:endParaRPr lang="en-US" sz="2400" b="1" dirty="0">
               <a:solidFill>
@@ -25846,7 +27904,7 @@
     </p:spTree>
     <p:extLst>
       <p:ext uri="{BB962C8B-B14F-4D97-AF65-F5344CB8AC3E}">
-        <p14:creationId xmlns:p14="http://schemas.microsoft.com/office/powerpoint/2010/main" val="4200531388"/>
+        <p14:creationId xmlns:p14="http://schemas.microsoft.com/office/powerpoint/2010/main" val="3008480174"/>
       </p:ext>
     </p:extLst>
   </p:cSld>
@@ -25889,8 +27947,8 @@
           <a:lstStyle/>
           <a:p>
             <a:r>
-              <a:rPr lang="en-US" dirty="0" smtClean="0"/>
-              <a:t>Building</a:t>
+              <a:rPr lang="en-US" dirty="0" err="1" smtClean="0"/>
+              <a:t>conf</a:t>
             </a:r>
             <a:endParaRPr lang="en-US" dirty="0"/>
           </a:p>
@@ -25906,142 +27964,129 @@
             <p:ph idx="1"/>
           </p:nvPr>
         </p:nvSpPr>
-        <p:spPr/>
-        <p:txBody>
-          <a:bodyPr>
-            <a:normAutofit fontScale="92500" lnSpcReduction="10000"/>
-          </a:bodyPr>
-          <a:lstStyle/>
-          <a:p>
-            <a:r>
-              <a:rPr lang="en-US" dirty="0" smtClean="0"/>
-              <a:t>No important dependencies</a:t>
-            </a:r>
-          </a:p>
-          <a:p>
-            <a:pPr lvl="1"/>
-            <a:r>
-              <a:rPr lang="en-US" dirty="0"/>
-              <a:t>a</a:t>
-            </a:r>
-            <a:r>
-              <a:rPr lang="en-US" dirty="0" smtClean="0"/>
-              <a:t>pt-get install </a:t>
-            </a:r>
+        <p:spPr>
+          <a:xfrm>
+            <a:off x="457200" y="1600200"/>
+            <a:ext cx="7125553" cy="4525963"/>
+          </a:xfrm>
+        </p:spPr>
+        <p:txBody>
+          <a:bodyPr/>
+          <a:lstStyle/>
+          <a:p>
+            <a:r>
+              <a:rPr lang="en-US" dirty="0" smtClean="0"/>
+              <a:t>BIND9 uses complex grammar</a:t>
+            </a:r>
+          </a:p>
+          <a:p>
             <a:r>
               <a:rPr lang="en-US" dirty="0" err="1" smtClean="0"/>
-              <a:t>gcc</a:t>
-            </a:r>
-            <a:r>
-              <a:rPr lang="en-US" dirty="0" smtClean="0"/>
-              <a:t> g++ make</a:t>
-            </a:r>
-          </a:p>
-          <a:p>
-            <a:r>
-              <a:rPr lang="en-US" dirty="0" smtClean="0"/>
-              <a:t>Just “make”, there is no “./configure”</a:t>
-            </a:r>
-          </a:p>
-          <a:p>
-            <a:pPr lvl="1"/>
-            <a:r>
-              <a:rPr lang="en-US" dirty="0" smtClean="0"/>
-              <a:t>Or load the </a:t>
-            </a:r>
-            <a:r>
-              <a:rPr lang="en-US" dirty="0" err="1" smtClean="0"/>
-              <a:t>VisualStudio</a:t>
-            </a:r>
-            <a:r>
-              <a:rPr lang="en-US" dirty="0" smtClean="0"/>
-              <a:t> 2010 project</a:t>
-            </a:r>
-          </a:p>
-          <a:p>
-            <a:pPr lvl="1"/>
-            <a:r>
-              <a:rPr lang="en-US" dirty="0" smtClean="0"/>
-              <a:t>Or “</a:t>
-            </a:r>
-            <a:r>
-              <a:rPr lang="en-US" dirty="0" err="1" smtClean="0"/>
-              <a:t>gcc</a:t>
-            </a:r>
-            <a:r>
-              <a:rPr lang="en-US" dirty="0" smtClean="0"/>
-              <a:t> *.c *.</a:t>
-            </a:r>
-            <a:r>
-              <a:rPr lang="en-US" dirty="0" err="1" smtClean="0"/>
-              <a:t>cpp</a:t>
-            </a:r>
-            <a:r>
-              <a:rPr lang="en-US" dirty="0" smtClean="0"/>
-              <a:t>”</a:t>
-            </a:r>
-          </a:p>
-          <a:p>
-            <a:r>
-              <a:rPr lang="en-US" dirty="0" smtClean="0"/>
-              <a:t>Run “</a:t>
-            </a:r>
-            <a:r>
-              <a:rPr lang="en-US" dirty="0" err="1" smtClean="0">
-                <a:latin typeface="Courier"/>
-                <a:cs typeface="Courier"/>
+              <a:t>Robdns</a:t>
+            </a:r>
+            <a:r>
+              <a:rPr lang="en-US" dirty="0" smtClean="0"/>
+              <a:t> uses simple grammar</a:t>
+            </a:r>
+          </a:p>
+        </p:txBody>
+      </p:sp>
+      <p:sp>
+        <p:nvSpPr>
+          <p:cNvPr id="5" name="Rounded Rectangle 4"/>
+          <p:cNvSpPr/>
+          <p:nvPr/>
+        </p:nvSpPr>
+        <p:spPr>
+          <a:xfrm>
+            <a:off x="7192248" y="1335934"/>
+            <a:ext cx="1494552" cy="705086"/>
+          </a:xfrm>
+          <a:prstGeom prst="roundRect">
+            <a:avLst/>
+          </a:prstGeom>
+          <a:solidFill>
+            <a:schemeClr val="bg2">
+              <a:lumMod val="50000"/>
+            </a:schemeClr>
+          </a:solidFill>
+          <a:ln>
+            <a:solidFill>
+              <a:schemeClr val="tx2"/>
+            </a:solidFill>
+          </a:ln>
+          <a:scene3d>
+            <a:camera prst="orthographicFront"/>
+            <a:lightRig rig="threePt" dir="t"/>
+          </a:scene3d>
+          <a:sp3d>
+            <a:bevelT/>
+            <a:bevelB/>
+          </a:sp3d>
+        </p:spPr>
+        <p:style>
+          <a:lnRef idx="1">
+            <a:schemeClr val="accent1"/>
+          </a:lnRef>
+          <a:fillRef idx="3">
+            <a:schemeClr val="accent1"/>
+          </a:fillRef>
+          <a:effectRef idx="2">
+            <a:schemeClr val="accent1"/>
+          </a:effectRef>
+          <a:fontRef idx="minor">
+            <a:schemeClr val="lt1"/>
+          </a:fontRef>
+        </p:style>
+        <p:txBody>
+          <a:bodyPr rtlCol="0" anchor="ctr"/>
+          <a:lstStyle/>
+          <a:p>
+            <a:pPr algn="ctr"/>
+            <a:r>
+              <a:rPr lang="en-US" sz="2400" b="1" dirty="0" err="1" smtClean="0">
+                <a:solidFill>
+                  <a:schemeClr val="tx1"/>
+                </a:solidFill>
               </a:rPr>
-              <a:t>robdns</a:t>
-            </a:r>
-            <a:r>
-              <a:rPr lang="en-US" dirty="0" smtClean="0">
-                <a:latin typeface="Courier"/>
-                <a:cs typeface="Courier"/>
-              </a:rPr>
-              <a:t> </a:t>
-            </a:r>
-            <a:r>
-              <a:rPr lang="en-US" dirty="0" err="1" smtClean="0">
-                <a:latin typeface="Courier"/>
-                <a:cs typeface="Courier"/>
-              </a:rPr>
-              <a:t>selftest</a:t>
-            </a:r>
-            <a:r>
-              <a:rPr lang="en-US" dirty="0" smtClean="0"/>
-              <a:t>” after building</a:t>
-            </a:r>
-          </a:p>
-          <a:p>
-            <a:pPr lvl="1"/>
-            <a:r>
-              <a:rPr lang="en-US" dirty="0" smtClean="0"/>
-              <a:t>Regression test with 99% code coverage</a:t>
-            </a:r>
-          </a:p>
-          <a:p>
-            <a:r>
-              <a:rPr lang="en-US" dirty="0" smtClean="0"/>
-              <a:t>Platforms</a:t>
-            </a:r>
-          </a:p>
-          <a:p>
-            <a:pPr lvl="1"/>
-            <a:r>
-              <a:rPr lang="en-US" dirty="0" smtClean="0"/>
-              <a:t>Windows, Mac OS X, Linux, FreeBSD</a:t>
-            </a:r>
-          </a:p>
-          <a:p>
-            <a:pPr lvl="1"/>
-            <a:endParaRPr lang="en-US" dirty="0" smtClean="0"/>
-          </a:p>
-        </p:txBody>
-      </p:sp>
+              <a:t>conf</a:t>
+            </a:r>
+            <a:endParaRPr lang="en-US" sz="2400" b="1" dirty="0">
+              <a:solidFill>
+                <a:schemeClr val="tx1"/>
+              </a:solidFill>
+            </a:endParaRPr>
+          </a:p>
+        </p:txBody>
+      </p:sp>
+      <p:pic>
+        <p:nvPicPr>
+          <p:cNvPr id="4" name="Picture 3"/>
+          <p:cNvPicPr>
+            <a:picLocks noChangeAspect="1"/>
+          </p:cNvPicPr>
+          <p:nvPr/>
+        </p:nvPicPr>
+        <p:blipFill>
+          <a:blip r:embed="rId2"/>
+          <a:stretch>
+            <a:fillRect/>
+          </a:stretch>
+        </p:blipFill>
+        <p:spPr>
+          <a:xfrm>
+            <a:off x="713467" y="2984726"/>
+            <a:ext cx="7081819" cy="3488645"/>
+          </a:xfrm>
+          <a:prstGeom prst="rect">
+            <a:avLst/>
+          </a:prstGeom>
+        </p:spPr>
+      </p:pic>
     </p:spTree>
     <p:extLst>
       <p:ext uri="{BB962C8B-B14F-4D97-AF65-F5344CB8AC3E}">
-        <p14:creationId xmlns:p14="http://schemas.microsoft.com/office/powerpoint/2010/main" val="1151342212"/>
+        <p14:creationId xmlns:p14="http://schemas.microsoft.com/office/powerpoint/2010/main" val="697247693"/>
       </p:ext>
     </p:extLst>
   </p:cSld>
@@ -26084,8 +28129,8 @@
           <a:lstStyle/>
           <a:p>
             <a:r>
-              <a:rPr lang="en-US" dirty="0" smtClean="0"/>
-              <a:t>Foreground (for testing)</a:t>
+              <a:rPr lang="en-US" dirty="0" err="1" smtClean="0"/>
+              <a:t>conf</a:t>
             </a:r>
             <a:endParaRPr lang="en-US" dirty="0"/>
           </a:p>
@@ -26101,94 +28146,219 @@
             <p:ph idx="1"/>
           </p:nvPr>
         </p:nvSpPr>
-        <p:spPr/>
+        <p:spPr>
+          <a:xfrm>
+            <a:off x="457200" y="1600200"/>
+            <a:ext cx="7125553" cy="4525963"/>
+          </a:xfrm>
+        </p:spPr>
         <p:txBody>
           <a:bodyPr>
-            <a:normAutofit fontScale="92500"/>
+            <a:normAutofit fontScale="92500" lnSpcReduction="10000"/>
           </a:bodyPr>
           <a:lstStyle/>
           <a:p>
             <a:r>
+              <a:rPr lang="en-US" dirty="0" smtClean="0"/>
+              <a:t>Simple BNF:</a:t>
+            </a:r>
+          </a:p>
+          <a:p>
+            <a:r>
+              <a:rPr lang="en-US" dirty="0"/>
+              <a:t>s</a:t>
+            </a:r>
+            <a:r>
+              <a:rPr lang="en-US" dirty="0" smtClean="0"/>
+              <a:t>tatement = token [token…] [ { statement… }] ;</a:t>
+            </a:r>
+            <a:endParaRPr lang="en-US" dirty="0" smtClean="0"/>
+          </a:p>
+          <a:p>
+            <a:r>
+              <a:rPr lang="en-US" dirty="0" smtClean="0"/>
+              <a:t>Internal representation:</a:t>
+            </a:r>
+          </a:p>
+          <a:p>
+            <a:r>
               <a:rPr lang="en-US" dirty="0" err="1"/>
-              <a:t>r</a:t>
+              <a:t>s</a:t>
             </a:r>
             <a:r>
               <a:rPr lang="en-US" dirty="0" err="1" smtClean="0"/>
-              <a:t>obdns</a:t>
-            </a:r>
-            <a:r>
-              <a:rPr lang="en-US" dirty="0" smtClean="0"/>
-              <a:t> foreground 10.2.3.4 dna0 </a:t>
+              <a:t>truct</a:t>
+            </a:r>
+            <a:r>
+              <a:rPr lang="en-US" dirty="0" smtClean="0"/>
+              <a:t> Statement {</a:t>
+            </a:r>
+            <a:br>
+              <a:rPr lang="en-US" dirty="0" smtClean="0"/>
+            </a:br>
+            <a:r>
+              <a:rPr lang="en-US" dirty="0" smtClean="0"/>
+              <a:t>    </a:t>
             </a:r>
             <a:r>
               <a:rPr lang="en-US" dirty="0" err="1" smtClean="0"/>
-              <a:t>example.zone</a:t>
-            </a:r>
-            <a:endParaRPr lang="en-US" dirty="0" smtClean="0"/>
-          </a:p>
-          <a:p>
-            <a:pPr lvl="1"/>
-            <a:r>
-              <a:rPr lang="en-US" dirty="0" smtClean="0"/>
-              <a:t>Runs in “foreground” with logging sent to command-line</a:t>
-            </a:r>
-          </a:p>
-          <a:p>
-            <a:pPr lvl="1"/>
-            <a:r>
-              <a:rPr lang="en-US" dirty="0" smtClean="0"/>
-              <a:t>Needs:</a:t>
-            </a:r>
-          </a:p>
-          <a:p>
-            <a:pPr lvl="2"/>
-            <a:r>
-              <a:rPr lang="en-US" dirty="0" smtClean="0"/>
-              <a:t>IPv4/IPv6 addresses that it will “listen” on</a:t>
-            </a:r>
-          </a:p>
-          <a:p>
-            <a:pPr lvl="3"/>
-            <a:r>
-              <a:rPr lang="en-US" dirty="0" smtClean="0"/>
-              <a:t>NOT ONES ALREADY USED BY THE SYSTEM</a:t>
-            </a:r>
-          </a:p>
-          <a:p>
-            <a:pPr lvl="3"/>
-            <a:r>
-              <a:rPr lang="en-US" dirty="0" smtClean="0"/>
-              <a:t>THIS IS BUILT IN STACK</a:t>
-            </a:r>
-          </a:p>
-          <a:p>
-            <a:pPr lvl="2"/>
-            <a:r>
-              <a:rPr lang="en-US" dirty="0" smtClean="0"/>
-              <a:t>Adapters to listen on which support raw sniffing packet drivers</a:t>
-            </a:r>
-          </a:p>
-          <a:p>
-            <a:pPr lvl="2"/>
-            <a:r>
-              <a:rPr lang="en-US" dirty="0" smtClean="0"/>
-              <a:t>Zone-files in standard zone format to build the database of records</a:t>
-            </a:r>
-          </a:p>
-          <a:p>
-            <a:pPr lvl="2"/>
-            <a:endParaRPr lang="en-US" dirty="0" smtClean="0"/>
-          </a:p>
-          <a:p>
-            <a:pPr lvl="2"/>
-            <a:endParaRPr lang="en-US" dirty="0"/>
+              <a:t>struct</a:t>
+            </a:r>
+            <a:r>
+              <a:rPr lang="en-US" dirty="0" smtClean="0"/>
+              <a:t> Token *tokens;</a:t>
+            </a:r>
+            <a:br>
+              <a:rPr lang="en-US" dirty="0" smtClean="0"/>
+            </a:br>
+            <a:r>
+              <a:rPr lang="en-US" dirty="0" smtClean="0"/>
+              <a:t>    </a:t>
+            </a:r>
+            <a:r>
+              <a:rPr lang="en-US" dirty="0" err="1" smtClean="0"/>
+              <a:t>size_t</a:t>
+            </a:r>
+            <a:r>
+              <a:rPr lang="en-US" dirty="0" smtClean="0"/>
+              <a:t> </a:t>
+            </a:r>
+            <a:r>
+              <a:rPr lang="en-US" dirty="0" err="1" smtClean="0"/>
+              <a:t>token_count</a:t>
+            </a:r>
+            <a:r>
+              <a:rPr lang="en-US" dirty="0" smtClean="0"/>
+              <a:t>;</a:t>
+            </a:r>
+            <a:r>
+              <a:rPr lang="en-US" dirty="0"/>
+              <a:t/>
+            </a:r>
+            <a:br>
+              <a:rPr lang="en-US" dirty="0"/>
+            </a:br>
+            <a:r>
+              <a:rPr lang="en-US" dirty="0" smtClean="0"/>
+              <a:t>    </a:t>
+            </a:r>
+            <a:r>
+              <a:rPr lang="en-US" dirty="0" err="1" smtClean="0"/>
+              <a:t>struct</a:t>
+            </a:r>
+            <a:r>
+              <a:rPr lang="en-US" dirty="0" smtClean="0"/>
+              <a:t> Statement *statements;</a:t>
+            </a:r>
+            <a:br>
+              <a:rPr lang="en-US" dirty="0" smtClean="0"/>
+            </a:br>
+            <a:r>
+              <a:rPr lang="en-US" dirty="0" smtClean="0"/>
+              <a:t>    </a:t>
+            </a:r>
+            <a:r>
+              <a:rPr lang="en-US" dirty="0" err="1" smtClean="0"/>
+              <a:t>size_t</a:t>
+            </a:r>
+            <a:r>
+              <a:rPr lang="en-US" dirty="0" smtClean="0"/>
+              <a:t> </a:t>
+            </a:r>
+            <a:r>
+              <a:rPr lang="en-US" dirty="0" err="1" smtClean="0"/>
+              <a:t>statement_count</a:t>
+            </a:r>
+            <a:r>
+              <a:rPr lang="en-US" dirty="0" smtClean="0"/>
+              <a:t>;</a:t>
+            </a:r>
+            <a:r>
+              <a:rPr lang="en-US" dirty="0"/>
+              <a:t/>
+            </a:r>
+            <a:br>
+              <a:rPr lang="en-US" dirty="0"/>
+            </a:br>
+            <a:r>
+              <a:rPr lang="en-US" dirty="0" smtClean="0"/>
+              <a:t>};</a:t>
+            </a:r>
+          </a:p>
+        </p:txBody>
+      </p:sp>
+      <p:sp>
+        <p:nvSpPr>
+          <p:cNvPr id="5" name="Rounded Rectangle 4"/>
+          <p:cNvSpPr/>
+          <p:nvPr/>
+        </p:nvSpPr>
+        <p:spPr>
+          <a:xfrm>
+            <a:off x="7192248" y="1335934"/>
+            <a:ext cx="1494552" cy="705086"/>
+          </a:xfrm>
+          <a:prstGeom prst="roundRect">
+            <a:avLst/>
+          </a:prstGeom>
+          <a:solidFill>
+            <a:schemeClr val="bg2">
+              <a:lumMod val="50000"/>
+            </a:schemeClr>
+          </a:solidFill>
+          <a:ln>
+            <a:solidFill>
+              <a:schemeClr val="tx2"/>
+            </a:solidFill>
+          </a:ln>
+          <a:scene3d>
+            <a:camera prst="orthographicFront"/>
+            <a:lightRig rig="threePt" dir="t"/>
+          </a:scene3d>
+          <a:sp3d>
+            <a:bevelT/>
+            <a:bevelB/>
+          </a:sp3d>
+        </p:spPr>
+        <p:style>
+          <a:lnRef idx="1">
+            <a:schemeClr val="accent1"/>
+          </a:lnRef>
+          <a:fillRef idx="3">
+            <a:schemeClr val="accent1"/>
+          </a:fillRef>
+          <a:effectRef idx="2">
+            <a:schemeClr val="accent1"/>
+          </a:effectRef>
+          <a:fontRef idx="minor">
+            <a:schemeClr val="lt1"/>
+          </a:fontRef>
+        </p:style>
+        <p:txBody>
+          <a:bodyPr rtlCol="0" anchor="ctr"/>
+          <a:lstStyle/>
+          <a:p>
+            <a:pPr algn="ctr"/>
+            <a:r>
+              <a:rPr lang="en-US" sz="2400" b="1" dirty="0" err="1" smtClean="0">
+                <a:solidFill>
+                  <a:schemeClr val="tx1"/>
+                </a:solidFill>
+              </a:rPr>
+              <a:t>conf</a:t>
+            </a:r>
+            <a:endParaRPr lang="en-US" sz="2400" b="1" dirty="0">
+              <a:solidFill>
+                <a:schemeClr val="tx1"/>
+              </a:solidFill>
+            </a:endParaRPr>
           </a:p>
         </p:txBody>
       </p:sp>
     </p:spTree>
     <p:extLst>
       <p:ext uri="{BB962C8B-B14F-4D97-AF65-F5344CB8AC3E}">
-        <p14:creationId xmlns:p14="http://schemas.microsoft.com/office/powerpoint/2010/main" val="309755367"/>
+        <p14:creationId xmlns:p14="http://schemas.microsoft.com/office/powerpoint/2010/main" val="4272742541"/>
       </p:ext>
     </p:extLst>
   </p:cSld>
@@ -26231,8 +28401,8 @@
           <a:lstStyle/>
           <a:p>
             <a:r>
-              <a:rPr lang="en-US" dirty="0" smtClean="0"/>
-              <a:t>Background (for operations)</a:t>
+              <a:rPr lang="en-US" dirty="0" err="1" smtClean="0"/>
+              <a:t>conf</a:t>
             </a:r>
             <a:endParaRPr lang="en-US" dirty="0"/>
           </a:p>
@@ -26248,10 +28418,21 @@
             <p:ph idx="1"/>
           </p:nvPr>
         </p:nvSpPr>
-        <p:spPr/>
+        <p:spPr>
+          <a:xfrm>
+            <a:off x="457200" y="1600200"/>
+            <a:ext cx="7125553" cy="4525963"/>
+          </a:xfrm>
+        </p:spPr>
         <p:txBody>
           <a:bodyPr/>
           <a:lstStyle/>
+          <a:p>
+            <a:r>
+              <a:rPr lang="en-US" dirty="0" smtClean="0"/>
+              <a:t>BIND9 parses full grammar</a:t>
+            </a:r>
+          </a:p>
           <a:p>
             <a:r>
               <a:rPr lang="en-US" dirty="0" err="1" smtClean="0"/>
@@ -26259,28 +28440,104 @@
             </a:r>
             <a:r>
               <a:rPr lang="en-US" dirty="0" smtClean="0"/>
-              <a:t> daemon /</a:t>
+              <a:t> parses context-free tree of tokens/statements</a:t>
+            </a:r>
+          </a:p>
+          <a:p>
+            <a:pPr lvl="1"/>
+            <a:r>
+              <a:rPr lang="en-US" dirty="0" smtClean="0"/>
+              <a:t>Only handling “include” statement when encountered</a:t>
+            </a:r>
+          </a:p>
+          <a:p>
+            <a:r>
+              <a:rPr lang="en-US" dirty="0" smtClean="0"/>
+              <a:t>Once full </a:t>
             </a:r>
             <a:r>
               <a:rPr lang="en-US" dirty="0" err="1" smtClean="0"/>
-              <a:t>etc</a:t>
-            </a:r>
-            <a:r>
-              <a:rPr lang="en-US" dirty="0" smtClean="0"/>
-              <a:t>/</a:t>
-            </a:r>
-            <a:r>
-              <a:rPr lang="en-US" dirty="0" err="1" smtClean="0"/>
-              <a:t>robdns.conf</a:t>
-            </a:r>
-            <a:endParaRPr lang="en-US" dirty="0"/>
+              <a:t>conf</a:t>
+            </a:r>
+            <a:r>
+              <a:rPr lang="en-US" dirty="0" smtClean="0"/>
+              <a:t> tree has been read in, then recursively processes the tree interpreting the meaning</a:t>
+            </a:r>
+          </a:p>
+        </p:txBody>
+      </p:sp>
+      <p:sp>
+        <p:nvSpPr>
+          <p:cNvPr id="5" name="Rounded Rectangle 4"/>
+          <p:cNvSpPr/>
+          <p:nvPr/>
+        </p:nvSpPr>
+        <p:spPr>
+          <a:xfrm>
+            <a:off x="7192248" y="1335934"/>
+            <a:ext cx="1494552" cy="705086"/>
+          </a:xfrm>
+          <a:prstGeom prst="roundRect">
+            <a:avLst/>
+          </a:prstGeom>
+          <a:solidFill>
+            <a:schemeClr val="bg2">
+              <a:lumMod val="50000"/>
+            </a:schemeClr>
+          </a:solidFill>
+          <a:ln>
+            <a:solidFill>
+              <a:schemeClr val="tx2"/>
+            </a:solidFill>
+          </a:ln>
+          <a:scene3d>
+            <a:camera prst="orthographicFront"/>
+            <a:lightRig rig="threePt" dir="t"/>
+          </a:scene3d>
+          <a:sp3d>
+            <a:bevelT/>
+            <a:bevelB/>
+          </a:sp3d>
+        </p:spPr>
+        <p:style>
+          <a:lnRef idx="1">
+            <a:schemeClr val="accent1"/>
+          </a:lnRef>
+          <a:fillRef idx="3">
+            <a:schemeClr val="accent1"/>
+          </a:fillRef>
+          <a:effectRef idx="2">
+            <a:schemeClr val="accent1"/>
+          </a:effectRef>
+          <a:fontRef idx="minor">
+            <a:schemeClr val="lt1"/>
+          </a:fontRef>
+        </p:style>
+        <p:txBody>
+          <a:bodyPr rtlCol="0" anchor="ctr"/>
+          <a:lstStyle/>
+          <a:p>
+            <a:pPr algn="ctr"/>
+            <a:r>
+              <a:rPr lang="en-US" sz="2400" b="1" dirty="0" err="1" smtClean="0">
+                <a:solidFill>
+                  <a:schemeClr val="tx1"/>
+                </a:solidFill>
+              </a:rPr>
+              <a:t>conf</a:t>
+            </a:r>
+            <a:endParaRPr lang="en-US" sz="2400" b="1" dirty="0">
+              <a:solidFill>
+                <a:schemeClr val="tx1"/>
+              </a:solidFill>
+            </a:endParaRPr>
           </a:p>
         </p:txBody>
       </p:sp>
     </p:spTree>
     <p:extLst>
       <p:ext uri="{BB962C8B-B14F-4D97-AF65-F5344CB8AC3E}">
-        <p14:creationId xmlns:p14="http://schemas.microsoft.com/office/powerpoint/2010/main" val="526491949"/>
+        <p14:creationId xmlns:p14="http://schemas.microsoft.com/office/powerpoint/2010/main" val="3856878278"/>
       </p:ext>
     </p:extLst>
   </p:cSld>
@@ -26323,8 +28580,8 @@
           <a:lstStyle/>
           <a:p>
             <a:r>
-              <a:rPr lang="en-US" dirty="0" smtClean="0"/>
-              <a:t>Regression test</a:t>
+              <a:rPr lang="en-US" dirty="0" err="1" smtClean="0"/>
+              <a:t>selftest</a:t>
             </a:r>
             <a:endParaRPr lang="en-US" dirty="0"/>
           </a:p>
@@ -26340,22 +28597,19 @@
             <p:ph idx="1"/>
           </p:nvPr>
         </p:nvSpPr>
-        <p:spPr/>
+        <p:spPr>
+          <a:xfrm>
+            <a:off x="457201" y="1600200"/>
+            <a:ext cx="6484410" cy="4525963"/>
+          </a:xfrm>
+        </p:spPr>
         <p:txBody>
           <a:bodyPr/>
           <a:lstStyle/>
           <a:p>
             <a:r>
               <a:rPr lang="en-US" dirty="0" smtClean="0"/>
-              <a:t>“</a:t>
-            </a:r>
-            <a:r>
-              <a:rPr lang="en-US" dirty="0" err="1" smtClean="0"/>
-              <a:t>robdns</a:t>
-            </a:r>
-            <a:r>
-              <a:rPr lang="en-US" dirty="0" smtClean="0"/>
-              <a:t> </a:t>
+              <a:t>Run with “</a:t>
             </a:r>
             <a:r>
               <a:rPr lang="en-US" dirty="0" err="1" smtClean="0"/>
@@ -26363,18 +28617,112 @@
             </a:r>
             <a:r>
               <a:rPr lang="en-US" dirty="0" smtClean="0"/>
-              <a:t>”</a:t>
-            </a:r>
-          </a:p>
-          <a:p>
+              <a:t>” command-line option</a:t>
+            </a:r>
+          </a:p>
+          <a:p>
+            <a:r>
+              <a:rPr lang="en-US" dirty="0" smtClean="0"/>
+              <a:t>Exercises 99% code-coverage</a:t>
+            </a:r>
+          </a:p>
+          <a:p>
+            <a:r>
+              <a:rPr lang="en-US" dirty="0" smtClean="0"/>
+              <a:t>Automated regression test</a:t>
+            </a:r>
+          </a:p>
+          <a:p>
+            <a:r>
+              <a:rPr lang="en-US" dirty="0" smtClean="0"/>
+              <a:t>Bulky</a:t>
+            </a:r>
+          </a:p>
+          <a:p>
+            <a:pPr lvl="1"/>
+            <a:r>
+              <a:rPr lang="en-US" dirty="0" smtClean="0"/>
+              <a:t>The results from running “strings” against the binary will mostly find regression test strings</a:t>
+            </a:r>
+          </a:p>
+          <a:p>
+            <a:pPr lvl="1"/>
             <a:endParaRPr lang="en-US" dirty="0"/>
+          </a:p>
+        </p:txBody>
+      </p:sp>
+      <p:sp>
+        <p:nvSpPr>
+          <p:cNvPr id="5" name="Rounded Rectangle 4"/>
+          <p:cNvSpPr/>
+          <p:nvPr/>
+        </p:nvSpPr>
+        <p:spPr>
+          <a:xfrm>
+            <a:off x="7192248" y="1335934"/>
+            <a:ext cx="1494552" cy="705086"/>
+          </a:xfrm>
+          <a:prstGeom prst="roundRect">
+            <a:avLst/>
+          </a:prstGeom>
+          <a:solidFill>
+            <a:schemeClr val="bg2">
+              <a:lumMod val="50000"/>
+            </a:schemeClr>
+          </a:solidFill>
+          <a:ln>
+            <a:solidFill>
+              <a:schemeClr val="tx2"/>
+            </a:solidFill>
+          </a:ln>
+          <a:scene3d>
+            <a:camera prst="orthographicFront"/>
+            <a:lightRig rig="threePt" dir="t"/>
+          </a:scene3d>
+          <a:sp3d>
+            <a:bevelT/>
+            <a:bevelB/>
+          </a:sp3d>
+        </p:spPr>
+        <p:style>
+          <a:lnRef idx="1">
+            <a:schemeClr val="accent1"/>
+          </a:lnRef>
+          <a:fillRef idx="3">
+            <a:schemeClr val="accent1"/>
+          </a:fillRef>
+          <a:effectRef idx="2">
+            <a:schemeClr val="accent1"/>
+          </a:effectRef>
+          <a:fontRef idx="minor">
+            <a:schemeClr val="lt1"/>
+          </a:fontRef>
+        </p:style>
+        <p:txBody>
+          <a:bodyPr rtlCol="0" anchor="ctr"/>
+          <a:lstStyle/>
+          <a:p>
+            <a:pPr algn="ctr"/>
+            <a:r>
+              <a:rPr lang="en-US" sz="2400" b="1" dirty="0" err="1" smtClean="0">
+                <a:solidFill>
+                  <a:schemeClr val="tx1"/>
+                </a:solidFill>
+              </a:rPr>
+              <a:t>selftest</a:t>
+            </a:r>
+            <a:endParaRPr lang="en-US" sz="2400" b="1" dirty="0">
+              <a:solidFill>
+                <a:schemeClr val="tx1"/>
+              </a:solidFill>
+            </a:endParaRPr>
           </a:p>
         </p:txBody>
       </p:sp>
     </p:spTree>
     <p:extLst>
       <p:ext uri="{BB962C8B-B14F-4D97-AF65-F5344CB8AC3E}">
-        <p14:creationId xmlns:p14="http://schemas.microsoft.com/office/powerpoint/2010/main" val="339092790"/>
+        <p14:creationId xmlns:p14="http://schemas.microsoft.com/office/powerpoint/2010/main" val="2455379763"/>
       </p:ext>
     </p:extLst>
   </p:cSld>
@@ -26417,12 +28765,8 @@
           <a:lstStyle/>
           <a:p>
             <a:r>
-              <a:rPr lang="en-US" dirty="0" smtClean="0"/>
-              <a:t>Benchmark reading </a:t>
-            </a:r>
-            <a:r>
               <a:rPr lang="en-US" dirty="0" err="1" smtClean="0"/>
-              <a:t>zonefiles</a:t>
+              <a:t>dyndns</a:t>
             </a:r>
             <a:endParaRPr lang="en-US" dirty="0"/>
           </a:p>
@@ -26438,91 +28782,130 @@
             <p:ph idx="1"/>
           </p:nvPr>
         </p:nvSpPr>
-        <p:spPr/>
+        <p:spPr>
+          <a:xfrm>
+            <a:off x="457201" y="1600200"/>
+            <a:ext cx="6484410" cy="4525963"/>
+          </a:xfrm>
+        </p:spPr>
         <p:txBody>
           <a:bodyPr/>
           <a:lstStyle/>
           <a:p>
             <a:r>
               <a:rPr lang="en-US" dirty="0" smtClean="0"/>
-              <a:t>“</a:t>
-            </a:r>
-            <a:r>
-              <a:rPr lang="en-US" dirty="0" err="1" smtClean="0"/>
-              <a:t>robdns</a:t>
-            </a:r>
-            <a:r>
-              <a:rPr lang="en-US" dirty="0" smtClean="0"/>
-              <a:t> </a:t>
-            </a:r>
-            <a:r>
-              <a:rPr lang="en-US" dirty="0" err="1" smtClean="0"/>
-              <a:t>zonecheck</a:t>
-            </a:r>
-            <a:r>
-              <a:rPr lang="en-US" dirty="0" smtClean="0"/>
-              <a:t> *.zone”</a:t>
+              <a:t>Not really a module, but pervasive</a:t>
+            </a:r>
+          </a:p>
+          <a:p>
+            <a:r>
+              <a:rPr lang="en-US" dirty="0" smtClean="0"/>
+              <a:t>Protect system against insider attack</a:t>
             </a:r>
           </a:p>
           <a:p>
             <a:pPr lvl="1"/>
             <a:r>
               <a:rPr lang="en-US" dirty="0" smtClean="0"/>
-              <a:t>Reads in all the </a:t>
-            </a:r>
-            <a:r>
-              <a:rPr lang="en-US" dirty="0" err="1" smtClean="0"/>
-              <a:t>zonefiles</a:t>
-            </a:r>
-            <a:r>
-              <a:rPr lang="en-US" dirty="0" smtClean="0"/>
-              <a:t> specified on the command line</a:t>
+              <a:t>trusted insider who tries to fill up database</a:t>
             </a:r>
           </a:p>
           <a:p>
             <a:pPr lvl="1"/>
             <a:r>
               <a:rPr lang="en-US" dirty="0" smtClean="0"/>
-              <a:t>Checks to see if they have any errors</a:t>
+              <a:t>trusted insider who tries to fill up a single entry</a:t>
+            </a:r>
+          </a:p>
+          <a:p>
+            <a:pPr lvl="2"/>
+            <a:r>
+              <a:rPr lang="en-US" dirty="0"/>
+              <a:t>b</a:t>
+            </a:r>
+            <a:r>
+              <a:rPr lang="en-US" dirty="0" smtClean="0"/>
+              <a:t>uilding entries is O(n^2) operation</a:t>
             </a:r>
           </a:p>
           <a:p>
             <a:pPr lvl="1"/>
-            <a:r>
-              <a:rPr lang="en-US" dirty="0" smtClean="0"/>
-              <a:t>Prints benchmark statistics on how fast its running</a:t>
-            </a:r>
-          </a:p>
-          <a:p>
-            <a:pPr lvl="1"/>
-            <a:r>
-              <a:rPr lang="en-US" dirty="0" smtClean="0"/>
-              <a:t>Full of </a:t>
-            </a:r>
-            <a:r>
-              <a:rPr lang="en-US" dirty="0" err="1" smtClean="0"/>
-              <a:t>lulz</a:t>
-            </a:r>
-            <a:r>
-              <a:rPr lang="en-US" dirty="0" smtClean="0"/>
-              <a:t> when using “</a:t>
-            </a:r>
-            <a:r>
-              <a:rPr lang="en-US" dirty="0" err="1" smtClean="0"/>
-              <a:t>com.zone</a:t>
-            </a:r>
-            <a:r>
-              <a:rPr lang="en-US" dirty="0" smtClean="0"/>
-              <a:t>” 8-gigabyte file containing the .com zone</a:t>
-            </a:r>
             <a:endParaRPr lang="en-US" dirty="0"/>
+          </a:p>
+        </p:txBody>
+      </p:sp>
+      <p:sp>
+        <p:nvSpPr>
+          <p:cNvPr id="5" name="Rounded Rectangle 4"/>
+          <p:cNvSpPr/>
+          <p:nvPr/>
+        </p:nvSpPr>
+        <p:spPr>
+          <a:xfrm>
+            <a:off x="7192248" y="1335934"/>
+            <a:ext cx="1494552" cy="705086"/>
+          </a:xfrm>
+          <a:prstGeom prst="roundRect">
+            <a:avLst/>
+          </a:prstGeom>
+          <a:solidFill>
+            <a:schemeClr val="bg2">
+              <a:lumMod val="50000"/>
+            </a:schemeClr>
+          </a:solidFill>
+          <a:ln>
+            <a:solidFill>
+              <a:schemeClr val="tx2"/>
+            </a:solidFill>
+          </a:ln>
+          <a:scene3d>
+            <a:camera prst="orthographicFront"/>
+            <a:lightRig rig="threePt" dir="t"/>
+          </a:scene3d>
+          <a:sp3d>
+            <a:bevelT/>
+            <a:bevelB/>
+          </a:sp3d>
+        </p:spPr>
+        <p:style>
+          <a:lnRef idx="1">
+            <a:schemeClr val="accent1"/>
+          </a:lnRef>
+          <a:fillRef idx="3">
+            <a:schemeClr val="accent1"/>
+          </a:fillRef>
+          <a:effectRef idx="2">
+            <a:schemeClr val="accent1"/>
+          </a:effectRef>
+          <a:fontRef idx="minor">
+            <a:schemeClr val="lt1"/>
+          </a:fontRef>
+        </p:style>
+        <p:txBody>
+          <a:bodyPr rtlCol="0" anchor="ctr"/>
+          <a:lstStyle/>
+          <a:p>
+            <a:pPr algn="ctr"/>
+            <a:r>
+              <a:rPr lang="en-US" sz="2400" b="1" dirty="0" err="1" smtClean="0">
+                <a:solidFill>
+                  <a:schemeClr val="tx1"/>
+                </a:solidFill>
+              </a:rPr>
+              <a:t>dyndns</a:t>
+            </a:r>
+            <a:endParaRPr lang="en-US" sz="2400" b="1" dirty="0">
+              <a:solidFill>
+                <a:schemeClr val="tx1"/>
+              </a:solidFill>
+            </a:endParaRPr>
           </a:p>
         </p:txBody>
       </p:sp>
     </p:spTree>
     <p:extLst>
       <p:ext uri="{BB962C8B-B14F-4D97-AF65-F5344CB8AC3E}">
-        <p14:creationId xmlns:p14="http://schemas.microsoft.com/office/powerpoint/2010/main" val="925209333"/>
+        <p14:creationId xmlns:p14="http://schemas.microsoft.com/office/powerpoint/2010/main" val="4200531388"/>
       </p:ext>
     </p:extLst>
   </p:cSld>
@@ -26566,7 +28949,7 @@
           <a:p>
             <a:r>
               <a:rPr lang="en-US" dirty="0" smtClean="0"/>
-              <a:t>Benchmarking requests</a:t>
+              <a:t>Building</a:t>
             </a:r>
             <a:endParaRPr lang="en-US" dirty="0"/>
           </a:p>
@@ -26585,76 +28968,378 @@
         <p:spPr/>
         <p:txBody>
           <a:bodyPr>
-            <a:normAutofit lnSpcReduction="10000"/>
+            <a:normAutofit fontScale="92500" lnSpcReduction="10000"/>
           </a:bodyPr>
           <a:lstStyle/>
           <a:p>
             <a:r>
+              <a:rPr lang="en-US" dirty="0" smtClean="0"/>
+              <a:t>No important dependencies</a:t>
+            </a:r>
+          </a:p>
+          <a:p>
+            <a:pPr lvl="1"/>
+            <a:r>
+              <a:rPr lang="en-US" dirty="0"/>
+              <a:t>a</a:t>
+            </a:r>
+            <a:r>
+              <a:rPr lang="en-US" dirty="0" smtClean="0"/>
+              <a:t>pt-get install </a:t>
+            </a:r>
+            <a:r>
               <a:rPr lang="en-US" dirty="0" err="1" smtClean="0"/>
+              <a:t>gcc</a:t>
+            </a:r>
+            <a:r>
+              <a:rPr lang="en-US" dirty="0" smtClean="0"/>
+              <a:t> g++ make</a:t>
+            </a:r>
+          </a:p>
+          <a:p>
+            <a:r>
+              <a:rPr lang="en-US" dirty="0" smtClean="0"/>
+              <a:t>Just “make”, there is no “./configure”</a:t>
+            </a:r>
+          </a:p>
+          <a:p>
+            <a:pPr lvl="1"/>
+            <a:r>
+              <a:rPr lang="en-US" dirty="0" smtClean="0"/>
+              <a:t>Or load the </a:t>
+            </a:r>
+            <a:r>
+              <a:rPr lang="en-US" dirty="0" err="1" smtClean="0"/>
+              <a:t>VisualStudio</a:t>
+            </a:r>
+            <a:r>
+              <a:rPr lang="en-US" dirty="0" smtClean="0"/>
+              <a:t> 2010 project</a:t>
+            </a:r>
+          </a:p>
+          <a:p>
+            <a:pPr lvl="1"/>
+            <a:r>
+              <a:rPr lang="en-US" dirty="0" smtClean="0"/>
+              <a:t>Or “</a:t>
+            </a:r>
+            <a:r>
+              <a:rPr lang="en-US" dirty="0" err="1" smtClean="0"/>
+              <a:t>gcc</a:t>
+            </a:r>
+            <a:r>
+              <a:rPr lang="en-US" dirty="0" smtClean="0"/>
+              <a:t> *.c *.</a:t>
+            </a:r>
+            <a:r>
+              <a:rPr lang="en-US" dirty="0" err="1" smtClean="0"/>
+              <a:t>cpp</a:t>
+            </a:r>
+            <a:r>
+              <a:rPr lang="en-US" dirty="0" smtClean="0"/>
+              <a:t>”</a:t>
+            </a:r>
+          </a:p>
+          <a:p>
+            <a:r>
+              <a:rPr lang="en-US" dirty="0" smtClean="0"/>
+              <a:t>Run “</a:t>
+            </a:r>
+            <a:r>
+              <a:rPr lang="en-US" dirty="0" err="1" smtClean="0">
+                <a:latin typeface="Courier"/>
+                <a:cs typeface="Courier"/>
+              </a:rPr>
               <a:t>robdns</a:t>
             </a:r>
             <a:r>
-              <a:rPr lang="en-US" dirty="0" smtClean="0"/>
-              <a:t> benchmark</a:t>
+              <a:rPr lang="en-US" dirty="0" smtClean="0">
+                <a:latin typeface="Courier"/>
+                <a:cs typeface="Courier"/>
+              </a:rPr>
+              <a:t> </a:t>
+            </a:r>
+            <a:r>
+              <a:rPr lang="en-US" dirty="0" err="1" smtClean="0">
+                <a:latin typeface="Courier"/>
+                <a:cs typeface="Courier"/>
+              </a:rPr>
+              <a:t>selftest</a:t>
+            </a:r>
+            <a:r>
+              <a:rPr lang="en-US" dirty="0" smtClean="0"/>
+              <a:t>” after building</a:t>
             </a:r>
           </a:p>
           <a:p>
             <a:pPr lvl="1"/>
             <a:r>
               <a:rPr lang="en-US" dirty="0" smtClean="0"/>
-              <a:t>Randomly generates “</a:t>
-            </a:r>
-            <a:r>
-              <a:rPr lang="en-US" dirty="0" err="1" smtClean="0"/>
-              <a:t>example.com</a:t>
-            </a:r>
-            <a:r>
-              <a:rPr lang="en-US" dirty="0" smtClean="0"/>
-              <a:t>” zone with 10-million entries</a:t>
-            </a:r>
-          </a:p>
-          <a:p>
-            <a:pPr lvl="2"/>
-            <a:r>
-              <a:rPr lang="en-US" dirty="0" smtClean="0"/>
-              <a:t>Enough to be un-cacheable in CPU L3 cache</a:t>
+              <a:t>Regression test with 99% code coverage</a:t>
+            </a:r>
+          </a:p>
+          <a:p>
+            <a:r>
+              <a:rPr lang="en-US" dirty="0" smtClean="0"/>
+              <a:t>Platforms</a:t>
             </a:r>
           </a:p>
           <a:p>
             <a:pPr lvl="1"/>
             <a:r>
               <a:rPr lang="en-US" dirty="0" smtClean="0"/>
-              <a:t>Randomly generates a chunk of memory with request packets</a:t>
-            </a:r>
-          </a:p>
-          <a:p>
-            <a:pPr lvl="2"/>
-            <a:r>
-              <a:rPr lang="en-US" dirty="0" smtClean="0"/>
-              <a:t>In random order to prevent cache prefetching</a:t>
+              <a:t>Windows, Mac OS X, Linux, FreeBSD</a:t>
             </a:r>
           </a:p>
           <a:p>
             <a:pPr lvl="1"/>
-            <a:r>
-              <a:rPr lang="en-US" dirty="0" smtClean="0"/>
-              <a:t>Loops sending query packets into system generating response packets</a:t>
-            </a:r>
-          </a:p>
-          <a:p>
-            <a:pPr lvl="1"/>
-            <a:r>
-              <a:rPr lang="en-US" dirty="0" smtClean="0"/>
-              <a:t>Reports requests/second benchmark</a:t>
-            </a:r>
-            <a:endParaRPr lang="en-US" dirty="0"/>
+            <a:endParaRPr lang="en-US" dirty="0" smtClean="0"/>
           </a:p>
         </p:txBody>
       </p:sp>
     </p:spTree>
     <p:extLst>
       <p:ext uri="{BB962C8B-B14F-4D97-AF65-F5344CB8AC3E}">
-        <p14:creationId xmlns:p14="http://schemas.microsoft.com/office/powerpoint/2010/main" val="1008953650"/>
+        <p14:creationId xmlns:p14="http://schemas.microsoft.com/office/powerpoint/2010/main" val="1151342212"/>
+      </p:ext>
+    </p:extLst>
+  </p:cSld>
+  <p:clrMapOvr>
+    <a:masterClrMapping/>
+  </p:clrMapOvr>
+</p:sld>
+</file>
+
+<file path=ppt/slides/slide48.xml><?xml version="1.0" encoding="utf-8"?>
+<p:sld xmlns:a="http://schemas.openxmlformats.org/drawingml/2006/main" xmlns:r="http://schemas.openxmlformats.org/officeDocument/2006/relationships" xmlns:p="http://schemas.openxmlformats.org/presentationml/2006/main">
+  <p:cSld>
+    <p:spTree>
+      <p:nvGrpSpPr>
+        <p:cNvPr id="1" name=""/>
+        <p:cNvGrpSpPr/>
+        <p:nvPr/>
+      </p:nvGrpSpPr>
+      <p:grpSpPr>
+        <a:xfrm>
+          <a:off x="0" y="0"/>
+          <a:ext cx="0" cy="0"/>
+          <a:chOff x="0" y="0"/>
+          <a:chExt cx="0" cy="0"/>
+        </a:xfrm>
+      </p:grpSpPr>
+      <p:sp>
+        <p:nvSpPr>
+          <p:cNvPr id="2" name="Title 1"/>
+          <p:cNvSpPr>
+            <a:spLocks noGrp="1"/>
+          </p:cNvSpPr>
+          <p:nvPr>
+            <p:ph type="title"/>
+          </p:nvPr>
+        </p:nvSpPr>
+        <p:spPr/>
+        <p:txBody>
+          <a:bodyPr/>
+          <a:lstStyle/>
+          <a:p>
+            <a:r>
+              <a:rPr lang="en-US" dirty="0" smtClean="0"/>
+              <a:t>Foreground (for testing)</a:t>
+            </a:r>
+            <a:endParaRPr lang="en-US" dirty="0"/>
+          </a:p>
+        </p:txBody>
+      </p:sp>
+      <p:sp>
+        <p:nvSpPr>
+          <p:cNvPr id="3" name="Content Placeholder 2"/>
+          <p:cNvSpPr>
+            <a:spLocks noGrp="1"/>
+          </p:cNvSpPr>
+          <p:nvPr>
+            <p:ph idx="1"/>
+          </p:nvPr>
+        </p:nvSpPr>
+        <p:spPr/>
+        <p:txBody>
+          <a:bodyPr>
+            <a:normAutofit fontScale="92500"/>
+          </a:bodyPr>
+          <a:lstStyle/>
+          <a:p>
+            <a:r>
+              <a:rPr lang="en-US" dirty="0" err="1"/>
+              <a:t>r</a:t>
+            </a:r>
+            <a:r>
+              <a:rPr lang="en-US" dirty="0" err="1" smtClean="0"/>
+              <a:t>obdns</a:t>
+            </a:r>
+            <a:r>
+              <a:rPr lang="en-US" dirty="0" smtClean="0"/>
+              <a:t> foreground 10.2.3.4 dna0 </a:t>
+            </a:r>
+            <a:r>
+              <a:rPr lang="en-US" dirty="0" err="1" smtClean="0"/>
+              <a:t>example.zone</a:t>
+            </a:r>
+            <a:endParaRPr lang="en-US" dirty="0" smtClean="0"/>
+          </a:p>
+          <a:p>
+            <a:pPr lvl="1"/>
+            <a:r>
+              <a:rPr lang="en-US" dirty="0" smtClean="0"/>
+              <a:t>Runs in “foreground” with logging sent to command-line</a:t>
+            </a:r>
+          </a:p>
+          <a:p>
+            <a:pPr lvl="1"/>
+            <a:r>
+              <a:rPr lang="en-US" dirty="0" smtClean="0"/>
+              <a:t>Needs:</a:t>
+            </a:r>
+          </a:p>
+          <a:p>
+            <a:pPr lvl="2"/>
+            <a:r>
+              <a:rPr lang="en-US" dirty="0" smtClean="0"/>
+              <a:t>IPv4/IPv6 addresses that it will “listen” on</a:t>
+            </a:r>
+          </a:p>
+          <a:p>
+            <a:pPr lvl="3"/>
+            <a:r>
+              <a:rPr lang="en-US" dirty="0" smtClean="0"/>
+              <a:t>NOT ONES ALREADY USED BY THE SYSTEM</a:t>
+            </a:r>
+          </a:p>
+          <a:p>
+            <a:pPr lvl="3"/>
+            <a:r>
+              <a:rPr lang="en-US" dirty="0" smtClean="0"/>
+              <a:t>THIS IS BUILT IN STACK</a:t>
+            </a:r>
+          </a:p>
+          <a:p>
+            <a:pPr lvl="2"/>
+            <a:r>
+              <a:rPr lang="en-US" dirty="0" smtClean="0"/>
+              <a:t>Adapters to listen on which support raw sniffing packet drivers</a:t>
+            </a:r>
+          </a:p>
+          <a:p>
+            <a:pPr lvl="2"/>
+            <a:r>
+              <a:rPr lang="en-US" dirty="0" smtClean="0"/>
+              <a:t>Zone-files in standard zone format to build the database of records</a:t>
+            </a:r>
+          </a:p>
+          <a:p>
+            <a:pPr lvl="2"/>
+            <a:endParaRPr lang="en-US" dirty="0" smtClean="0"/>
+          </a:p>
+          <a:p>
+            <a:pPr lvl="2"/>
+            <a:endParaRPr lang="en-US" dirty="0"/>
+          </a:p>
+        </p:txBody>
+      </p:sp>
+    </p:spTree>
+    <p:extLst>
+      <p:ext uri="{BB962C8B-B14F-4D97-AF65-F5344CB8AC3E}">
+        <p14:creationId xmlns:p14="http://schemas.microsoft.com/office/powerpoint/2010/main" val="309755367"/>
+      </p:ext>
+    </p:extLst>
+  </p:cSld>
+  <p:clrMapOvr>
+    <a:masterClrMapping/>
+  </p:clrMapOvr>
+</p:sld>
+</file>
+
+<file path=ppt/slides/slide49.xml><?xml version="1.0" encoding="utf-8"?>
+<p:sld xmlns:a="http://schemas.openxmlformats.org/drawingml/2006/main" xmlns:r="http://schemas.openxmlformats.org/officeDocument/2006/relationships" xmlns:p="http://schemas.openxmlformats.org/presentationml/2006/main">
+  <p:cSld>
+    <p:spTree>
+      <p:nvGrpSpPr>
+        <p:cNvPr id="1" name=""/>
+        <p:cNvGrpSpPr/>
+        <p:nvPr/>
+      </p:nvGrpSpPr>
+      <p:grpSpPr>
+        <a:xfrm>
+          <a:off x="0" y="0"/>
+          <a:ext cx="0" cy="0"/>
+          <a:chOff x="0" y="0"/>
+          <a:chExt cx="0" cy="0"/>
+        </a:xfrm>
+      </p:grpSpPr>
+      <p:sp>
+        <p:nvSpPr>
+          <p:cNvPr id="2" name="Title 1"/>
+          <p:cNvSpPr>
+            <a:spLocks noGrp="1"/>
+          </p:cNvSpPr>
+          <p:nvPr>
+            <p:ph type="title"/>
+          </p:nvPr>
+        </p:nvSpPr>
+        <p:spPr/>
+        <p:txBody>
+          <a:bodyPr/>
+          <a:lstStyle/>
+          <a:p>
+            <a:r>
+              <a:rPr lang="en-US" dirty="0" smtClean="0"/>
+              <a:t>Background (for operations)</a:t>
+            </a:r>
+            <a:endParaRPr lang="en-US" dirty="0"/>
+          </a:p>
+        </p:txBody>
+      </p:sp>
+      <p:sp>
+        <p:nvSpPr>
+          <p:cNvPr id="3" name="Content Placeholder 2"/>
+          <p:cNvSpPr>
+            <a:spLocks noGrp="1"/>
+          </p:cNvSpPr>
+          <p:nvPr>
+            <p:ph idx="1"/>
+          </p:nvPr>
+        </p:nvSpPr>
+        <p:spPr/>
+        <p:txBody>
+          <a:bodyPr/>
+          <a:lstStyle/>
+          <a:p>
+            <a:r>
+              <a:rPr lang="en-US" dirty="0" err="1" smtClean="0"/>
+              <a:t>Robdns</a:t>
+            </a:r>
+            <a:r>
+              <a:rPr lang="en-US" dirty="0" smtClean="0"/>
+              <a:t> daemon /</a:t>
+            </a:r>
+            <a:r>
+              <a:rPr lang="en-US" dirty="0" err="1" smtClean="0"/>
+              <a:t>etc</a:t>
+            </a:r>
+            <a:r>
+              <a:rPr lang="en-US" dirty="0" smtClean="0"/>
+              <a:t>/</a:t>
+            </a:r>
+            <a:r>
+              <a:rPr lang="en-US" dirty="0" err="1" smtClean="0"/>
+              <a:t>robdns.conf</a:t>
+            </a:r>
+            <a:endParaRPr lang="en-US" dirty="0"/>
+          </a:p>
+        </p:txBody>
+      </p:sp>
+    </p:spTree>
+    <p:extLst>
+      <p:ext uri="{BB962C8B-B14F-4D97-AF65-F5344CB8AC3E}">
+        <p14:creationId xmlns:p14="http://schemas.microsoft.com/office/powerpoint/2010/main" val="526491949"/>
       </p:ext>
     </p:extLst>
   </p:cSld>
@@ -26758,6 +29443,380 @@
     <p:extLst>
       <p:ext uri="{BB962C8B-B14F-4D97-AF65-F5344CB8AC3E}">
         <p14:creationId xmlns:p14="http://schemas.microsoft.com/office/powerpoint/2010/main" val="2554373061"/>
+      </p:ext>
+    </p:extLst>
+  </p:cSld>
+  <p:clrMapOvr>
+    <a:masterClrMapping/>
+  </p:clrMapOvr>
+</p:sld>
+</file>
+
+<file path=ppt/slides/slide50.xml><?xml version="1.0" encoding="utf-8"?>
+<p:sld xmlns:a="http://schemas.openxmlformats.org/drawingml/2006/main" xmlns:r="http://schemas.openxmlformats.org/officeDocument/2006/relationships" xmlns:p="http://schemas.openxmlformats.org/presentationml/2006/main">
+  <p:cSld>
+    <p:spTree>
+      <p:nvGrpSpPr>
+        <p:cNvPr id="1" name=""/>
+        <p:cNvGrpSpPr/>
+        <p:nvPr/>
+      </p:nvGrpSpPr>
+      <p:grpSpPr>
+        <a:xfrm>
+          <a:off x="0" y="0"/>
+          <a:ext cx="0" cy="0"/>
+          <a:chOff x="0" y="0"/>
+          <a:chExt cx="0" cy="0"/>
+        </a:xfrm>
+      </p:grpSpPr>
+      <p:sp>
+        <p:nvSpPr>
+          <p:cNvPr id="2" name="Title 1"/>
+          <p:cNvSpPr>
+            <a:spLocks noGrp="1"/>
+          </p:cNvSpPr>
+          <p:nvPr>
+            <p:ph type="title"/>
+          </p:nvPr>
+        </p:nvSpPr>
+        <p:spPr/>
+        <p:txBody>
+          <a:bodyPr/>
+          <a:lstStyle/>
+          <a:p>
+            <a:r>
+              <a:rPr lang="en-US" dirty="0" smtClean="0"/>
+              <a:t>Regression test</a:t>
+            </a:r>
+            <a:endParaRPr lang="en-US" dirty="0"/>
+          </a:p>
+        </p:txBody>
+      </p:sp>
+      <p:sp>
+        <p:nvSpPr>
+          <p:cNvPr id="3" name="Content Placeholder 2"/>
+          <p:cNvSpPr>
+            <a:spLocks noGrp="1"/>
+          </p:cNvSpPr>
+          <p:nvPr>
+            <p:ph idx="1"/>
+          </p:nvPr>
+        </p:nvSpPr>
+        <p:spPr/>
+        <p:txBody>
+          <a:bodyPr/>
+          <a:lstStyle/>
+          <a:p>
+            <a:r>
+              <a:rPr lang="en-US" dirty="0" smtClean="0"/>
+              <a:t>“</a:t>
+            </a:r>
+            <a:r>
+              <a:rPr lang="en-US" dirty="0" err="1" smtClean="0"/>
+              <a:t>robdns</a:t>
+            </a:r>
+            <a:r>
+              <a:rPr lang="en-US" dirty="0" smtClean="0"/>
+              <a:t> </a:t>
+            </a:r>
+            <a:r>
+              <a:rPr lang="en-US" dirty="0" err="1" smtClean="0"/>
+              <a:t>selftest</a:t>
+            </a:r>
+            <a:r>
+              <a:rPr lang="en-US" dirty="0" smtClean="0"/>
+              <a:t>”</a:t>
+            </a:r>
+          </a:p>
+          <a:p>
+            <a:endParaRPr lang="en-US" dirty="0"/>
+          </a:p>
+        </p:txBody>
+      </p:sp>
+    </p:spTree>
+    <p:extLst>
+      <p:ext uri="{BB962C8B-B14F-4D97-AF65-F5344CB8AC3E}">
+        <p14:creationId xmlns:p14="http://schemas.microsoft.com/office/powerpoint/2010/main" val="339092790"/>
+      </p:ext>
+    </p:extLst>
+  </p:cSld>
+  <p:clrMapOvr>
+    <a:masterClrMapping/>
+  </p:clrMapOvr>
+</p:sld>
+</file>
+
+<file path=ppt/slides/slide51.xml><?xml version="1.0" encoding="utf-8"?>
+<p:sld xmlns:a="http://schemas.openxmlformats.org/drawingml/2006/main" xmlns:r="http://schemas.openxmlformats.org/officeDocument/2006/relationships" xmlns:p="http://schemas.openxmlformats.org/presentationml/2006/main">
+  <p:cSld>
+    <p:spTree>
+      <p:nvGrpSpPr>
+        <p:cNvPr id="1" name=""/>
+        <p:cNvGrpSpPr/>
+        <p:nvPr/>
+      </p:nvGrpSpPr>
+      <p:grpSpPr>
+        <a:xfrm>
+          <a:off x="0" y="0"/>
+          <a:ext cx="0" cy="0"/>
+          <a:chOff x="0" y="0"/>
+          <a:chExt cx="0" cy="0"/>
+        </a:xfrm>
+      </p:grpSpPr>
+      <p:sp>
+        <p:nvSpPr>
+          <p:cNvPr id="2" name="Title 1"/>
+          <p:cNvSpPr>
+            <a:spLocks noGrp="1"/>
+          </p:cNvSpPr>
+          <p:nvPr>
+            <p:ph type="title"/>
+          </p:nvPr>
+        </p:nvSpPr>
+        <p:spPr/>
+        <p:txBody>
+          <a:bodyPr/>
+          <a:lstStyle/>
+          <a:p>
+            <a:r>
+              <a:rPr lang="en-US" dirty="0" smtClean="0"/>
+              <a:t>Benchmark reading </a:t>
+            </a:r>
+            <a:r>
+              <a:rPr lang="en-US" dirty="0" err="1" smtClean="0"/>
+              <a:t>zonefiles</a:t>
+            </a:r>
+            <a:endParaRPr lang="en-US" dirty="0"/>
+          </a:p>
+        </p:txBody>
+      </p:sp>
+      <p:sp>
+        <p:nvSpPr>
+          <p:cNvPr id="3" name="Content Placeholder 2"/>
+          <p:cNvSpPr>
+            <a:spLocks noGrp="1"/>
+          </p:cNvSpPr>
+          <p:nvPr>
+            <p:ph idx="1"/>
+          </p:nvPr>
+        </p:nvSpPr>
+        <p:spPr/>
+        <p:txBody>
+          <a:bodyPr/>
+          <a:lstStyle/>
+          <a:p>
+            <a:r>
+              <a:rPr lang="en-US" dirty="0" smtClean="0"/>
+              <a:t>“</a:t>
+            </a:r>
+            <a:r>
+              <a:rPr lang="en-US" dirty="0" err="1" smtClean="0"/>
+              <a:t>robdns</a:t>
+            </a:r>
+            <a:r>
+              <a:rPr lang="en-US" dirty="0" smtClean="0"/>
+              <a:t> </a:t>
+            </a:r>
+            <a:r>
+              <a:rPr lang="en-US" dirty="0" err="1" smtClean="0"/>
+              <a:t>zonecheck</a:t>
+            </a:r>
+            <a:r>
+              <a:rPr lang="en-US" dirty="0" smtClean="0"/>
+              <a:t> *.zone”</a:t>
+            </a:r>
+          </a:p>
+          <a:p>
+            <a:pPr lvl="1"/>
+            <a:r>
+              <a:rPr lang="en-US" dirty="0" smtClean="0"/>
+              <a:t>Reads in all the </a:t>
+            </a:r>
+            <a:r>
+              <a:rPr lang="en-US" dirty="0" err="1" smtClean="0"/>
+              <a:t>zonefiles</a:t>
+            </a:r>
+            <a:r>
+              <a:rPr lang="en-US" dirty="0" smtClean="0"/>
+              <a:t> specified on the command line</a:t>
+            </a:r>
+          </a:p>
+          <a:p>
+            <a:pPr lvl="1"/>
+            <a:r>
+              <a:rPr lang="en-US" dirty="0" smtClean="0"/>
+              <a:t>Checks to see if they have any errors</a:t>
+            </a:r>
+          </a:p>
+          <a:p>
+            <a:pPr lvl="1"/>
+            <a:r>
+              <a:rPr lang="en-US" dirty="0" smtClean="0"/>
+              <a:t>Prints benchmark statistics on how fast its running</a:t>
+            </a:r>
+          </a:p>
+          <a:p>
+            <a:pPr lvl="1"/>
+            <a:r>
+              <a:rPr lang="en-US" dirty="0" smtClean="0"/>
+              <a:t>Full of </a:t>
+            </a:r>
+            <a:r>
+              <a:rPr lang="en-US" dirty="0" err="1" smtClean="0"/>
+              <a:t>lulz</a:t>
+            </a:r>
+            <a:r>
+              <a:rPr lang="en-US" dirty="0" smtClean="0"/>
+              <a:t> when using “</a:t>
+            </a:r>
+            <a:r>
+              <a:rPr lang="en-US" dirty="0" err="1" smtClean="0"/>
+              <a:t>com.zone</a:t>
+            </a:r>
+            <a:r>
+              <a:rPr lang="en-US" dirty="0" smtClean="0"/>
+              <a:t>” 8-gigabyte file containing the .com zone</a:t>
+            </a:r>
+            <a:endParaRPr lang="en-US" dirty="0"/>
+          </a:p>
+        </p:txBody>
+      </p:sp>
+    </p:spTree>
+    <p:extLst>
+      <p:ext uri="{BB962C8B-B14F-4D97-AF65-F5344CB8AC3E}">
+        <p14:creationId xmlns:p14="http://schemas.microsoft.com/office/powerpoint/2010/main" val="925209333"/>
+      </p:ext>
+    </p:extLst>
+  </p:cSld>
+  <p:clrMapOvr>
+    <a:masterClrMapping/>
+  </p:clrMapOvr>
+</p:sld>
+</file>
+
+<file path=ppt/slides/slide52.xml><?xml version="1.0" encoding="utf-8"?>
+<p:sld xmlns:a="http://schemas.openxmlformats.org/drawingml/2006/main" xmlns:r="http://schemas.openxmlformats.org/officeDocument/2006/relationships" xmlns:p="http://schemas.openxmlformats.org/presentationml/2006/main">
+  <p:cSld>
+    <p:spTree>
+      <p:nvGrpSpPr>
+        <p:cNvPr id="1" name=""/>
+        <p:cNvGrpSpPr/>
+        <p:nvPr/>
+      </p:nvGrpSpPr>
+      <p:grpSpPr>
+        <a:xfrm>
+          <a:off x="0" y="0"/>
+          <a:ext cx="0" cy="0"/>
+          <a:chOff x="0" y="0"/>
+          <a:chExt cx="0" cy="0"/>
+        </a:xfrm>
+      </p:grpSpPr>
+      <p:sp>
+        <p:nvSpPr>
+          <p:cNvPr id="2" name="Title 1"/>
+          <p:cNvSpPr>
+            <a:spLocks noGrp="1"/>
+          </p:cNvSpPr>
+          <p:nvPr>
+            <p:ph type="title"/>
+          </p:nvPr>
+        </p:nvSpPr>
+        <p:spPr/>
+        <p:txBody>
+          <a:bodyPr/>
+          <a:lstStyle/>
+          <a:p>
+            <a:r>
+              <a:rPr lang="en-US" dirty="0" smtClean="0"/>
+              <a:t>Benchmarking requests</a:t>
+            </a:r>
+            <a:endParaRPr lang="en-US" dirty="0"/>
+          </a:p>
+        </p:txBody>
+      </p:sp>
+      <p:sp>
+        <p:nvSpPr>
+          <p:cNvPr id="3" name="Content Placeholder 2"/>
+          <p:cNvSpPr>
+            <a:spLocks noGrp="1"/>
+          </p:cNvSpPr>
+          <p:nvPr>
+            <p:ph idx="1"/>
+          </p:nvPr>
+        </p:nvSpPr>
+        <p:spPr/>
+        <p:txBody>
+          <a:bodyPr>
+            <a:normAutofit lnSpcReduction="10000"/>
+          </a:bodyPr>
+          <a:lstStyle/>
+          <a:p>
+            <a:r>
+              <a:rPr lang="en-US" dirty="0" err="1" smtClean="0"/>
+              <a:t>robdns</a:t>
+            </a:r>
+            <a:r>
+              <a:rPr lang="en-US" dirty="0" smtClean="0"/>
+              <a:t> benchmark</a:t>
+            </a:r>
+          </a:p>
+          <a:p>
+            <a:pPr lvl="1"/>
+            <a:r>
+              <a:rPr lang="en-US" dirty="0" smtClean="0"/>
+              <a:t>Randomly generates “</a:t>
+            </a:r>
+            <a:r>
+              <a:rPr lang="en-US" dirty="0" err="1" smtClean="0"/>
+              <a:t>example.com</a:t>
+            </a:r>
+            <a:r>
+              <a:rPr lang="en-US" dirty="0" smtClean="0"/>
+              <a:t>” zone with 10-million entries</a:t>
+            </a:r>
+          </a:p>
+          <a:p>
+            <a:pPr lvl="2"/>
+            <a:r>
+              <a:rPr lang="en-US" dirty="0" smtClean="0"/>
+              <a:t>Enough to be un-cacheable in CPU L3 cache</a:t>
+            </a:r>
+          </a:p>
+          <a:p>
+            <a:pPr lvl="1"/>
+            <a:r>
+              <a:rPr lang="en-US" dirty="0" smtClean="0"/>
+              <a:t>Randomly generates a chunk of memory with request packets</a:t>
+            </a:r>
+          </a:p>
+          <a:p>
+            <a:pPr lvl="2"/>
+            <a:r>
+              <a:rPr lang="en-US" dirty="0" smtClean="0"/>
+              <a:t>In random order to prevent cache prefetching</a:t>
+            </a:r>
+          </a:p>
+          <a:p>
+            <a:pPr lvl="1"/>
+            <a:r>
+              <a:rPr lang="en-US" dirty="0" smtClean="0"/>
+              <a:t>Loops sending query packets into system generating response packets</a:t>
+            </a:r>
+          </a:p>
+          <a:p>
+            <a:pPr lvl="1"/>
+            <a:r>
+              <a:rPr lang="en-US" dirty="0" smtClean="0"/>
+              <a:t>Reports requests/second benchmark</a:t>
+            </a:r>
+            <a:endParaRPr lang="en-US" dirty="0"/>
+          </a:p>
+        </p:txBody>
+      </p:sp>
+    </p:spTree>
+    <p:extLst>
+      <p:ext uri="{BB962C8B-B14F-4D97-AF65-F5344CB8AC3E}">
+        <p14:creationId xmlns:p14="http://schemas.microsoft.com/office/powerpoint/2010/main" val="1008953650"/>
       </p:ext>
     </p:extLst>
   </p:cSld>
